--- a/courses/sysprog/slides/lec05-fun.pptx
+++ b/courses/sysprog/slides/lec05-fun.pptx
@@ -5,34 +5,34 @@
     <p:sldMasterId id="2147483648" r:id="rId1"/>
   </p:sldMasterIdLst>
   <p:handoutMasterIdLst>
-    <p:handoutMasterId r:id="rId23"/>
+    <p:handoutMasterId r:id="rId22"/>
   </p:handoutMasterIdLst>
   <p:sldIdLst>
-    <p:sldId id="256" r:id="rId3"/>
-    <p:sldId id="282" r:id="rId4"/>
-    <p:sldId id="280" r:id="rId5"/>
-    <p:sldId id="281" r:id="rId6"/>
-    <p:sldId id="307" r:id="rId7"/>
-    <p:sldId id="308" r:id="rId8"/>
-    <p:sldId id="284" r:id="rId9"/>
-    <p:sldId id="294" r:id="rId10"/>
-    <p:sldId id="305" r:id="rId11"/>
-    <p:sldId id="295" r:id="rId12"/>
-    <p:sldId id="297" r:id="rId13"/>
-    <p:sldId id="309" r:id="rId14"/>
-    <p:sldId id="299" r:id="rId15"/>
-    <p:sldId id="300" r:id="rId16"/>
-    <p:sldId id="285" r:id="rId17"/>
-    <p:sldId id="292" r:id="rId18"/>
-    <p:sldId id="310" r:id="rId19"/>
-    <p:sldId id="303" r:id="rId20"/>
-    <p:sldId id="290" r:id="rId21"/>
-    <p:sldId id="291" r:id="rId22"/>
+    <p:sldId id="256" r:id="rId2"/>
+    <p:sldId id="282" r:id="rId3"/>
+    <p:sldId id="280" r:id="rId4"/>
+    <p:sldId id="281" r:id="rId5"/>
+    <p:sldId id="307" r:id="rId6"/>
+    <p:sldId id="308" r:id="rId7"/>
+    <p:sldId id="284" r:id="rId8"/>
+    <p:sldId id="294" r:id="rId9"/>
+    <p:sldId id="305" r:id="rId10"/>
+    <p:sldId id="295" r:id="rId11"/>
+    <p:sldId id="297" r:id="rId12"/>
+    <p:sldId id="309" r:id="rId13"/>
+    <p:sldId id="299" r:id="rId14"/>
+    <p:sldId id="300" r:id="rId15"/>
+    <p:sldId id="285" r:id="rId16"/>
+    <p:sldId id="292" r:id="rId17"/>
+    <p:sldId id="310" r:id="rId18"/>
+    <p:sldId id="303" r:id="rId19"/>
+    <p:sldId id="290" r:id="rId20"/>
+    <p:sldId id="291" r:id="rId21"/>
   </p:sldIdLst>
   <p:sldSz cx="9144000" cy="6858000" type="screen4x3"/>
-  <p:notesSz cx="7099300" cy="10234295"/>
+  <p:notesSz cx="7099300" cy="10234613"/>
   <p:custDataLst>
-    <p:tags r:id="rId27"/>
+    <p:tags r:id="rId23"/>
   </p:custDataLst>
   <p:defaultTextStyle>
     <a:defPPr>
@@ -159,6 +159,36 @@
       </a:defRPr>
     </a:lvl9pPr>
   </p:defaultTextStyle>
+  <p:extLst>
+    <p:ext uri="{EFAFB233-063F-42B5-8137-9DF3F51BA10A}">
+      <p15:sldGuideLst xmlns:p15="http://schemas.microsoft.com/office/powerpoint/2012/main">
+        <p15:guide id="1" orient="horz" pos="2160">
+          <p15:clr>
+            <a:srgbClr val="A4A3A4"/>
+          </p15:clr>
+        </p15:guide>
+        <p15:guide id="2" pos="2880">
+          <p15:clr>
+            <a:srgbClr val="A4A3A4"/>
+          </p15:clr>
+        </p15:guide>
+      </p15:sldGuideLst>
+    </p:ext>
+    <p:ext uri="{2D200454-40CA-4A62-9FC3-DE9A4176ACB9}">
+      <p15:notesGuideLst xmlns:p15="http://schemas.microsoft.com/office/powerpoint/2012/main">
+        <p15:guide id="1" orient="horz" pos="3223">
+          <p15:clr>
+            <a:srgbClr val="A4A3A4"/>
+          </p15:clr>
+        </p15:guide>
+        <p15:guide id="2" pos="2236">
+          <p15:clr>
+            <a:srgbClr val="A4A3A4"/>
+          </p15:clr>
+        </p15:guide>
+      </p15:notesGuideLst>
+    </p:ext>
+  </p:extLst>
 </p:presentation>
 </file>
 
@@ -449,6 +479,7 @@
           <a:p>
             <a:fld id="{28A4D142-45DA-4DEF-9F09-E009244CBB71}" type="slidenum">
               <a:rPr lang="en-US" altLang="zh-CN"/>
+              <a:t>‹#›</a:t>
             </a:fld>
             <a:endParaRPr lang="en-US" altLang="zh-CN"/>
           </a:p>
@@ -461,7 +492,7 @@
 </file>
 
 <file path=ppt/slideLayouts/slideLayout1.xml><?xml version="1.0" encoding="utf-8"?>
-<p:sldLayout xmlns:a="http://schemas.openxmlformats.org/drawingml/2006/main" xmlns:r="http://schemas.openxmlformats.org/officeDocument/2006/relationships" xmlns:p="http://schemas.openxmlformats.org/presentationml/2006/main" type="title" preserve="1" showMasterSp="0">
+<p:sldLayout xmlns:a="http://schemas.openxmlformats.org/drawingml/2006/main" xmlns:r="http://schemas.openxmlformats.org/officeDocument/2006/relationships" xmlns:p="http://schemas.openxmlformats.org/presentationml/2006/main" showMasterSp="0" type="title" preserve="1">
   <p:cSld name="标题幻灯片">
     <p:spTree>
       <p:nvGrpSpPr>
@@ -954,7 +985,6 @@
               <a:rPr lang="zh-CN" altLang="en-US" noProof="0"/>
               <a:t>单击此处编辑母版标题样式</a:t>
             </a:r>
-            <a:endParaRPr lang="zh-CN" altLang="en-US" noProof="0"/>
           </a:p>
         </p:txBody>
       </p:sp>
@@ -989,7 +1019,6 @@
               <a:rPr lang="zh-CN" altLang="en-US" noProof="0"/>
               <a:t>单击此处编辑母版副标题样式</a:t>
             </a:r>
-            <a:endParaRPr lang="zh-CN" altLang="en-US" noProof="0"/>
           </a:p>
         </p:txBody>
       </p:sp>
@@ -1087,6 +1116,7 @@
           <a:p>
             <a:fld id="{0C32A29A-960B-4573-8DF4-5617E604C129}" type="slidenum">
               <a:rPr lang="en-US" altLang="zh-CN"/>
+              <a:t>‹#›</a:t>
             </a:fld>
             <a:endParaRPr lang="en-US" altLang="zh-CN"/>
           </a:p>
@@ -1136,7 +1166,6 @@
               <a:rPr lang="zh-CN" altLang="en-US"/>
               <a:t>单击此处编辑母版标题样式</a:t>
             </a:r>
-            <a:endParaRPr lang="zh-CN" altLang="en-US"/>
           </a:p>
         </p:txBody>
       </p:sp>
@@ -1160,7 +1189,6 @@
               <a:rPr lang="zh-CN" altLang="en-US"/>
               <a:t>单击此处编辑母版文本样式</a:t>
             </a:r>
-            <a:endParaRPr lang="zh-CN" altLang="en-US"/>
           </a:p>
           <a:p>
             <a:pPr lvl="1"/>
@@ -1168,7 +1196,6 @@
               <a:rPr lang="zh-CN" altLang="en-US"/>
               <a:t>二级</a:t>
             </a:r>
-            <a:endParaRPr lang="zh-CN" altLang="en-US"/>
           </a:p>
           <a:p>
             <a:pPr lvl="2"/>
@@ -1176,7 +1203,6 @@
               <a:rPr lang="zh-CN" altLang="en-US"/>
               <a:t>三级</a:t>
             </a:r>
-            <a:endParaRPr lang="zh-CN" altLang="en-US"/>
           </a:p>
           <a:p>
             <a:pPr lvl="3"/>
@@ -1184,7 +1210,6 @@
               <a:rPr lang="zh-CN" altLang="en-US"/>
               <a:t>四级</a:t>
             </a:r>
-            <a:endParaRPr lang="zh-CN" altLang="en-US"/>
           </a:p>
           <a:p>
             <a:pPr lvl="4"/>
@@ -1192,7 +1217,6 @@
               <a:rPr lang="zh-CN" altLang="en-US"/>
               <a:t>五级</a:t>
             </a:r>
-            <a:endParaRPr lang="zh-CN" altLang="en-US"/>
           </a:p>
         </p:txBody>
       </p:sp>
@@ -1263,6 +1287,7 @@
           <a:p>
             <a:fld id="{C6267AEF-2944-43DE-BEA8-13E4D03400AA}" type="slidenum">
               <a:rPr lang="en-US" altLang="zh-CN"/>
+              <a:t>‹#›</a:t>
             </a:fld>
             <a:endParaRPr lang="en-US" altLang="zh-CN"/>
           </a:p>
@@ -1317,7 +1342,6 @@
               <a:rPr lang="zh-CN" altLang="en-US"/>
               <a:t>单击此处编辑母版标题样式</a:t>
             </a:r>
-            <a:endParaRPr lang="zh-CN" altLang="en-US"/>
           </a:p>
         </p:txBody>
       </p:sp>
@@ -1346,7 +1370,6 @@
               <a:rPr lang="zh-CN" altLang="en-US"/>
               <a:t>单击此处编辑母版文本样式</a:t>
             </a:r>
-            <a:endParaRPr lang="zh-CN" altLang="en-US"/>
           </a:p>
           <a:p>
             <a:pPr lvl="1"/>
@@ -1354,7 +1377,6 @@
               <a:rPr lang="zh-CN" altLang="en-US"/>
               <a:t>二级</a:t>
             </a:r>
-            <a:endParaRPr lang="zh-CN" altLang="en-US"/>
           </a:p>
           <a:p>
             <a:pPr lvl="2"/>
@@ -1362,7 +1384,6 @@
               <a:rPr lang="zh-CN" altLang="en-US"/>
               <a:t>三级</a:t>
             </a:r>
-            <a:endParaRPr lang="zh-CN" altLang="en-US"/>
           </a:p>
           <a:p>
             <a:pPr lvl="3"/>
@@ -1370,7 +1391,6 @@
               <a:rPr lang="zh-CN" altLang="en-US"/>
               <a:t>四级</a:t>
             </a:r>
-            <a:endParaRPr lang="zh-CN" altLang="en-US"/>
           </a:p>
           <a:p>
             <a:pPr lvl="4"/>
@@ -1378,7 +1398,6 @@
               <a:rPr lang="zh-CN" altLang="en-US"/>
               <a:t>五级</a:t>
             </a:r>
-            <a:endParaRPr lang="zh-CN" altLang="en-US"/>
           </a:p>
         </p:txBody>
       </p:sp>
@@ -1449,6 +1468,7 @@
           <a:p>
             <a:fld id="{3E8F3E4A-576B-42AC-9E5B-880F8CE4381D}" type="slidenum">
               <a:rPr lang="en-US" altLang="zh-CN"/>
+              <a:t>‹#›</a:t>
             </a:fld>
             <a:endParaRPr lang="en-US" altLang="zh-CN"/>
           </a:p>
@@ -1503,7 +1523,6 @@
               <a:rPr lang="zh-CN" altLang="en-US"/>
               <a:t>单击此处编辑母版标题样式</a:t>
             </a:r>
-            <a:endParaRPr lang="zh-CN" altLang="en-US"/>
           </a:p>
         </p:txBody>
       </p:sp>
@@ -1613,6 +1632,7 @@
           <a:p>
             <a:fld id="{5C40ADDB-994C-4AAB-A1C3-74EA28D1FFBB}" type="slidenum">
               <a:rPr lang="en-US" altLang="zh-CN"/>
+              <a:t>‹#›</a:t>
             </a:fld>
             <a:endParaRPr lang="en-US" altLang="zh-CN"/>
           </a:p>
@@ -1662,7 +1682,6 @@
               <a:rPr lang="zh-CN" altLang="en-US"/>
               <a:t>单击此处编辑母版标题样式</a:t>
             </a:r>
-            <a:endParaRPr lang="zh-CN" altLang="en-US"/>
           </a:p>
         </p:txBody>
       </p:sp>
@@ -1686,7 +1705,6 @@
               <a:rPr lang="zh-CN" altLang="en-US"/>
               <a:t>单击此处编辑母版文本样式</a:t>
             </a:r>
-            <a:endParaRPr lang="zh-CN" altLang="en-US"/>
           </a:p>
           <a:p>
             <a:pPr lvl="1"/>
@@ -1694,7 +1712,6 @@
               <a:rPr lang="zh-CN" altLang="en-US"/>
               <a:t>二级</a:t>
             </a:r>
-            <a:endParaRPr lang="zh-CN" altLang="en-US"/>
           </a:p>
           <a:p>
             <a:pPr lvl="2"/>
@@ -1702,7 +1719,6 @@
               <a:rPr lang="zh-CN" altLang="en-US"/>
               <a:t>三级</a:t>
             </a:r>
-            <a:endParaRPr lang="zh-CN" altLang="en-US"/>
           </a:p>
           <a:p>
             <a:pPr lvl="3"/>
@@ -1710,7 +1726,6 @@
               <a:rPr lang="zh-CN" altLang="en-US"/>
               <a:t>四级</a:t>
             </a:r>
-            <a:endParaRPr lang="zh-CN" altLang="en-US"/>
           </a:p>
           <a:p>
             <a:pPr lvl="4"/>
@@ -1718,7 +1733,6 @@
               <a:rPr lang="zh-CN" altLang="en-US"/>
               <a:t>五级</a:t>
             </a:r>
-            <a:endParaRPr lang="zh-CN" altLang="en-US"/>
           </a:p>
         </p:txBody>
       </p:sp>
@@ -1789,6 +1803,7 @@
           <a:p>
             <a:fld id="{B3D0580F-1A80-43E0-9F30-9D9B15D2925E}" type="slidenum">
               <a:rPr lang="en-US" altLang="zh-CN"/>
+              <a:t>‹#›</a:t>
             </a:fld>
             <a:endParaRPr lang="en-US" altLang="zh-CN"/>
           </a:p>
@@ -1847,7 +1862,6 @@
               <a:rPr lang="zh-CN" altLang="en-US"/>
               <a:t>单击此处编辑母版标题样式</a:t>
             </a:r>
-            <a:endParaRPr lang="zh-CN" altLang="en-US"/>
           </a:p>
         </p:txBody>
       </p:sp>
@@ -1913,7 +1927,6 @@
               <a:rPr lang="zh-CN" altLang="en-US"/>
               <a:t>单击此处编辑母版文本样式</a:t>
             </a:r>
-            <a:endParaRPr lang="zh-CN" altLang="en-US"/>
           </a:p>
         </p:txBody>
       </p:sp>
@@ -1984,6 +1997,7 @@
           <a:p>
             <a:fld id="{6C055D30-2BB5-46E5-B049-6958A846BEBE}" type="slidenum">
               <a:rPr lang="en-US" altLang="zh-CN"/>
+              <a:t>‹#›</a:t>
             </a:fld>
             <a:endParaRPr lang="en-US" altLang="zh-CN"/>
           </a:p>
@@ -2033,7 +2047,6 @@
               <a:rPr lang="zh-CN" altLang="en-US"/>
               <a:t>单击此处编辑母版标题样式</a:t>
             </a:r>
-            <a:endParaRPr lang="zh-CN" altLang="en-US"/>
           </a:p>
         </p:txBody>
       </p:sp>
@@ -2062,7 +2075,6 @@
               <a:rPr lang="zh-CN" altLang="en-US"/>
               <a:t>单击此处编辑母版文本样式</a:t>
             </a:r>
-            <a:endParaRPr lang="zh-CN" altLang="en-US"/>
           </a:p>
           <a:p>
             <a:pPr lvl="1"/>
@@ -2070,7 +2082,6 @@
               <a:rPr lang="zh-CN" altLang="en-US"/>
               <a:t>二级</a:t>
             </a:r>
-            <a:endParaRPr lang="zh-CN" altLang="en-US"/>
           </a:p>
           <a:p>
             <a:pPr lvl="2"/>
@@ -2078,7 +2089,6 @@
               <a:rPr lang="zh-CN" altLang="en-US"/>
               <a:t>三级</a:t>
             </a:r>
-            <a:endParaRPr lang="zh-CN" altLang="en-US"/>
           </a:p>
           <a:p>
             <a:pPr lvl="3"/>
@@ -2086,7 +2096,6 @@
               <a:rPr lang="zh-CN" altLang="en-US"/>
               <a:t>四级</a:t>
             </a:r>
-            <a:endParaRPr lang="zh-CN" altLang="en-US"/>
           </a:p>
           <a:p>
             <a:pPr lvl="4"/>
@@ -2094,7 +2103,6 @@
               <a:rPr lang="zh-CN" altLang="en-US"/>
               <a:t>五级</a:t>
             </a:r>
-            <a:endParaRPr lang="zh-CN" altLang="en-US"/>
           </a:p>
         </p:txBody>
       </p:sp>
@@ -2123,7 +2131,6 @@
               <a:rPr lang="zh-CN" altLang="en-US"/>
               <a:t>单击此处编辑母版文本样式</a:t>
             </a:r>
-            <a:endParaRPr lang="zh-CN" altLang="en-US"/>
           </a:p>
           <a:p>
             <a:pPr lvl="1"/>
@@ -2131,7 +2138,6 @@
               <a:rPr lang="zh-CN" altLang="en-US"/>
               <a:t>二级</a:t>
             </a:r>
-            <a:endParaRPr lang="zh-CN" altLang="en-US"/>
           </a:p>
           <a:p>
             <a:pPr lvl="2"/>
@@ -2139,7 +2145,6 @@
               <a:rPr lang="zh-CN" altLang="en-US"/>
               <a:t>三级</a:t>
             </a:r>
-            <a:endParaRPr lang="zh-CN" altLang="en-US"/>
           </a:p>
           <a:p>
             <a:pPr lvl="3"/>
@@ -2147,7 +2152,6 @@
               <a:rPr lang="zh-CN" altLang="en-US"/>
               <a:t>四级</a:t>
             </a:r>
-            <a:endParaRPr lang="zh-CN" altLang="en-US"/>
           </a:p>
           <a:p>
             <a:pPr lvl="4"/>
@@ -2155,7 +2159,6 @@
               <a:rPr lang="zh-CN" altLang="en-US"/>
               <a:t>五级</a:t>
             </a:r>
-            <a:endParaRPr lang="zh-CN" altLang="en-US"/>
           </a:p>
         </p:txBody>
       </p:sp>
@@ -2226,6 +2229,7 @@
           <a:p>
             <a:fld id="{2B8D9E93-3481-4A1D-B3F5-B36A748079F5}" type="slidenum">
               <a:rPr lang="en-US" altLang="zh-CN"/>
+              <a:t>‹#›</a:t>
             </a:fld>
             <a:endParaRPr lang="en-US" altLang="zh-CN"/>
           </a:p>
@@ -2280,7 +2284,6 @@
               <a:rPr lang="zh-CN" altLang="en-US"/>
               <a:t>单击此处编辑母版标题样式</a:t>
             </a:r>
-            <a:endParaRPr lang="zh-CN" altLang="en-US"/>
           </a:p>
         </p:txBody>
       </p:sp>
@@ -2346,7 +2349,6 @@
               <a:rPr lang="zh-CN" altLang="en-US"/>
               <a:t>单击此处编辑母版文本样式</a:t>
             </a:r>
-            <a:endParaRPr lang="zh-CN" altLang="en-US"/>
           </a:p>
         </p:txBody>
       </p:sp>
@@ -2375,7 +2377,6 @@
               <a:rPr lang="zh-CN" altLang="en-US"/>
               <a:t>单击此处编辑母版文本样式</a:t>
             </a:r>
-            <a:endParaRPr lang="zh-CN" altLang="en-US"/>
           </a:p>
           <a:p>
             <a:pPr lvl="1"/>
@@ -2383,7 +2384,6 @@
               <a:rPr lang="zh-CN" altLang="en-US"/>
               <a:t>二级</a:t>
             </a:r>
-            <a:endParaRPr lang="zh-CN" altLang="en-US"/>
           </a:p>
           <a:p>
             <a:pPr lvl="2"/>
@@ -2391,7 +2391,6 @@
               <a:rPr lang="zh-CN" altLang="en-US"/>
               <a:t>三级</a:t>
             </a:r>
-            <a:endParaRPr lang="zh-CN" altLang="en-US"/>
           </a:p>
           <a:p>
             <a:pPr lvl="3"/>
@@ -2399,7 +2398,6 @@
               <a:rPr lang="zh-CN" altLang="en-US"/>
               <a:t>四级</a:t>
             </a:r>
-            <a:endParaRPr lang="zh-CN" altLang="en-US"/>
           </a:p>
           <a:p>
             <a:pPr lvl="4"/>
@@ -2407,7 +2405,6 @@
               <a:rPr lang="zh-CN" altLang="en-US"/>
               <a:t>五级</a:t>
             </a:r>
-            <a:endParaRPr lang="zh-CN" altLang="en-US"/>
           </a:p>
         </p:txBody>
       </p:sp>
@@ -2473,7 +2470,6 @@
               <a:rPr lang="zh-CN" altLang="en-US"/>
               <a:t>单击此处编辑母版文本样式</a:t>
             </a:r>
-            <a:endParaRPr lang="zh-CN" altLang="en-US"/>
           </a:p>
         </p:txBody>
       </p:sp>
@@ -2502,7 +2498,6 @@
               <a:rPr lang="zh-CN" altLang="en-US"/>
               <a:t>单击此处编辑母版文本样式</a:t>
             </a:r>
-            <a:endParaRPr lang="zh-CN" altLang="en-US"/>
           </a:p>
           <a:p>
             <a:pPr lvl="1"/>
@@ -2510,7 +2505,6 @@
               <a:rPr lang="zh-CN" altLang="en-US"/>
               <a:t>二级</a:t>
             </a:r>
-            <a:endParaRPr lang="zh-CN" altLang="en-US"/>
           </a:p>
           <a:p>
             <a:pPr lvl="2"/>
@@ -2518,7 +2512,6 @@
               <a:rPr lang="zh-CN" altLang="en-US"/>
               <a:t>三级</a:t>
             </a:r>
-            <a:endParaRPr lang="zh-CN" altLang="en-US"/>
           </a:p>
           <a:p>
             <a:pPr lvl="3"/>
@@ -2526,7 +2519,6 @@
               <a:rPr lang="zh-CN" altLang="en-US"/>
               <a:t>四级</a:t>
             </a:r>
-            <a:endParaRPr lang="zh-CN" altLang="en-US"/>
           </a:p>
           <a:p>
             <a:pPr lvl="4"/>
@@ -2534,7 +2526,6 @@
               <a:rPr lang="zh-CN" altLang="en-US"/>
               <a:t>五级</a:t>
             </a:r>
-            <a:endParaRPr lang="zh-CN" altLang="en-US"/>
           </a:p>
         </p:txBody>
       </p:sp>
@@ -2605,6 +2596,7 @@
           <a:p>
             <a:fld id="{1647D70D-7889-46DE-B75D-4543E56D94D3}" type="slidenum">
               <a:rPr lang="en-US" altLang="zh-CN"/>
+              <a:t>‹#›</a:t>
             </a:fld>
             <a:endParaRPr lang="en-US" altLang="zh-CN"/>
           </a:p>
@@ -2654,7 +2646,6 @@
               <a:rPr lang="zh-CN" altLang="en-US"/>
               <a:t>单击此处编辑母版标题样式</a:t>
             </a:r>
-            <a:endParaRPr lang="zh-CN" altLang="en-US"/>
           </a:p>
         </p:txBody>
       </p:sp>
@@ -2725,6 +2716,7 @@
           <a:p>
             <a:fld id="{8576D4E9-0F92-42EB-ABE1-BB9D4D5851D8}" type="slidenum">
               <a:rPr lang="en-US" altLang="zh-CN"/>
+              <a:t>‹#›</a:t>
             </a:fld>
             <a:endParaRPr lang="en-US" altLang="zh-CN"/>
           </a:p>
@@ -2822,6 +2814,7 @@
           <a:p>
             <a:fld id="{6F897AD7-B84E-452A-A2B0-C13B16E1CB4F}" type="slidenum">
               <a:rPr lang="en-US" altLang="zh-CN"/>
+              <a:t>‹#›</a:t>
             </a:fld>
             <a:endParaRPr lang="en-US" altLang="zh-CN"/>
           </a:p>
@@ -2880,7 +2873,6 @@
               <a:rPr lang="zh-CN" altLang="en-US"/>
               <a:t>单击此处编辑母版标题样式</a:t>
             </a:r>
-            <a:endParaRPr lang="zh-CN" altLang="en-US"/>
           </a:p>
         </p:txBody>
       </p:sp>
@@ -2937,7 +2929,6 @@
               <a:rPr lang="zh-CN" altLang="en-US"/>
               <a:t>单击此处编辑母版文本样式</a:t>
             </a:r>
-            <a:endParaRPr lang="zh-CN" altLang="en-US"/>
           </a:p>
           <a:p>
             <a:pPr lvl="1"/>
@@ -2945,7 +2936,6 @@
               <a:rPr lang="zh-CN" altLang="en-US"/>
               <a:t>二级</a:t>
             </a:r>
-            <a:endParaRPr lang="zh-CN" altLang="en-US"/>
           </a:p>
           <a:p>
             <a:pPr lvl="2"/>
@@ -2953,7 +2943,6 @@
               <a:rPr lang="zh-CN" altLang="en-US"/>
               <a:t>三级</a:t>
             </a:r>
-            <a:endParaRPr lang="zh-CN" altLang="en-US"/>
           </a:p>
           <a:p>
             <a:pPr lvl="3"/>
@@ -2961,7 +2950,6 @@
               <a:rPr lang="zh-CN" altLang="en-US"/>
               <a:t>四级</a:t>
             </a:r>
-            <a:endParaRPr lang="zh-CN" altLang="en-US"/>
           </a:p>
           <a:p>
             <a:pPr lvl="4"/>
@@ -2969,7 +2957,6 @@
               <a:rPr lang="zh-CN" altLang="en-US"/>
               <a:t>五级</a:t>
             </a:r>
-            <a:endParaRPr lang="zh-CN" altLang="en-US"/>
           </a:p>
         </p:txBody>
       </p:sp>
@@ -3035,7 +3022,6 @@
               <a:rPr lang="zh-CN" altLang="en-US"/>
               <a:t>单击此处编辑母版文本样式</a:t>
             </a:r>
-            <a:endParaRPr lang="zh-CN" altLang="en-US"/>
           </a:p>
         </p:txBody>
       </p:sp>
@@ -3106,6 +3092,7 @@
           <a:p>
             <a:fld id="{35B575E3-4B3C-438C-8C12-ACE467F8917F}" type="slidenum">
               <a:rPr lang="en-US" altLang="zh-CN"/>
+              <a:t>‹#›</a:t>
             </a:fld>
             <a:endParaRPr lang="en-US" altLang="zh-CN"/>
           </a:p>
@@ -3164,7 +3151,6 @@
               <a:rPr lang="zh-CN" altLang="en-US"/>
               <a:t>单击此处编辑母版标题样式</a:t>
             </a:r>
-            <a:endParaRPr lang="zh-CN" altLang="en-US"/>
           </a:p>
         </p:txBody>
       </p:sp>
@@ -3291,7 +3277,6 @@
               <a:rPr lang="zh-CN" altLang="en-US"/>
               <a:t>单击此处编辑母版文本样式</a:t>
             </a:r>
-            <a:endParaRPr lang="zh-CN" altLang="en-US"/>
           </a:p>
         </p:txBody>
       </p:sp>
@@ -3362,6 +3347,7 @@
           <a:p>
             <a:fld id="{C76AFBB7-F151-4C72-A97E-7B23A8B60EED}" type="slidenum">
               <a:rPr lang="en-US" altLang="zh-CN"/>
+              <a:t>‹#›</a:t>
             </a:fld>
             <a:endParaRPr lang="en-US" altLang="zh-CN"/>
           </a:p>
@@ -3871,7 +3857,6 @@
               <a:rPr lang="zh-CN" altLang="en-US"/>
               <a:t>单击此处编辑母版标题样式</a:t>
             </a:r>
-            <a:endParaRPr lang="zh-CN" altLang="en-US"/>
           </a:p>
         </p:txBody>
       </p:sp>
@@ -3936,7 +3921,6 @@
               <a:rPr lang="zh-CN" altLang="en-US"/>
               <a:t>单击此处编辑母版文本样式</a:t>
             </a:r>
-            <a:endParaRPr lang="zh-CN" altLang="en-US"/>
           </a:p>
           <a:p>
             <a:pPr lvl="1"/>
@@ -3944,7 +3928,6 @@
               <a:rPr lang="zh-CN" altLang="en-US"/>
               <a:t>第二级</a:t>
             </a:r>
-            <a:endParaRPr lang="zh-CN" altLang="en-US"/>
           </a:p>
           <a:p>
             <a:pPr lvl="2"/>
@@ -3952,7 +3935,6 @@
               <a:rPr lang="zh-CN" altLang="en-US"/>
               <a:t>第三级</a:t>
             </a:r>
-            <a:endParaRPr lang="zh-CN" altLang="en-US"/>
           </a:p>
           <a:p>
             <a:pPr lvl="3"/>
@@ -3960,7 +3942,6 @@
               <a:rPr lang="zh-CN" altLang="en-US"/>
               <a:t>第四级</a:t>
             </a:r>
-            <a:endParaRPr lang="zh-CN" altLang="en-US"/>
           </a:p>
           <a:p>
             <a:pPr lvl="4"/>
@@ -3968,7 +3949,6 @@
               <a:rPr lang="zh-CN" altLang="en-US"/>
               <a:t>第五级</a:t>
             </a:r>
-            <a:endParaRPr lang="zh-CN" altLang="en-US"/>
           </a:p>
         </p:txBody>
       </p:sp>
@@ -4162,6 +4142,7 @@
           <a:p>
             <a:fld id="{C00C1FEB-AFFB-4B3C-A66F-A9710AA3EF52}" type="slidenum">
               <a:rPr lang="en-US" altLang="zh-CN"/>
+              <a:t>‹#›</a:t>
             </a:fld>
             <a:endParaRPr lang="en-US" altLang="zh-CN"/>
           </a:p>
@@ -4642,7 +4623,6 @@
               <a:rPr lang="en-US" altLang="zh-CN"/>
               <a:t>Functions</a:t>
             </a:r>
-            <a:endParaRPr lang="en-US" altLang="zh-CN"/>
           </a:p>
         </p:txBody>
       </p:sp>
@@ -4665,21 +4645,18 @@
               <a:rPr lang="en-US" altLang="zh-CN" sz="3600"/>
               <a:t>C Language</a:t>
             </a:r>
-            <a:endParaRPr lang="en-US" altLang="zh-CN" sz="3600"/>
           </a:p>
           <a:p>
             <a:r>
               <a:rPr lang="en-US" altLang="zh-CN" sz="2800"/>
               <a:t>Baojian Hua</a:t>
             </a:r>
-            <a:endParaRPr lang="en-US" altLang="zh-CN" sz="2800"/>
           </a:p>
           <a:p>
             <a:r>
               <a:rPr lang="en-US" altLang="zh-CN" sz="2400"/>
               <a:t>bjhua@ustc.edu.cn</a:t>
             </a:r>
-            <a:endParaRPr lang="en-US" altLang="zh-CN" sz="2400"/>
           </a:p>
         </p:txBody>
       </p:sp>
@@ -4727,7 +4704,6 @@
               <a:rPr lang="en-US" altLang="zh-CN"/>
               <a:t>Static Variables</a:t>
             </a:r>
-            <a:endParaRPr lang="en-US" altLang="zh-CN"/>
           </a:p>
         </p:txBody>
       </p:sp>
@@ -4755,7 +4731,6 @@
               <a:rPr lang="en-US" altLang="zh-CN"/>
               <a:t>By default, all external variables and functions (in all source files) are visible to all program code</a:t>
             </a:r>
-            <a:endParaRPr lang="en-US" altLang="zh-CN"/>
           </a:p>
           <a:p>
             <a:pPr lvl="1">
@@ -4767,7 +4742,6 @@
               <a:rPr lang="en-US" altLang="zh-CN"/>
               <a:t>whether or not in same source file</a:t>
             </a:r>
-            <a:endParaRPr lang="en-US" altLang="zh-CN"/>
           </a:p>
           <a:p>
             <a:pPr>
@@ -4779,7 +4753,6 @@
               <a:rPr lang="en-US" altLang="zh-CN"/>
               <a:t>However, in some circumstance, we want to keep our data private</a:t>
             </a:r>
-            <a:endParaRPr lang="en-US" altLang="zh-CN"/>
           </a:p>
           <a:p>
             <a:pPr lvl="1">
@@ -4791,7 +4764,6 @@
               <a:rPr lang="en-US" altLang="zh-CN"/>
               <a:t>Ex: visa number and passwd</a:t>
             </a:r>
-            <a:endParaRPr lang="en-US" altLang="zh-CN"/>
           </a:p>
           <a:p>
             <a:pPr>
@@ -4823,7 +4795,6 @@
               <a:rPr lang="en-US" altLang="zh-CN"/>
               <a:t> mechanism</a:t>
             </a:r>
-            <a:endParaRPr lang="en-US" altLang="zh-CN"/>
           </a:p>
         </p:txBody>
       </p:sp>
@@ -4871,7 +4842,6 @@
               <a:rPr lang="en-US" altLang="zh-CN"/>
               <a:t>Static Variables</a:t>
             </a:r>
-            <a:endParaRPr lang="en-US" altLang="zh-CN"/>
           </a:p>
         </p:txBody>
       </p:sp>
@@ -4898,7 +4868,6 @@
               <a:rPr lang="en-US" altLang="zh-CN"/>
               <a:t> </a:t>
             </a:r>
-            <a:endParaRPr lang="en-US" altLang="zh-CN"/>
           </a:p>
         </p:txBody>
       </p:sp>
@@ -4952,9 +4921,6 @@
               </a:rPr>
               <a:t>// main.c</a:t>
             </a:r>
-            <a:endParaRPr lang="en-US" altLang="zh-CN" sz="2000" b="1">
-              <a:latin typeface="Courier New" panose="02070309020205020404" pitchFamily="49" charset="0"/>
-            </a:endParaRPr>
           </a:p>
           <a:p>
             <a:r>
@@ -4966,6 +4932,19 @@
               </a:rPr>
               <a:t>extern int myDollar;</a:t>
             </a:r>
+          </a:p>
+          <a:p>
+            <a:r>
+              <a:rPr lang="en-US" altLang="zh-CN" sz="2000" b="1">
+                <a:solidFill>
+                  <a:schemeClr val="folHlink"/>
+                </a:solidFill>
+                <a:latin typeface="Courier New" panose="02070309020205020404" pitchFamily="49" charset="0"/>
+              </a:rPr>
+              <a:t>extern void add(int a);</a:t>
+            </a:r>
+          </a:p>
+          <a:p>
             <a:endParaRPr lang="en-US" altLang="zh-CN" sz="2000" b="1">
               <a:solidFill>
                 <a:schemeClr val="folHlink"/>
@@ -4981,22 +4960,8 @@
                 </a:solidFill>
                 <a:latin typeface="Courier New" panose="02070309020205020404" pitchFamily="49" charset="0"/>
               </a:rPr>
-              <a:t>extern void add(int a);</a:t>
-            </a:r>
-            <a:endParaRPr lang="en-US" altLang="zh-CN" sz="2000" b="1">
-              <a:solidFill>
-                <a:schemeClr val="folHlink"/>
-              </a:solidFill>
-              <a:latin typeface="Courier New" panose="02070309020205020404" pitchFamily="49" charset="0"/>
-            </a:endParaRPr>
-          </a:p>
-          <a:p>
-            <a:endParaRPr lang="en-US" altLang="zh-CN" sz="2000" b="1">
-              <a:solidFill>
-                <a:schemeClr val="folHlink"/>
-              </a:solidFill>
-              <a:latin typeface="Courier New" panose="02070309020205020404" pitchFamily="49" charset="0"/>
-            </a:endParaRPr>
+              <a:t>int main(){</a:t>
+            </a:r>
           </a:p>
           <a:p>
             <a:r>
@@ -5006,14 +4971,8 @@
                 </a:solidFill>
                 <a:latin typeface="Courier New" panose="02070309020205020404" pitchFamily="49" charset="0"/>
               </a:rPr>
-              <a:t>int main(){</a:t>
-            </a:r>
-            <a:endParaRPr lang="en-US" altLang="zh-CN" sz="2000" b="1">
-              <a:solidFill>
-                <a:schemeClr val="folHlink"/>
-              </a:solidFill>
-              <a:latin typeface="Courier New" panose="02070309020205020404" pitchFamily="49" charset="0"/>
-            </a:endParaRPr>
+              <a:t>  // Ooooops!</a:t>
+            </a:r>
           </a:p>
           <a:p>
             <a:r>
@@ -5023,14 +4982,8 @@
                 </a:solidFill>
                 <a:latin typeface="Courier New" panose="02070309020205020404" pitchFamily="49" charset="0"/>
               </a:rPr>
-              <a:t>  // Ooooops!</a:t>
-            </a:r>
-            <a:endParaRPr lang="en-US" altLang="zh-CN" sz="2000" b="1">
-              <a:solidFill>
-                <a:schemeClr val="folHlink"/>
-              </a:solidFill>
-              <a:latin typeface="Courier New" panose="02070309020205020404" pitchFamily="49" charset="0"/>
-            </a:endParaRPr>
+              <a:t>  myDollar -= 999999;</a:t>
+            </a:r>
           </a:p>
           <a:p>
             <a:r>
@@ -5040,14 +4993,8 @@
                 </a:solidFill>
                 <a:latin typeface="Courier New" panose="02070309020205020404" pitchFamily="49" charset="0"/>
               </a:rPr>
-              <a:t>  myDollar -= 999999;</a:t>
-            </a:r>
-            <a:endParaRPr lang="en-US" altLang="zh-CN" sz="2000" b="1">
-              <a:solidFill>
-                <a:schemeClr val="folHlink"/>
-              </a:solidFill>
-              <a:latin typeface="Courier New" panose="02070309020205020404" pitchFamily="49" charset="0"/>
-            </a:endParaRPr>
+              <a:t>  add (999999);</a:t>
+            </a:r>
           </a:p>
           <a:p>
             <a:r>
@@ -5057,14 +5004,8 @@
                 </a:solidFill>
                 <a:latin typeface="Courier New" panose="02070309020205020404" pitchFamily="49" charset="0"/>
               </a:rPr>
-              <a:t>  add (999999);</a:t>
-            </a:r>
-            <a:endParaRPr lang="en-US" altLang="zh-CN" sz="2000" b="1">
-              <a:solidFill>
-                <a:schemeClr val="folHlink"/>
-              </a:solidFill>
-              <a:latin typeface="Courier New" panose="02070309020205020404" pitchFamily="49" charset="0"/>
-            </a:endParaRPr>
+              <a:t>  …;</a:t>
+            </a:r>
           </a:p>
           <a:p>
             <a:r>
@@ -5074,31 +5015,8 @@
                 </a:solidFill>
                 <a:latin typeface="Courier New" panose="02070309020205020404" pitchFamily="49" charset="0"/>
               </a:rPr>
-              <a:t>  …;</a:t>
-            </a:r>
-            <a:endParaRPr lang="en-US" altLang="zh-CN" sz="2000" b="1">
-              <a:solidFill>
-                <a:schemeClr val="folHlink"/>
-              </a:solidFill>
-              <a:latin typeface="Courier New" panose="02070309020205020404" pitchFamily="49" charset="0"/>
-            </a:endParaRPr>
-          </a:p>
-          <a:p>
-            <a:r>
-              <a:rPr lang="en-US" altLang="zh-CN" sz="2000" b="1">
-                <a:solidFill>
-                  <a:schemeClr val="folHlink"/>
-                </a:solidFill>
-                <a:latin typeface="Courier New" panose="02070309020205020404" pitchFamily="49" charset="0"/>
-              </a:rPr>
               <a:t>}</a:t>
             </a:r>
-            <a:endParaRPr lang="en-US" altLang="zh-CN" sz="2000" b="1">
-              <a:solidFill>
-                <a:schemeClr val="folHlink"/>
-              </a:solidFill>
-              <a:latin typeface="Courier New" panose="02070309020205020404" pitchFamily="49" charset="0"/>
-            </a:endParaRPr>
           </a:p>
         </p:txBody>
       </p:sp>
@@ -5152,9 +5070,6 @@
               </a:rPr>
               <a:t>// visa.c</a:t>
             </a:r>
-            <a:endParaRPr lang="en-US" altLang="zh-CN" sz="2000" b="1">
-              <a:latin typeface="Courier New" panose="02070309020205020404" pitchFamily="49" charset="0"/>
-            </a:endParaRPr>
           </a:p>
           <a:p>
             <a:r>
@@ -5166,6 +5081,8 @@
               </a:rPr>
               <a:t>int myDollar;</a:t>
             </a:r>
+          </a:p>
+          <a:p>
             <a:endParaRPr lang="en-US" altLang="zh-CN" sz="2000" b="1">
               <a:solidFill>
                 <a:schemeClr val="folHlink"/>
@@ -5174,6 +5091,39 @@
             </a:endParaRPr>
           </a:p>
           <a:p>
+            <a:r>
+              <a:rPr lang="en-US" altLang="zh-CN" sz="2000" b="1">
+                <a:solidFill>
+                  <a:schemeClr val="folHlink"/>
+                </a:solidFill>
+                <a:latin typeface="Courier New" panose="02070309020205020404" pitchFamily="49" charset="0"/>
+              </a:rPr>
+              <a:t>int lookup(){</a:t>
+            </a:r>
+          </a:p>
+          <a:p>
+            <a:r>
+              <a:rPr lang="en-US" altLang="zh-CN" sz="2000" b="1">
+                <a:solidFill>
+                  <a:schemeClr val="folHlink"/>
+                </a:solidFill>
+                <a:latin typeface="Courier New" panose="02070309020205020404" pitchFamily="49" charset="0"/>
+              </a:rPr>
+              <a:t>  return myDollar;</a:t>
+            </a:r>
+          </a:p>
+          <a:p>
+            <a:r>
+              <a:rPr lang="en-US" altLang="zh-CN" sz="2000" b="1">
+                <a:solidFill>
+                  <a:schemeClr val="folHlink"/>
+                </a:solidFill>
+                <a:latin typeface="Courier New" panose="02070309020205020404" pitchFamily="49" charset="0"/>
+              </a:rPr>
+              <a:t>}</a:t>
+            </a:r>
+          </a:p>
+          <a:p>
             <a:endParaRPr lang="en-US" altLang="zh-CN" sz="2000" b="1">
               <a:solidFill>
                 <a:schemeClr val="folHlink"/>
@@ -5189,8 +5139,32 @@
                 </a:solidFill>
                 <a:latin typeface="Courier New" panose="02070309020205020404" pitchFamily="49" charset="0"/>
               </a:rPr>
-              <a:t>int lookup(){</a:t>
-            </a:r>
+              <a:t>void add(int a){</a:t>
+            </a:r>
+          </a:p>
+          <a:p>
+            <a:r>
+              <a:rPr lang="en-US" altLang="zh-CN" sz="2000" b="1">
+                <a:solidFill>
+                  <a:schemeClr val="folHlink"/>
+                </a:solidFill>
+                <a:latin typeface="Courier New" panose="02070309020205020404" pitchFamily="49" charset="0"/>
+              </a:rPr>
+              <a:t>  myDollar += a;</a:t>
+            </a:r>
+          </a:p>
+          <a:p>
+            <a:r>
+              <a:rPr lang="en-US" altLang="zh-CN" sz="2000" b="1">
+                <a:solidFill>
+                  <a:schemeClr val="folHlink"/>
+                </a:solidFill>
+                <a:latin typeface="Courier New" panose="02070309020205020404" pitchFamily="49" charset="0"/>
+              </a:rPr>
+              <a:t>}</a:t>
+            </a:r>
+          </a:p>
+          <a:p>
             <a:endParaRPr lang="en-US" altLang="zh-CN" sz="2000" b="1">
               <a:solidFill>
                 <a:schemeClr val="folHlink"/>
@@ -5206,115 +5180,8 @@
                 </a:solidFill>
                 <a:latin typeface="Courier New" panose="02070309020205020404" pitchFamily="49" charset="0"/>
               </a:rPr>
-              <a:t>  return myDollar;</a:t>
-            </a:r>
-            <a:endParaRPr lang="en-US" altLang="zh-CN" sz="2000" b="1">
-              <a:solidFill>
-                <a:schemeClr val="folHlink"/>
-              </a:solidFill>
-              <a:latin typeface="Courier New" panose="02070309020205020404" pitchFamily="49" charset="0"/>
-            </a:endParaRPr>
-          </a:p>
-          <a:p>
-            <a:r>
-              <a:rPr lang="en-US" altLang="zh-CN" sz="2000" b="1">
-                <a:solidFill>
-                  <a:schemeClr val="folHlink"/>
-                </a:solidFill>
-                <a:latin typeface="Courier New" panose="02070309020205020404" pitchFamily="49" charset="0"/>
-              </a:rPr>
-              <a:t>}</a:t>
-            </a:r>
-            <a:endParaRPr lang="en-US" altLang="zh-CN" sz="2000" b="1">
-              <a:solidFill>
-                <a:schemeClr val="folHlink"/>
-              </a:solidFill>
-              <a:latin typeface="Courier New" panose="02070309020205020404" pitchFamily="49" charset="0"/>
-            </a:endParaRPr>
-          </a:p>
-          <a:p>
-            <a:endParaRPr lang="en-US" altLang="zh-CN" sz="2000" b="1">
-              <a:solidFill>
-                <a:schemeClr val="folHlink"/>
-              </a:solidFill>
-              <a:latin typeface="Courier New" panose="02070309020205020404" pitchFamily="49" charset="0"/>
-            </a:endParaRPr>
-          </a:p>
-          <a:p>
-            <a:r>
-              <a:rPr lang="en-US" altLang="zh-CN" sz="2000" b="1">
-                <a:solidFill>
-                  <a:schemeClr val="folHlink"/>
-                </a:solidFill>
-                <a:latin typeface="Courier New" panose="02070309020205020404" pitchFamily="49" charset="0"/>
-              </a:rPr>
-              <a:t>void add(int a){</a:t>
-            </a:r>
-            <a:endParaRPr lang="en-US" altLang="zh-CN" sz="2000" b="1">
-              <a:solidFill>
-                <a:schemeClr val="folHlink"/>
-              </a:solidFill>
-              <a:latin typeface="Courier New" panose="02070309020205020404" pitchFamily="49" charset="0"/>
-            </a:endParaRPr>
-          </a:p>
-          <a:p>
-            <a:r>
-              <a:rPr lang="en-US" altLang="zh-CN" sz="2000" b="1">
-                <a:solidFill>
-                  <a:schemeClr val="folHlink"/>
-                </a:solidFill>
-                <a:latin typeface="Courier New" panose="02070309020205020404" pitchFamily="49" charset="0"/>
-              </a:rPr>
-              <a:t>  myDollar += a;</a:t>
-            </a:r>
-            <a:endParaRPr lang="en-US" altLang="zh-CN" sz="2000" b="1">
-              <a:solidFill>
-                <a:schemeClr val="folHlink"/>
-              </a:solidFill>
-              <a:latin typeface="Courier New" panose="02070309020205020404" pitchFamily="49" charset="0"/>
-            </a:endParaRPr>
-          </a:p>
-          <a:p>
-            <a:r>
-              <a:rPr lang="en-US" altLang="zh-CN" sz="2000" b="1">
-                <a:solidFill>
-                  <a:schemeClr val="folHlink"/>
-                </a:solidFill>
-                <a:latin typeface="Courier New" panose="02070309020205020404" pitchFamily="49" charset="0"/>
-              </a:rPr>
-              <a:t>}</a:t>
-            </a:r>
-            <a:endParaRPr lang="en-US" altLang="zh-CN" sz="2000" b="1">
-              <a:solidFill>
-                <a:schemeClr val="folHlink"/>
-              </a:solidFill>
-              <a:latin typeface="Courier New" panose="02070309020205020404" pitchFamily="49" charset="0"/>
-            </a:endParaRPr>
-          </a:p>
-          <a:p>
-            <a:endParaRPr lang="en-US" altLang="zh-CN" sz="2000" b="1">
-              <a:solidFill>
-                <a:schemeClr val="folHlink"/>
-              </a:solidFill>
-              <a:latin typeface="Courier New" panose="02070309020205020404" pitchFamily="49" charset="0"/>
-            </a:endParaRPr>
-          </a:p>
-          <a:p>
-            <a:r>
-              <a:rPr lang="en-US" altLang="zh-CN" sz="2000" b="1">
-                <a:solidFill>
-                  <a:schemeClr val="folHlink"/>
-                </a:solidFill>
-                <a:latin typeface="Courier New" panose="02070309020205020404" pitchFamily="49" charset="0"/>
-              </a:rPr>
               <a:t>// void sub(int a)</a:t>
             </a:r>
-            <a:endParaRPr lang="en-US" altLang="zh-CN" sz="2000" b="1">
-              <a:solidFill>
-                <a:schemeClr val="folHlink"/>
-              </a:solidFill>
-              <a:latin typeface="Courier New" panose="02070309020205020404" pitchFamily="49" charset="0"/>
-            </a:endParaRPr>
           </a:p>
         </p:txBody>
       </p:sp>
@@ -5362,7 +5229,6 @@
               <a:rPr lang="en-US" altLang="zh-CN"/>
               <a:t>Static Variables</a:t>
             </a:r>
-            <a:endParaRPr lang="en-US" altLang="zh-CN"/>
           </a:p>
         </p:txBody>
       </p:sp>
@@ -5389,7 +5255,6 @@
               <a:rPr lang="en-US" altLang="zh-CN"/>
               <a:t> </a:t>
             </a:r>
-            <a:endParaRPr lang="en-US" altLang="zh-CN"/>
           </a:p>
         </p:txBody>
       </p:sp>
@@ -5443,9 +5308,6 @@
               </a:rPr>
               <a:t>// main.c</a:t>
             </a:r>
-            <a:endParaRPr lang="en-US" altLang="zh-CN" sz="2000" b="1">
-              <a:latin typeface="Courier New" panose="02070309020205020404" pitchFamily="49" charset="0"/>
-            </a:endParaRPr>
           </a:p>
           <a:p>
             <a:r>
@@ -5454,9 +5316,6 @@
               </a:rPr>
               <a:t>// compiler complains…</a:t>
             </a:r>
-            <a:endParaRPr lang="en-US" altLang="zh-CN" sz="2000" b="1">
-              <a:latin typeface="Courier New" panose="02070309020205020404" pitchFamily="49" charset="0"/>
-            </a:endParaRPr>
           </a:p>
           <a:p>
             <a:r>
@@ -5468,12 +5327,6 @@
               </a:rPr>
               <a:t>extern int myDollar;</a:t>
             </a:r>
-            <a:endParaRPr lang="en-US" altLang="zh-CN" sz="2000" b="1">
-              <a:solidFill>
-                <a:schemeClr val="hlink"/>
-              </a:solidFill>
-              <a:latin typeface="Courier New" panose="02070309020205020404" pitchFamily="49" charset="0"/>
-            </a:endParaRPr>
           </a:p>
           <a:p>
             <a:r>
@@ -5485,6 +5338,8 @@
               </a:rPr>
               <a:t>extern void add (int a);</a:t>
             </a:r>
+          </a:p>
+          <a:p>
             <a:endParaRPr lang="en-US" altLang="zh-CN" sz="2000" b="1">
               <a:solidFill>
                 <a:schemeClr val="folHlink"/>
@@ -5493,14 +5348,6 @@
             </a:endParaRPr>
           </a:p>
           <a:p>
-            <a:endParaRPr lang="en-US" altLang="zh-CN" sz="2000" b="1">
-              <a:solidFill>
-                <a:schemeClr val="folHlink"/>
-              </a:solidFill>
-              <a:latin typeface="Courier New" panose="02070309020205020404" pitchFamily="49" charset="0"/>
-            </a:endParaRPr>
-          </a:p>
-          <a:p>
             <a:r>
               <a:rPr lang="en-US" altLang="zh-CN" sz="2000" b="1">
                 <a:solidFill>
@@ -5510,12 +5357,6 @@
               </a:rPr>
               <a:t>int main (){</a:t>
             </a:r>
-            <a:endParaRPr lang="en-US" altLang="zh-CN" sz="2000" b="1">
-              <a:solidFill>
-                <a:schemeClr val="folHlink"/>
-              </a:solidFill>
-              <a:latin typeface="Courier New" panose="02070309020205020404" pitchFamily="49" charset="0"/>
-            </a:endParaRPr>
           </a:p>
           <a:p>
             <a:r>
@@ -5527,12 +5368,6 @@
               </a:rPr>
               <a:t>  // Ooooops!</a:t>
             </a:r>
-            <a:endParaRPr lang="en-US" altLang="zh-CN" sz="2000" b="1">
-              <a:solidFill>
-                <a:schemeClr val="folHlink"/>
-              </a:solidFill>
-              <a:latin typeface="Courier New" panose="02070309020205020404" pitchFamily="49" charset="0"/>
-            </a:endParaRPr>
           </a:p>
           <a:p>
             <a:r>
@@ -5544,12 +5379,6 @@
               </a:rPr>
               <a:t>  myDollar -= 999999;</a:t>
             </a:r>
-            <a:endParaRPr lang="en-US" altLang="zh-CN" sz="2000" b="1">
-              <a:solidFill>
-                <a:schemeClr val="folHlink"/>
-              </a:solidFill>
-              <a:latin typeface="Courier New" panose="02070309020205020404" pitchFamily="49" charset="0"/>
-            </a:endParaRPr>
           </a:p>
           <a:p>
             <a:r>
@@ -5561,12 +5390,6 @@
               </a:rPr>
               <a:t>  add (999999);</a:t>
             </a:r>
-            <a:endParaRPr lang="en-US" altLang="zh-CN" sz="2000" b="1">
-              <a:solidFill>
-                <a:schemeClr val="folHlink"/>
-              </a:solidFill>
-              <a:latin typeface="Courier New" panose="02070309020205020404" pitchFamily="49" charset="0"/>
-            </a:endParaRPr>
           </a:p>
           <a:p>
             <a:r>
@@ -5578,12 +5401,6 @@
               </a:rPr>
               <a:t>  …;</a:t>
             </a:r>
-            <a:endParaRPr lang="en-US" altLang="zh-CN" sz="2000" b="1">
-              <a:solidFill>
-                <a:schemeClr val="folHlink"/>
-              </a:solidFill>
-              <a:latin typeface="Courier New" panose="02070309020205020404" pitchFamily="49" charset="0"/>
-            </a:endParaRPr>
           </a:p>
           <a:p>
             <a:r>
@@ -5595,12 +5412,6 @@
               </a:rPr>
               <a:t>}</a:t>
             </a:r>
-            <a:endParaRPr lang="en-US" altLang="zh-CN" sz="2000" b="1">
-              <a:solidFill>
-                <a:schemeClr val="folHlink"/>
-              </a:solidFill>
-              <a:latin typeface="Courier New" panose="02070309020205020404" pitchFamily="49" charset="0"/>
-            </a:endParaRPr>
           </a:p>
         </p:txBody>
       </p:sp>
@@ -5654,9 +5465,6 @@
               </a:rPr>
               <a:t>// visa.c</a:t>
             </a:r>
-            <a:endParaRPr lang="en-US" altLang="zh-CN" sz="2000" b="1">
-              <a:latin typeface="Courier New" panose="02070309020205020404" pitchFamily="49" charset="0"/>
-            </a:endParaRPr>
           </a:p>
           <a:p>
             <a:r>
@@ -5677,6 +5485,8 @@
               </a:rPr>
               <a:t> int myDollar;</a:t>
             </a:r>
+          </a:p>
+          <a:p>
             <a:endParaRPr lang="en-US" altLang="zh-CN" sz="2000" b="1">
               <a:solidFill>
                 <a:schemeClr val="folHlink"/>
@@ -5685,6 +5495,39 @@
             </a:endParaRPr>
           </a:p>
           <a:p>
+            <a:r>
+              <a:rPr lang="en-US" altLang="zh-CN" sz="2000" b="1">
+                <a:solidFill>
+                  <a:schemeClr val="folHlink"/>
+                </a:solidFill>
+                <a:latin typeface="Courier New" panose="02070309020205020404" pitchFamily="49" charset="0"/>
+              </a:rPr>
+              <a:t>int lookup(){</a:t>
+            </a:r>
+          </a:p>
+          <a:p>
+            <a:r>
+              <a:rPr lang="en-US" altLang="zh-CN" sz="2000" b="1">
+                <a:solidFill>
+                  <a:schemeClr val="folHlink"/>
+                </a:solidFill>
+                <a:latin typeface="Courier New" panose="02070309020205020404" pitchFamily="49" charset="0"/>
+              </a:rPr>
+              <a:t>  return myDollar;</a:t>
+            </a:r>
+          </a:p>
+          <a:p>
+            <a:r>
+              <a:rPr lang="en-US" altLang="zh-CN" sz="2000" b="1">
+                <a:solidFill>
+                  <a:schemeClr val="folHlink"/>
+                </a:solidFill>
+                <a:latin typeface="Courier New" panose="02070309020205020404" pitchFamily="49" charset="0"/>
+              </a:rPr>
+              <a:t>}</a:t>
+            </a:r>
+          </a:p>
+          <a:p>
             <a:endParaRPr lang="en-US" altLang="zh-CN" sz="2000" b="1">
               <a:solidFill>
                 <a:schemeClr val="folHlink"/>
@@ -5700,8 +5543,32 @@
                 </a:solidFill>
                 <a:latin typeface="Courier New" panose="02070309020205020404" pitchFamily="49" charset="0"/>
               </a:rPr>
-              <a:t>int lookup(){</a:t>
-            </a:r>
+              <a:t>void add(int a){</a:t>
+            </a:r>
+          </a:p>
+          <a:p>
+            <a:r>
+              <a:rPr lang="en-US" altLang="zh-CN" sz="2000" b="1">
+                <a:solidFill>
+                  <a:schemeClr val="folHlink"/>
+                </a:solidFill>
+                <a:latin typeface="Courier New" panose="02070309020205020404" pitchFamily="49" charset="0"/>
+              </a:rPr>
+              <a:t>  myDollar += a;</a:t>
+            </a:r>
+          </a:p>
+          <a:p>
+            <a:r>
+              <a:rPr lang="en-US" altLang="zh-CN" sz="2000" b="1">
+                <a:solidFill>
+                  <a:schemeClr val="folHlink"/>
+                </a:solidFill>
+                <a:latin typeface="Courier New" panose="02070309020205020404" pitchFamily="49" charset="0"/>
+              </a:rPr>
+              <a:t>}</a:t>
+            </a:r>
+          </a:p>
+          <a:p>
             <a:endParaRPr lang="en-US" altLang="zh-CN" sz="2000" b="1">
               <a:solidFill>
                 <a:schemeClr val="folHlink"/>
@@ -5717,115 +5584,8 @@
                 </a:solidFill>
                 <a:latin typeface="Courier New" panose="02070309020205020404" pitchFamily="49" charset="0"/>
               </a:rPr>
-              <a:t>  return myDollar;</a:t>
-            </a:r>
-            <a:endParaRPr lang="en-US" altLang="zh-CN" sz="2000" b="1">
-              <a:solidFill>
-                <a:schemeClr val="folHlink"/>
-              </a:solidFill>
-              <a:latin typeface="Courier New" panose="02070309020205020404" pitchFamily="49" charset="0"/>
-            </a:endParaRPr>
-          </a:p>
-          <a:p>
-            <a:r>
-              <a:rPr lang="en-US" altLang="zh-CN" sz="2000" b="1">
-                <a:solidFill>
-                  <a:schemeClr val="folHlink"/>
-                </a:solidFill>
-                <a:latin typeface="Courier New" panose="02070309020205020404" pitchFamily="49" charset="0"/>
-              </a:rPr>
-              <a:t>}</a:t>
-            </a:r>
-            <a:endParaRPr lang="en-US" altLang="zh-CN" sz="2000" b="1">
-              <a:solidFill>
-                <a:schemeClr val="folHlink"/>
-              </a:solidFill>
-              <a:latin typeface="Courier New" panose="02070309020205020404" pitchFamily="49" charset="0"/>
-            </a:endParaRPr>
-          </a:p>
-          <a:p>
-            <a:endParaRPr lang="en-US" altLang="zh-CN" sz="2000" b="1">
-              <a:solidFill>
-                <a:schemeClr val="folHlink"/>
-              </a:solidFill>
-              <a:latin typeface="Courier New" panose="02070309020205020404" pitchFamily="49" charset="0"/>
-            </a:endParaRPr>
-          </a:p>
-          <a:p>
-            <a:r>
-              <a:rPr lang="en-US" altLang="zh-CN" sz="2000" b="1">
-                <a:solidFill>
-                  <a:schemeClr val="folHlink"/>
-                </a:solidFill>
-                <a:latin typeface="Courier New" panose="02070309020205020404" pitchFamily="49" charset="0"/>
-              </a:rPr>
-              <a:t>void add(int a){</a:t>
-            </a:r>
-            <a:endParaRPr lang="en-US" altLang="zh-CN" sz="2000" b="1">
-              <a:solidFill>
-                <a:schemeClr val="folHlink"/>
-              </a:solidFill>
-              <a:latin typeface="Courier New" panose="02070309020205020404" pitchFamily="49" charset="0"/>
-            </a:endParaRPr>
-          </a:p>
-          <a:p>
-            <a:r>
-              <a:rPr lang="en-US" altLang="zh-CN" sz="2000" b="1">
-                <a:solidFill>
-                  <a:schemeClr val="folHlink"/>
-                </a:solidFill>
-                <a:latin typeface="Courier New" panose="02070309020205020404" pitchFamily="49" charset="0"/>
-              </a:rPr>
-              <a:t>  myDollar += a;</a:t>
-            </a:r>
-            <a:endParaRPr lang="en-US" altLang="zh-CN" sz="2000" b="1">
-              <a:solidFill>
-                <a:schemeClr val="folHlink"/>
-              </a:solidFill>
-              <a:latin typeface="Courier New" panose="02070309020205020404" pitchFamily="49" charset="0"/>
-            </a:endParaRPr>
-          </a:p>
-          <a:p>
-            <a:r>
-              <a:rPr lang="en-US" altLang="zh-CN" sz="2000" b="1">
-                <a:solidFill>
-                  <a:schemeClr val="folHlink"/>
-                </a:solidFill>
-                <a:latin typeface="Courier New" panose="02070309020205020404" pitchFamily="49" charset="0"/>
-              </a:rPr>
-              <a:t>}</a:t>
-            </a:r>
-            <a:endParaRPr lang="en-US" altLang="zh-CN" sz="2000" b="1">
-              <a:solidFill>
-                <a:schemeClr val="folHlink"/>
-              </a:solidFill>
-              <a:latin typeface="Courier New" panose="02070309020205020404" pitchFamily="49" charset="0"/>
-            </a:endParaRPr>
-          </a:p>
-          <a:p>
-            <a:endParaRPr lang="en-US" altLang="zh-CN" sz="2000" b="1">
-              <a:solidFill>
-                <a:schemeClr val="folHlink"/>
-              </a:solidFill>
-              <a:latin typeface="Courier New" panose="02070309020205020404" pitchFamily="49" charset="0"/>
-            </a:endParaRPr>
-          </a:p>
-          <a:p>
-            <a:r>
-              <a:rPr lang="en-US" altLang="zh-CN" sz="2000" b="1">
-                <a:solidFill>
-                  <a:schemeClr val="folHlink"/>
-                </a:solidFill>
-                <a:latin typeface="Courier New" panose="02070309020205020404" pitchFamily="49" charset="0"/>
-              </a:rPr>
               <a:t>// void sub (int a)</a:t>
             </a:r>
-            <a:endParaRPr lang="en-US" altLang="zh-CN" sz="2000" b="1">
-              <a:solidFill>
-                <a:schemeClr val="folHlink"/>
-              </a:solidFill>
-              <a:latin typeface="Courier New" panose="02070309020205020404" pitchFamily="49" charset="0"/>
-            </a:endParaRPr>
           </a:p>
         </p:txBody>
       </p:sp>
@@ -5873,7 +5633,6 @@
               <a:rPr lang="en-US" altLang="zh-CN"/>
               <a:t>Static Variables</a:t>
             </a:r>
-            <a:endParaRPr lang="en-US" altLang="zh-CN"/>
           </a:p>
         </p:txBody>
       </p:sp>
@@ -5912,7 +5671,6 @@
               <a:rPr lang="en-US" altLang="zh-CN"/>
               <a:t> can also applied to automatic variables</a:t>
             </a:r>
-            <a:endParaRPr lang="en-US" altLang="zh-CN"/>
           </a:p>
           <a:p>
             <a:pPr lvl="1"/>
@@ -5920,7 +5678,6 @@
               <a:rPr lang="en-US" altLang="zh-CN"/>
               <a:t>to tie different function calls</a:t>
             </a:r>
-            <a:endParaRPr lang="en-US" altLang="zh-CN"/>
           </a:p>
           <a:p>
             <a:r>
@@ -5947,7 +5704,6 @@
               <a:rPr lang="en-US" altLang="zh-CN"/>
               <a:t> is a little misleading</a:t>
             </a:r>
-            <a:endParaRPr lang="en-US" altLang="zh-CN"/>
           </a:p>
           <a:p>
             <a:pPr lvl="1"/>
@@ -5975,7 +5731,6 @@
               <a:rPr lang="en-US" altLang="zh-CN"/>
               <a:t> is more meaningful, just as that of C++ or Java</a:t>
             </a:r>
-            <a:endParaRPr lang="en-US" altLang="zh-CN"/>
           </a:p>
         </p:txBody>
       </p:sp>
@@ -6023,7 +5778,6 @@
               <a:rPr lang="en-US" altLang="zh-CN"/>
               <a:t>Initialization</a:t>
             </a:r>
-            <a:endParaRPr lang="en-US" altLang="zh-CN"/>
           </a:p>
         </p:txBody>
       </p:sp>
@@ -6046,9 +5800,27 @@
             <a:tbl>
               <a:tblPr/>
               <a:tblGrid>
-                <a:gridCol w="2590800"/>
-                <a:gridCol w="2590800"/>
-                <a:gridCol w="2590800"/>
+                <a:gridCol w="2590800">
+                  <a:extLst>
+                    <a:ext uri="{9D8B030D-6E8A-4147-A177-3AD203B41FA5}">
+                      <a16:colId xmlns:a16="http://schemas.microsoft.com/office/drawing/2014/main" val="20000"/>
+                    </a:ext>
+                  </a:extLst>
+                </a:gridCol>
+                <a:gridCol w="2590800">
+                  <a:extLst>
+                    <a:ext uri="{9D8B030D-6E8A-4147-A177-3AD203B41FA5}">
+                      <a16:colId xmlns:a16="http://schemas.microsoft.com/office/drawing/2014/main" val="20001"/>
+                    </a:ext>
+                  </a:extLst>
+                </a:gridCol>
+                <a:gridCol w="2590800">
+                  <a:extLst>
+                    <a:ext uri="{9D8B030D-6E8A-4147-A177-3AD203B41FA5}">
+                      <a16:colId xmlns:a16="http://schemas.microsoft.com/office/drawing/2014/main" val="20002"/>
+                    </a:ext>
+                  </a:extLst>
+                </a:gridCol>
               </a:tblGrid>
               <a:tr h="515938">
                 <a:tc>
@@ -6253,17 +6025,6 @@
                         </a:rPr>
                         <a:t>variable sorts</a:t>
                       </a:r>
-                      <a:endParaRPr kumimoji="0" lang="en-US" altLang="zh-CN" sz="2800" b="0" i="0" u="none" strike="noStrike" cap="none" normalizeH="0" baseline="0">
-                        <a:ln>
-                          <a:noFill/>
-                        </a:ln>
-                        <a:solidFill>
-                          <a:schemeClr val="tx1"/>
-                        </a:solidFill>
-                        <a:effectLst/>
-                        <a:latin typeface="Tahoma" panose="020B0604030504040204" pitchFamily="34" charset="0"/>
-                        <a:ea typeface="宋体" panose="02010600030101010101" pitchFamily="2" charset="-122"/>
-                      </a:endParaRPr>
                     </a:p>
                   </a:txBody>
                   <a:tcPr horzOverflow="overflow">
@@ -6862,6 +6623,11 @@
                     <a:noFill/>
                   </a:tcPr>
                 </a:tc>
+                <a:extLst>
+                  <a:ext uri="{0D108BD9-81ED-4DB2-BD59-A6C34878D82A}">
+                    <a16:rowId xmlns:a16="http://schemas.microsoft.com/office/drawing/2014/main" val="10000"/>
+                  </a:ext>
+                </a:extLst>
               </a:tr>
               <a:tr h="969963">
                 <a:tc>
@@ -7066,17 +6832,6 @@
                         </a:rPr>
                         <a:t>auto</a:t>
                       </a:r>
-                      <a:endParaRPr kumimoji="0" lang="en-US" altLang="zh-CN" sz="2800" b="0" i="0" u="none" strike="noStrike" cap="none" normalizeH="0" baseline="0">
-                        <a:ln>
-                          <a:noFill/>
-                        </a:ln>
-                        <a:solidFill>
-                          <a:schemeClr val="tx1"/>
-                        </a:solidFill>
-                        <a:effectLst/>
-                        <a:latin typeface="Tahoma" panose="020B0604030504040204" pitchFamily="34" charset="0"/>
-                        <a:ea typeface="宋体" panose="02010600030101010101" pitchFamily="2" charset="-122"/>
-                      </a:endParaRPr>
                     </a:p>
                   </a:txBody>
                   <a:tcPr horzOverflow="overflow">
@@ -7327,17 +7082,6 @@
                         </a:rPr>
                         <a:t>NO</a:t>
                       </a:r>
-                      <a:endParaRPr kumimoji="0" lang="en-US" altLang="zh-CN" sz="2800" b="0" i="0" u="none" strike="noStrike" cap="none" normalizeH="0" baseline="0">
-                        <a:ln>
-                          <a:noFill/>
-                        </a:ln>
-                        <a:solidFill>
-                          <a:schemeClr val="tx1"/>
-                        </a:solidFill>
-                        <a:effectLst/>
-                        <a:latin typeface="Tahoma" panose="020B0604030504040204" pitchFamily="34" charset="0"/>
-                        <a:ea typeface="宋体" panose="02010600030101010101" pitchFamily="2" charset="-122"/>
-                      </a:endParaRPr>
                     </a:p>
                   </a:txBody>
                   <a:tcPr horzOverflow="overflow">
@@ -7588,17 +7332,6 @@
                         </a:rPr>
                         <a:t>any expression</a:t>
                       </a:r>
-                      <a:endParaRPr kumimoji="0" lang="en-US" altLang="zh-CN" sz="2800" b="0" i="0" u="none" strike="noStrike" cap="none" normalizeH="0" baseline="0">
-                        <a:ln>
-                          <a:noFill/>
-                        </a:ln>
-                        <a:solidFill>
-                          <a:schemeClr val="tx1"/>
-                        </a:solidFill>
-                        <a:effectLst/>
-                        <a:latin typeface="Tahoma" panose="020B0604030504040204" pitchFamily="34" charset="0"/>
-                        <a:ea typeface="宋体" panose="02010600030101010101" pitchFamily="2" charset="-122"/>
-                      </a:endParaRPr>
                     </a:p>
                   </a:txBody>
                   <a:tcPr horzOverflow="overflow">
@@ -7647,6 +7380,11 @@
                     <a:noFill/>
                   </a:tcPr>
                 </a:tc>
+                <a:extLst>
+                  <a:ext uri="{0D108BD9-81ED-4DB2-BD59-A6C34878D82A}">
+                    <a16:rowId xmlns:a16="http://schemas.microsoft.com/office/drawing/2014/main" val="10001"/>
+                  </a:ext>
+                </a:extLst>
               </a:tr>
               <a:tr h="1211263">
                 <a:tc>
@@ -7851,17 +7589,6 @@
                         </a:rPr>
                         <a:t>extern variable</a:t>
                       </a:r>
-                      <a:endParaRPr kumimoji="0" lang="en-US" altLang="zh-CN" sz="2800" b="0" i="0" u="none" strike="noStrike" cap="none" normalizeH="0" baseline="0">
-                        <a:ln>
-                          <a:noFill/>
-                        </a:ln>
-                        <a:solidFill>
-                          <a:schemeClr val="tx1"/>
-                        </a:solidFill>
-                        <a:effectLst/>
-                        <a:latin typeface="Tahoma" panose="020B0604030504040204" pitchFamily="34" charset="0"/>
-                        <a:ea typeface="宋体" panose="02010600030101010101" pitchFamily="2" charset="-122"/>
-                      </a:endParaRPr>
                     </a:p>
                   </a:txBody>
                   <a:tcPr horzOverflow="overflow">
@@ -8140,17 +7867,6 @@
                         </a:rPr>
                         <a:t> to 0</a:t>
                       </a:r>
-                      <a:endParaRPr kumimoji="0" lang="en-US" altLang="zh-CN" sz="2800" b="0" i="0" u="none" strike="noStrike" cap="none" normalizeH="0" baseline="0">
-                        <a:ln>
-                          <a:noFill/>
-                        </a:ln>
-                        <a:solidFill>
-                          <a:schemeClr val="tx1"/>
-                        </a:solidFill>
-                        <a:effectLst/>
-                        <a:latin typeface="Tahoma" panose="020B0604030504040204" pitchFamily="34" charset="0"/>
-                        <a:ea typeface="宋体" panose="02010600030101010101" pitchFamily="2" charset="-122"/>
-                      </a:endParaRPr>
                     </a:p>
                   </a:txBody>
                   <a:tcPr horzOverflow="overflow">
@@ -8401,17 +8117,6 @@
                         </a:rPr>
                         <a:t>constants</a:t>
                       </a:r>
-                      <a:endParaRPr kumimoji="0" lang="en-US" altLang="zh-CN" sz="2800" b="0" i="0" u="none" strike="noStrike" cap="none" normalizeH="0" baseline="0">
-                        <a:ln>
-                          <a:noFill/>
-                        </a:ln>
-                        <a:solidFill>
-                          <a:schemeClr val="tx1"/>
-                        </a:solidFill>
-                        <a:effectLst/>
-                        <a:latin typeface="Tahoma" panose="020B0604030504040204" pitchFamily="34" charset="0"/>
-                        <a:ea typeface="宋体" panose="02010600030101010101" pitchFamily="2" charset="-122"/>
-                      </a:endParaRPr>
                     </a:p>
                   </a:txBody>
                   <a:tcPr horzOverflow="overflow">
@@ -8460,6 +8165,11 @@
                     <a:noFill/>
                   </a:tcPr>
                 </a:tc>
+                <a:extLst>
+                  <a:ext uri="{0D108BD9-81ED-4DB2-BD59-A6C34878D82A}">
+                    <a16:rowId xmlns:a16="http://schemas.microsoft.com/office/drawing/2014/main" val="10002"/>
+                  </a:ext>
+                </a:extLst>
               </a:tr>
               <a:tr h="1636713">
                 <a:tc>
@@ -8953,17 +8663,6 @@
                         </a:rPr>
                         <a:t>NO</a:t>
                       </a:r>
-                      <a:endParaRPr kumimoji="0" lang="en-US" altLang="zh-CN" sz="2800" b="0" i="0" u="none" strike="noStrike" cap="none" normalizeH="0" baseline="0">
-                        <a:ln>
-                          <a:noFill/>
-                        </a:ln>
-                        <a:solidFill>
-                          <a:schemeClr val="tx1"/>
-                        </a:solidFill>
-                        <a:effectLst/>
-                        <a:latin typeface="Tahoma" panose="020B0604030504040204" pitchFamily="34" charset="0"/>
-                        <a:ea typeface="宋体" panose="02010600030101010101" pitchFamily="2" charset="-122"/>
-                      </a:endParaRPr>
                     </a:p>
                   </a:txBody>
                   <a:tcPr horzOverflow="overflow">
@@ -9214,17 +8913,6 @@
                         </a:rPr>
                         <a:t>Forbidden</a:t>
                       </a:r>
-                      <a:endParaRPr kumimoji="0" lang="en-US" altLang="zh-CN" sz="2800" b="0" i="0" u="none" strike="noStrike" cap="none" normalizeH="0" baseline="0">
-                        <a:ln>
-                          <a:noFill/>
-                        </a:ln>
-                        <a:solidFill>
-                          <a:schemeClr val="tx1"/>
-                        </a:solidFill>
-                        <a:effectLst/>
-                        <a:latin typeface="Tahoma" panose="020B0604030504040204" pitchFamily="34" charset="0"/>
-                        <a:ea typeface="宋体" panose="02010600030101010101" pitchFamily="2" charset="-122"/>
-                      </a:endParaRPr>
                     </a:p>
                   </a:txBody>
                   <a:tcPr horzOverflow="overflow">
@@ -9273,6 +8961,11 @@
                     <a:noFill/>
                   </a:tcPr>
                 </a:tc>
+                <a:extLst>
+                  <a:ext uri="{0D108BD9-81ED-4DB2-BD59-A6C34878D82A}">
+                    <a16:rowId xmlns:a16="http://schemas.microsoft.com/office/drawing/2014/main" val="10003"/>
+                  </a:ext>
+                </a:extLst>
               </a:tr>
             </a:tbl>
           </a:graphicData>
@@ -9322,7 +9015,6 @@
               <a:rPr lang="en-US" altLang="zh-CN"/>
               <a:t>Header Files</a:t>
             </a:r>
-            <a:endParaRPr lang="en-US" altLang="zh-CN"/>
           </a:p>
         </p:txBody>
       </p:sp>
@@ -9370,7 +9062,6 @@
               <a:rPr lang="en-US" altLang="zh-CN" sz="2800"/>
               <a:t>?</a:t>
             </a:r>
-            <a:endParaRPr lang="en-US" altLang="zh-CN" sz="2800"/>
           </a:p>
           <a:p>
             <a:pPr>
@@ -9382,7 +9073,6 @@
               <a:rPr lang="en-US" altLang="zh-CN" sz="2800"/>
               <a:t>A header file</a:t>
             </a:r>
-            <a:endParaRPr lang="en-US" altLang="zh-CN" sz="2800"/>
           </a:p>
           <a:p>
             <a:pPr lvl="1">
@@ -9394,7 +9084,6 @@
               <a:rPr lang="en-US" altLang="zh-CN" sz="2400"/>
               <a:t>group common declarations together</a:t>
             </a:r>
-            <a:endParaRPr lang="en-US" altLang="zh-CN" sz="2400"/>
           </a:p>
           <a:p>
             <a:pPr lvl="1">
@@ -9406,7 +9095,6 @@
               <a:rPr lang="en-US" altLang="zh-CN" sz="2400"/>
               <a:t>could be included by other files</a:t>
             </a:r>
-            <a:endParaRPr lang="en-US" altLang="zh-CN" sz="2400"/>
           </a:p>
           <a:p>
             <a:pPr lvl="1">
@@ -9418,7 +9106,6 @@
               <a:rPr lang="en-US" altLang="zh-CN" sz="2400"/>
               <a:t>typically named *.h</a:t>
             </a:r>
-            <a:endParaRPr lang="en-US" altLang="zh-CN" sz="2400"/>
           </a:p>
           <a:p>
             <a:pPr>
@@ -9440,7 +9127,6 @@
               <a:rPr lang="en-US" altLang="zh-CN" sz="2800"/>
               <a:t>s rudimentary module system</a:t>
             </a:r>
-            <a:endParaRPr lang="en-US" altLang="zh-CN" sz="2800"/>
           </a:p>
           <a:p>
             <a:pPr lvl="1">
@@ -9452,7 +9138,6 @@
               <a:rPr lang="en-US" altLang="zh-CN" sz="2400"/>
               <a:t>Pros:</a:t>
             </a:r>
-            <a:endParaRPr lang="en-US" altLang="zh-CN" sz="2400"/>
           </a:p>
           <a:p>
             <a:pPr lvl="2">
@@ -9464,7 +9149,6 @@
               <a:rPr lang="en-US" altLang="zh-CN" sz="2000"/>
               <a:t>Separate compilation</a:t>
             </a:r>
-            <a:endParaRPr lang="en-US" altLang="zh-CN" sz="2000"/>
           </a:p>
           <a:p>
             <a:pPr lvl="2">
@@ -9476,7 +9160,6 @@
               <a:rPr lang="en-US" altLang="zh-CN" sz="2000"/>
               <a:t>Essential for linking user code with libraries</a:t>
             </a:r>
-            <a:endParaRPr lang="en-US" altLang="zh-CN" sz="2000"/>
           </a:p>
           <a:p>
             <a:pPr lvl="1">
@@ -9488,7 +9171,6 @@
               <a:rPr lang="en-US" altLang="zh-CN" sz="2400"/>
               <a:t>Cons:</a:t>
             </a:r>
-            <a:endParaRPr lang="en-US" altLang="zh-CN" sz="2400"/>
           </a:p>
           <a:p>
             <a:pPr lvl="2">
@@ -9500,7 +9182,6 @@
               <a:rPr lang="en-US" altLang="zh-CN" sz="2000"/>
               <a:t>flat name space</a:t>
             </a:r>
-            <a:endParaRPr lang="en-US" altLang="zh-CN" sz="2000"/>
           </a:p>
         </p:txBody>
       </p:sp>
@@ -9548,7 +9229,6 @@
               <a:rPr lang="en-US" altLang="zh-CN"/>
               <a:t>Header Files Example</a:t>
             </a:r>
-            <a:endParaRPr lang="en-US" altLang="zh-CN"/>
           </a:p>
         </p:txBody>
       </p:sp>
@@ -9575,7 +9255,6 @@
               <a:rPr lang="en-US" altLang="zh-CN"/>
               <a:t> </a:t>
             </a:r>
-            <a:endParaRPr lang="en-US" altLang="zh-CN"/>
           </a:p>
         </p:txBody>
       </p:sp>
@@ -9629,9 +9308,6 @@
               </a:rPr>
               <a:t>// area.h</a:t>
             </a:r>
-            <a:endParaRPr lang="en-US" altLang="zh-CN" sz="2000" b="1">
-              <a:latin typeface="Courier New" panose="02070309020205020404" pitchFamily="49" charset="0"/>
-            </a:endParaRPr>
           </a:p>
           <a:p>
             <a:endParaRPr lang="en-US" altLang="zh-CN" sz="2000" b="1">
@@ -9648,12 +9324,6 @@
               </a:rPr>
               <a:t>double area(int r);</a:t>
             </a:r>
-            <a:endParaRPr lang="en-US" altLang="zh-CN" sz="2000" b="1">
-              <a:solidFill>
-                <a:schemeClr val="folHlink"/>
-              </a:solidFill>
-              <a:latin typeface="Courier New" panose="02070309020205020404" pitchFamily="49" charset="0"/>
-            </a:endParaRPr>
           </a:p>
         </p:txBody>
       </p:sp>
@@ -9707,9 +9377,6 @@
               </a:rPr>
               <a:t>// area.c</a:t>
             </a:r>
-            <a:endParaRPr lang="en-US" altLang="zh-CN" sz="2000" b="1">
-              <a:latin typeface="Courier New" panose="02070309020205020404" pitchFamily="49" charset="0"/>
-            </a:endParaRPr>
           </a:p>
           <a:p>
             <a:r>
@@ -9721,6 +9388,8 @@
               </a:rPr>
               <a:t>#include “area.h”</a:t>
             </a:r>
+          </a:p>
+          <a:p>
             <a:endParaRPr lang="en-US" altLang="zh-CN" sz="2000" b="1">
               <a:solidFill>
                 <a:schemeClr val="folHlink"/>
@@ -9729,14 +9398,6 @@
             </a:endParaRPr>
           </a:p>
           <a:p>
-            <a:endParaRPr lang="en-US" altLang="zh-CN" sz="2000" b="1">
-              <a:solidFill>
-                <a:schemeClr val="folHlink"/>
-              </a:solidFill>
-              <a:latin typeface="Courier New" panose="02070309020205020404" pitchFamily="49" charset="0"/>
-            </a:endParaRPr>
-          </a:p>
-          <a:p>
             <a:r>
               <a:rPr lang="en-US" altLang="zh-CN" sz="2000" b="1">
                 <a:solidFill>
@@ -9746,12 +9407,6 @@
               </a:rPr>
               <a:t>double area(int r){</a:t>
             </a:r>
-            <a:endParaRPr lang="en-US" altLang="zh-CN" sz="2000" b="1">
-              <a:solidFill>
-                <a:schemeClr val="folHlink"/>
-              </a:solidFill>
-              <a:latin typeface="Courier New" panose="02070309020205020404" pitchFamily="49" charset="0"/>
-            </a:endParaRPr>
           </a:p>
           <a:p>
             <a:r>
@@ -9763,12 +9418,6 @@
               </a:rPr>
               <a:t>  double pi = 3.14;</a:t>
             </a:r>
-            <a:endParaRPr lang="en-US" altLang="zh-CN" sz="2000" b="1">
-              <a:solidFill>
-                <a:schemeClr val="folHlink"/>
-              </a:solidFill>
-              <a:latin typeface="Courier New" panose="02070309020205020404" pitchFamily="49" charset="0"/>
-            </a:endParaRPr>
           </a:p>
           <a:p>
             <a:r>
@@ -9780,12 +9429,6 @@
               </a:rPr>
               <a:t>  double f = pi *r *r;</a:t>
             </a:r>
-            <a:endParaRPr lang="en-US" altLang="zh-CN" sz="2000" b="1">
-              <a:solidFill>
-                <a:schemeClr val="folHlink"/>
-              </a:solidFill>
-              <a:latin typeface="Courier New" panose="02070309020205020404" pitchFamily="49" charset="0"/>
-            </a:endParaRPr>
           </a:p>
           <a:p>
             <a:r>
@@ -9797,12 +9440,6 @@
               </a:rPr>
               <a:t> </a:t>
             </a:r>
-            <a:endParaRPr lang="en-US" altLang="zh-CN" sz="2000" b="1">
-              <a:solidFill>
-                <a:schemeClr val="folHlink"/>
-              </a:solidFill>
-              <a:latin typeface="Courier New" panose="02070309020205020404" pitchFamily="49" charset="0"/>
-            </a:endParaRPr>
           </a:p>
           <a:p>
             <a:r>
@@ -9814,12 +9451,6 @@
               </a:rPr>
               <a:t>  return f;</a:t>
             </a:r>
-            <a:endParaRPr lang="en-US" altLang="zh-CN" sz="2000" b="1">
-              <a:solidFill>
-                <a:schemeClr val="folHlink"/>
-              </a:solidFill>
-              <a:latin typeface="Courier New" panose="02070309020205020404" pitchFamily="49" charset="0"/>
-            </a:endParaRPr>
           </a:p>
           <a:p>
             <a:r>
@@ -9831,12 +9462,6 @@
               </a:rPr>
               <a:t>}</a:t>
             </a:r>
-            <a:endParaRPr lang="en-US" altLang="zh-CN" sz="2000" b="1">
-              <a:solidFill>
-                <a:schemeClr val="folHlink"/>
-              </a:solidFill>
-              <a:latin typeface="Courier New" panose="02070309020205020404" pitchFamily="49" charset="0"/>
-            </a:endParaRPr>
           </a:p>
         </p:txBody>
       </p:sp>
@@ -9890,9 +9515,6 @@
               </a:rPr>
               <a:t>// main.c</a:t>
             </a:r>
-            <a:endParaRPr lang="en-US" altLang="zh-CN" sz="2000" b="1">
-              <a:latin typeface="Courier New" panose="02070309020205020404" pitchFamily="49" charset="0"/>
-            </a:endParaRPr>
           </a:p>
           <a:p>
             <a:r>
@@ -9904,6 +9526,8 @@
               </a:rPr>
               <a:t>#include “area.h”</a:t>
             </a:r>
+          </a:p>
+          <a:p>
             <a:endParaRPr lang="en-US" altLang="zh-CN" sz="2000" b="1">
               <a:solidFill>
                 <a:schemeClr val="folHlink"/>
@@ -9912,14 +9536,6 @@
             </a:endParaRPr>
           </a:p>
           <a:p>
-            <a:endParaRPr lang="en-US" altLang="zh-CN" sz="2000" b="1">
-              <a:solidFill>
-                <a:schemeClr val="folHlink"/>
-              </a:solidFill>
-              <a:latin typeface="Courier New" panose="02070309020205020404" pitchFamily="49" charset="0"/>
-            </a:endParaRPr>
-          </a:p>
-          <a:p>
             <a:r>
               <a:rPr lang="en-US" altLang="zh-CN" sz="2000" b="1">
                 <a:solidFill>
@@ -9929,12 +9545,6 @@
               </a:rPr>
               <a:t>int main(){</a:t>
             </a:r>
-            <a:endParaRPr lang="en-US" altLang="zh-CN" sz="2000" b="1">
-              <a:solidFill>
-                <a:schemeClr val="folHlink"/>
-              </a:solidFill>
-              <a:latin typeface="Courier New" panose="02070309020205020404" pitchFamily="49" charset="0"/>
-            </a:endParaRPr>
           </a:p>
           <a:p>
             <a:r>
@@ -9946,12 +9556,6 @@
               </a:rPr>
               <a:t>  double f;</a:t>
             </a:r>
-            <a:endParaRPr lang="en-US" altLang="zh-CN" sz="2000" b="1">
-              <a:solidFill>
-                <a:schemeClr val="folHlink"/>
-              </a:solidFill>
-              <a:latin typeface="Courier New" panose="02070309020205020404" pitchFamily="49" charset="0"/>
-            </a:endParaRPr>
           </a:p>
           <a:p>
             <a:r>
@@ -9963,12 +9567,6 @@
               </a:rPr>
               <a:t>  f = area (5);</a:t>
             </a:r>
-            <a:endParaRPr lang="en-US" altLang="zh-CN" sz="2000" b="1">
-              <a:solidFill>
-                <a:schemeClr val="folHlink"/>
-              </a:solidFill>
-              <a:latin typeface="Courier New" panose="02070309020205020404" pitchFamily="49" charset="0"/>
-            </a:endParaRPr>
           </a:p>
           <a:p>
             <a:r>
@@ -9980,12 +9578,6 @@
               </a:rPr>
               <a:t>  return 0;</a:t>
             </a:r>
-            <a:endParaRPr lang="en-US" altLang="zh-CN" sz="2000" b="1">
-              <a:solidFill>
-                <a:schemeClr val="folHlink"/>
-              </a:solidFill>
-              <a:latin typeface="Courier New" panose="02070309020205020404" pitchFamily="49" charset="0"/>
-            </a:endParaRPr>
           </a:p>
           <a:p>
             <a:r>
@@ -9997,12 +9589,6 @@
               </a:rPr>
               <a:t>}</a:t>
             </a:r>
-            <a:endParaRPr lang="en-US" altLang="zh-CN" sz="2000" b="1">
-              <a:solidFill>
-                <a:schemeClr val="folHlink"/>
-              </a:solidFill>
-              <a:latin typeface="Courier New" panose="02070309020205020404" pitchFamily="49" charset="0"/>
-            </a:endParaRPr>
           </a:p>
         </p:txBody>
       </p:sp>
@@ -10450,7 +10036,6 @@
               <a:rPr lang="en-US" altLang="zh-CN"/>
               <a:t>Header Files Example</a:t>
             </a:r>
-            <a:endParaRPr lang="en-US" altLang="zh-CN"/>
           </a:p>
         </p:txBody>
       </p:sp>
@@ -10477,7 +10062,6 @@
               <a:rPr lang="en-US" altLang="zh-CN"/>
               <a:t> </a:t>
             </a:r>
-            <a:endParaRPr lang="en-US" altLang="zh-CN"/>
           </a:p>
         </p:txBody>
       </p:sp>
@@ -10531,9 +10115,6 @@
               </a:rPr>
               <a:t>// area.h</a:t>
             </a:r>
-            <a:endParaRPr lang="en-US" altLang="zh-CN" sz="2000" b="1">
-              <a:latin typeface="Courier New" panose="02070309020205020404" pitchFamily="49" charset="0"/>
-            </a:endParaRPr>
           </a:p>
           <a:p>
             <a:endParaRPr lang="en-US" altLang="zh-CN" sz="2000" b="1">
@@ -10550,12 +10131,6 @@
               </a:rPr>
               <a:t>double area(int r);</a:t>
             </a:r>
-            <a:endParaRPr lang="en-US" altLang="zh-CN" sz="2000" b="1">
-              <a:solidFill>
-                <a:schemeClr val="folHlink"/>
-              </a:solidFill>
-              <a:latin typeface="Courier New" panose="02070309020205020404" pitchFamily="49" charset="0"/>
-            </a:endParaRPr>
           </a:p>
         </p:txBody>
       </p:sp>
@@ -10609,9 +10184,6 @@
               </a:rPr>
               <a:t>// area.c</a:t>
             </a:r>
-            <a:endParaRPr lang="en-US" altLang="zh-CN" sz="2000" b="1">
-              <a:latin typeface="Courier New" panose="02070309020205020404" pitchFamily="49" charset="0"/>
-            </a:endParaRPr>
           </a:p>
           <a:p>
             <a:r>
@@ -10623,6 +10195,8 @@
               </a:rPr>
               <a:t>#include “area.h”</a:t>
             </a:r>
+          </a:p>
+          <a:p>
             <a:endParaRPr lang="en-US" altLang="zh-CN" sz="2000" b="1">
               <a:solidFill>
                 <a:schemeClr val="folHlink"/>
@@ -10631,14 +10205,6 @@
             </a:endParaRPr>
           </a:p>
           <a:p>
-            <a:endParaRPr lang="en-US" altLang="zh-CN" sz="2000" b="1">
-              <a:solidFill>
-                <a:schemeClr val="folHlink"/>
-              </a:solidFill>
-              <a:latin typeface="Courier New" panose="02070309020205020404" pitchFamily="49" charset="0"/>
-            </a:endParaRPr>
-          </a:p>
-          <a:p>
             <a:r>
               <a:rPr lang="en-US" altLang="zh-CN" sz="2000" b="1">
                 <a:solidFill>
@@ -10648,12 +10214,6 @@
               </a:rPr>
               <a:t>double area(int r){</a:t>
             </a:r>
-            <a:endParaRPr lang="en-US" altLang="zh-CN" sz="2000" b="1">
-              <a:solidFill>
-                <a:schemeClr val="folHlink"/>
-              </a:solidFill>
-              <a:latin typeface="Courier New" panose="02070309020205020404" pitchFamily="49" charset="0"/>
-            </a:endParaRPr>
           </a:p>
           <a:p>
             <a:r>
@@ -10665,12 +10225,6 @@
               </a:rPr>
               <a:t>  double pi = 3.14;</a:t>
             </a:r>
-            <a:endParaRPr lang="en-US" altLang="zh-CN" sz="2000" b="1">
-              <a:solidFill>
-                <a:schemeClr val="folHlink"/>
-              </a:solidFill>
-              <a:latin typeface="Courier New" panose="02070309020205020404" pitchFamily="49" charset="0"/>
-            </a:endParaRPr>
           </a:p>
           <a:p>
             <a:r>
@@ -10682,12 +10236,6 @@
               </a:rPr>
               <a:t>  double f = pi *r *r;</a:t>
             </a:r>
-            <a:endParaRPr lang="en-US" altLang="zh-CN" sz="2000" b="1">
-              <a:solidFill>
-                <a:schemeClr val="folHlink"/>
-              </a:solidFill>
-              <a:latin typeface="Courier New" panose="02070309020205020404" pitchFamily="49" charset="0"/>
-            </a:endParaRPr>
           </a:p>
           <a:p>
             <a:r>
@@ -10699,12 +10247,6 @@
               </a:rPr>
               <a:t> </a:t>
             </a:r>
-            <a:endParaRPr lang="en-US" altLang="zh-CN" sz="2000" b="1">
-              <a:solidFill>
-                <a:schemeClr val="folHlink"/>
-              </a:solidFill>
-              <a:latin typeface="Courier New" panose="02070309020205020404" pitchFamily="49" charset="0"/>
-            </a:endParaRPr>
           </a:p>
           <a:p>
             <a:r>
@@ -10716,12 +10258,6 @@
               </a:rPr>
               <a:t>  return f;</a:t>
             </a:r>
-            <a:endParaRPr lang="en-US" altLang="zh-CN" sz="2000" b="1">
-              <a:solidFill>
-                <a:schemeClr val="folHlink"/>
-              </a:solidFill>
-              <a:latin typeface="Courier New" panose="02070309020205020404" pitchFamily="49" charset="0"/>
-            </a:endParaRPr>
           </a:p>
           <a:p>
             <a:r>
@@ -10733,12 +10269,6 @@
               </a:rPr>
               <a:t>}</a:t>
             </a:r>
-            <a:endParaRPr lang="en-US" altLang="zh-CN" sz="2000" b="1">
-              <a:solidFill>
-                <a:schemeClr val="folHlink"/>
-              </a:solidFill>
-              <a:latin typeface="Courier New" panose="02070309020205020404" pitchFamily="49" charset="0"/>
-            </a:endParaRPr>
           </a:p>
         </p:txBody>
       </p:sp>
@@ -10792,9 +10322,6 @@
               </a:rPr>
               <a:t>// main.c</a:t>
             </a:r>
-            <a:endParaRPr lang="en-US" altLang="zh-CN" sz="2000" b="1">
-              <a:latin typeface="Courier New" panose="02070309020205020404" pitchFamily="49" charset="0"/>
-            </a:endParaRPr>
           </a:p>
           <a:p>
             <a:r>
@@ -10806,6 +10333,8 @@
               </a:rPr>
               <a:t>#include “area.h”</a:t>
             </a:r>
+          </a:p>
+          <a:p>
             <a:endParaRPr lang="en-US" altLang="zh-CN" sz="2000" b="1">
               <a:solidFill>
                 <a:schemeClr val="folHlink"/>
@@ -10814,14 +10343,6 @@
             </a:endParaRPr>
           </a:p>
           <a:p>
-            <a:endParaRPr lang="en-US" altLang="zh-CN" sz="2000" b="1">
-              <a:solidFill>
-                <a:schemeClr val="folHlink"/>
-              </a:solidFill>
-              <a:latin typeface="Courier New" panose="02070309020205020404" pitchFamily="49" charset="0"/>
-            </a:endParaRPr>
-          </a:p>
-          <a:p>
             <a:r>
               <a:rPr lang="en-US" altLang="zh-CN" sz="2000" b="1">
                 <a:solidFill>
@@ -10831,12 +10352,6 @@
               </a:rPr>
               <a:t>int main(){</a:t>
             </a:r>
-            <a:endParaRPr lang="en-US" altLang="zh-CN" sz="2000" b="1">
-              <a:solidFill>
-                <a:schemeClr val="folHlink"/>
-              </a:solidFill>
-              <a:latin typeface="Courier New" panose="02070309020205020404" pitchFamily="49" charset="0"/>
-            </a:endParaRPr>
           </a:p>
           <a:p>
             <a:r>
@@ -10848,12 +10363,6 @@
               </a:rPr>
               <a:t>  double f;</a:t>
             </a:r>
-            <a:endParaRPr lang="en-US" altLang="zh-CN" sz="2000" b="1">
-              <a:solidFill>
-                <a:schemeClr val="folHlink"/>
-              </a:solidFill>
-              <a:latin typeface="Courier New" panose="02070309020205020404" pitchFamily="49" charset="0"/>
-            </a:endParaRPr>
           </a:p>
           <a:p>
             <a:r>
@@ -10865,12 +10374,6 @@
               </a:rPr>
               <a:t>  f = area (5);</a:t>
             </a:r>
-            <a:endParaRPr lang="en-US" altLang="zh-CN" sz="2000" b="1">
-              <a:solidFill>
-                <a:schemeClr val="folHlink"/>
-              </a:solidFill>
-              <a:latin typeface="Courier New" panose="02070309020205020404" pitchFamily="49" charset="0"/>
-            </a:endParaRPr>
           </a:p>
           <a:p>
             <a:r>
@@ -10882,12 +10385,6 @@
               </a:rPr>
               <a:t>  return 0;</a:t>
             </a:r>
-            <a:endParaRPr lang="en-US" altLang="zh-CN" sz="2000" b="1">
-              <a:solidFill>
-                <a:schemeClr val="folHlink"/>
-              </a:solidFill>
-              <a:latin typeface="Courier New" panose="02070309020205020404" pitchFamily="49" charset="0"/>
-            </a:endParaRPr>
           </a:p>
           <a:p>
             <a:r>
@@ -10899,12 +10396,6 @@
               </a:rPr>
               <a:t>}</a:t>
             </a:r>
-            <a:endParaRPr lang="en-US" altLang="zh-CN" sz="2000" b="1">
-              <a:solidFill>
-                <a:schemeClr val="folHlink"/>
-              </a:solidFill>
-              <a:latin typeface="Courier New" panose="02070309020205020404" pitchFamily="49" charset="0"/>
-            </a:endParaRPr>
           </a:p>
         </p:txBody>
       </p:sp>
@@ -11052,7 +10543,6 @@
               <a:rPr lang="en-US" altLang="zh-CN"/>
               <a:t>Conditional Inclusion</a:t>
             </a:r>
-            <a:endParaRPr lang="en-US" altLang="zh-CN"/>
           </a:p>
         </p:txBody>
       </p:sp>
@@ -11079,7 +10569,6 @@
               <a:rPr lang="en-US" altLang="zh-CN"/>
               <a:t> </a:t>
             </a:r>
-            <a:endParaRPr lang="en-US" altLang="zh-CN"/>
           </a:p>
         </p:txBody>
       </p:sp>
@@ -11133,9 +10622,6 @@
               </a:rPr>
               <a:t>// area.h</a:t>
             </a:r>
-            <a:endParaRPr lang="en-US" altLang="zh-CN" sz="2000" b="1">
-              <a:latin typeface="Courier New" panose="02070309020205020404" pitchFamily="49" charset="0"/>
-            </a:endParaRPr>
           </a:p>
           <a:p>
             <a:r>
@@ -11147,6 +10633,19 @@
               </a:rPr>
               <a:t>#ifndef AREA_H</a:t>
             </a:r>
+          </a:p>
+          <a:p>
+            <a:r>
+              <a:rPr lang="en-US" altLang="zh-CN" sz="2000" b="1">
+                <a:solidFill>
+                  <a:schemeClr val="folHlink"/>
+                </a:solidFill>
+                <a:latin typeface="Courier New" panose="02070309020205020404" pitchFamily="49" charset="0"/>
+              </a:rPr>
+              <a:t>#define AREA_H</a:t>
+            </a:r>
+          </a:p>
+          <a:p>
             <a:endParaRPr lang="en-US" altLang="zh-CN" sz="2000" b="1">
               <a:solidFill>
                 <a:schemeClr val="folHlink"/>
@@ -11162,8 +10661,10 @@
                 </a:solidFill>
                 <a:latin typeface="Courier New" panose="02070309020205020404" pitchFamily="49" charset="0"/>
               </a:rPr>
-              <a:t>#define AREA_H</a:t>
-            </a:r>
+              <a:t>double area(int r);</a:t>
+            </a:r>
+          </a:p>
+          <a:p>
             <a:endParaRPr lang="en-US" altLang="zh-CN" sz="2000" b="1">
               <a:solidFill>
                 <a:schemeClr val="folHlink"/>
@@ -11172,14 +10673,6 @@
             </a:endParaRPr>
           </a:p>
           <a:p>
-            <a:endParaRPr lang="en-US" altLang="zh-CN" sz="2000" b="1">
-              <a:solidFill>
-                <a:schemeClr val="folHlink"/>
-              </a:solidFill>
-              <a:latin typeface="Courier New" panose="02070309020205020404" pitchFamily="49" charset="0"/>
-            </a:endParaRPr>
-          </a:p>
-          <a:p>
             <a:r>
               <a:rPr lang="en-US" altLang="zh-CN" sz="2000" b="1">
                 <a:solidFill>
@@ -11187,39 +10680,8 @@
                 </a:solidFill>
                 <a:latin typeface="Courier New" panose="02070309020205020404" pitchFamily="49" charset="0"/>
               </a:rPr>
-              <a:t>double area(int r);</a:t>
-            </a:r>
-            <a:endParaRPr lang="en-US" altLang="zh-CN" sz="2000" b="1">
-              <a:solidFill>
-                <a:schemeClr val="folHlink"/>
-              </a:solidFill>
-              <a:latin typeface="Courier New" panose="02070309020205020404" pitchFamily="49" charset="0"/>
-            </a:endParaRPr>
-          </a:p>
-          <a:p>
-            <a:endParaRPr lang="en-US" altLang="zh-CN" sz="2000" b="1">
-              <a:solidFill>
-                <a:schemeClr val="folHlink"/>
-              </a:solidFill>
-              <a:latin typeface="Courier New" panose="02070309020205020404" pitchFamily="49" charset="0"/>
-            </a:endParaRPr>
-          </a:p>
-          <a:p>
-            <a:r>
-              <a:rPr lang="en-US" altLang="zh-CN" sz="2000" b="1">
-                <a:solidFill>
-                  <a:schemeClr val="folHlink"/>
-                </a:solidFill>
-                <a:latin typeface="Courier New" panose="02070309020205020404" pitchFamily="49" charset="0"/>
-              </a:rPr>
               <a:t>#endif</a:t>
             </a:r>
-            <a:endParaRPr lang="en-US" altLang="zh-CN" sz="2000" b="1">
-              <a:solidFill>
-                <a:schemeClr val="folHlink"/>
-              </a:solidFill>
-              <a:latin typeface="Courier New" panose="02070309020205020404" pitchFamily="49" charset="0"/>
-            </a:endParaRPr>
           </a:p>
         </p:txBody>
       </p:sp>
@@ -11273,9 +10735,6 @@
               </a:rPr>
               <a:t>// main.c</a:t>
             </a:r>
-            <a:endParaRPr lang="en-US" altLang="zh-CN" sz="2000" b="1">
-              <a:latin typeface="Courier New" panose="02070309020205020404" pitchFamily="49" charset="0"/>
-            </a:endParaRPr>
           </a:p>
           <a:p>
             <a:r>
@@ -11287,12 +10746,6 @@
               </a:rPr>
               <a:t>#include “area.h”</a:t>
             </a:r>
-            <a:endParaRPr lang="en-US" altLang="zh-CN" sz="2000" b="1">
-              <a:solidFill>
-                <a:schemeClr val="folHlink"/>
-              </a:solidFill>
-              <a:latin typeface="Courier New" panose="02070309020205020404" pitchFamily="49" charset="0"/>
-            </a:endParaRPr>
           </a:p>
           <a:p>
             <a:r>
@@ -11304,12 +10757,6 @@
               </a:rPr>
               <a:t>…</a:t>
             </a:r>
-            <a:endParaRPr lang="en-US" altLang="zh-CN" sz="2000" b="1">
-              <a:solidFill>
-                <a:schemeClr val="folHlink"/>
-              </a:solidFill>
-              <a:latin typeface="Courier New" panose="02070309020205020404" pitchFamily="49" charset="0"/>
-            </a:endParaRPr>
           </a:p>
         </p:txBody>
       </p:sp>
@@ -11488,7 +10935,6 @@
               <a:rPr lang="en-US" altLang="zh-CN" sz="2000"/>
               <a:t>d discuss it in future slides.</a:t>
             </a:r>
-            <a:endParaRPr lang="en-US" altLang="zh-CN" sz="2000"/>
           </a:p>
         </p:txBody>
       </p:sp>
@@ -11542,9 +10988,6 @@
               </a:rPr>
               <a:t>// area.c</a:t>
             </a:r>
-            <a:endParaRPr lang="en-US" altLang="zh-CN" sz="2000" b="1">
-              <a:latin typeface="Courier New" panose="02070309020205020404" pitchFamily="49" charset="0"/>
-            </a:endParaRPr>
           </a:p>
           <a:p>
             <a:r>
@@ -11556,6 +10999,8 @@
               </a:rPr>
               <a:t>#include “area.h”</a:t>
             </a:r>
+          </a:p>
+          <a:p>
             <a:endParaRPr lang="en-US" altLang="zh-CN" sz="2000" b="1">
               <a:solidFill>
                 <a:schemeClr val="folHlink"/>
@@ -11564,14 +11009,6 @@
             </a:endParaRPr>
           </a:p>
           <a:p>
-            <a:endParaRPr lang="en-US" altLang="zh-CN" sz="2000" b="1">
-              <a:solidFill>
-                <a:schemeClr val="folHlink"/>
-              </a:solidFill>
-              <a:latin typeface="Courier New" panose="02070309020205020404" pitchFamily="49" charset="0"/>
-            </a:endParaRPr>
-          </a:p>
-          <a:p>
             <a:r>
               <a:rPr lang="en-US" altLang="zh-CN" sz="2000" b="1">
                 <a:solidFill>
@@ -11581,12 +11018,6 @@
               </a:rPr>
               <a:t>double area(int r){</a:t>
             </a:r>
-            <a:endParaRPr lang="en-US" altLang="zh-CN" sz="2000" b="1">
-              <a:solidFill>
-                <a:schemeClr val="folHlink"/>
-              </a:solidFill>
-              <a:latin typeface="Courier New" panose="02070309020205020404" pitchFamily="49" charset="0"/>
-            </a:endParaRPr>
           </a:p>
           <a:p>
             <a:r>
@@ -11598,12 +11029,6 @@
               </a:rPr>
               <a:t>  double pi = 3.14;</a:t>
             </a:r>
-            <a:endParaRPr lang="en-US" altLang="zh-CN" sz="2000" b="1">
-              <a:solidFill>
-                <a:schemeClr val="folHlink"/>
-              </a:solidFill>
-              <a:latin typeface="Courier New" panose="02070309020205020404" pitchFamily="49" charset="0"/>
-            </a:endParaRPr>
           </a:p>
           <a:p>
             <a:r>
@@ -11615,12 +11040,6 @@
               </a:rPr>
               <a:t>  double f = pi *r *r;</a:t>
             </a:r>
-            <a:endParaRPr lang="en-US" altLang="zh-CN" sz="2000" b="1">
-              <a:solidFill>
-                <a:schemeClr val="folHlink"/>
-              </a:solidFill>
-              <a:latin typeface="Courier New" panose="02070309020205020404" pitchFamily="49" charset="0"/>
-            </a:endParaRPr>
           </a:p>
           <a:p>
             <a:r>
@@ -11632,12 +11051,6 @@
               </a:rPr>
               <a:t> </a:t>
             </a:r>
-            <a:endParaRPr lang="en-US" altLang="zh-CN" sz="2000" b="1">
-              <a:solidFill>
-                <a:schemeClr val="folHlink"/>
-              </a:solidFill>
-              <a:latin typeface="Courier New" panose="02070309020205020404" pitchFamily="49" charset="0"/>
-            </a:endParaRPr>
           </a:p>
           <a:p>
             <a:r>
@@ -11649,12 +11062,6 @@
               </a:rPr>
               <a:t>  return f;</a:t>
             </a:r>
-            <a:endParaRPr lang="en-US" altLang="zh-CN" sz="2000" b="1">
-              <a:solidFill>
-                <a:schemeClr val="folHlink"/>
-              </a:solidFill>
-              <a:latin typeface="Courier New" panose="02070309020205020404" pitchFamily="49" charset="0"/>
-            </a:endParaRPr>
           </a:p>
           <a:p>
             <a:r>
@@ -11666,12 +11073,6 @@
               </a:rPr>
               <a:t>}</a:t>
             </a:r>
-            <a:endParaRPr lang="en-US" altLang="zh-CN" sz="2000" b="1">
-              <a:solidFill>
-                <a:schemeClr val="folHlink"/>
-              </a:solidFill>
-              <a:latin typeface="Courier New" panose="02070309020205020404" pitchFamily="49" charset="0"/>
-            </a:endParaRPr>
           </a:p>
         </p:txBody>
       </p:sp>
@@ -11890,7 +11291,6 @@
               <a:rPr lang="en-US" altLang="zh-CN"/>
               <a:t>Recursive Functions</a:t>
             </a:r>
-            <a:endParaRPr lang="en-US" altLang="zh-CN"/>
           </a:p>
         </p:txBody>
       </p:sp>
@@ -11917,14 +11317,23 @@
               <a:buNone/>
             </a:pPr>
             <a:r>
-              <a:rPr lang="en-US" altLang="zh-CN" sz="2000" b="1">
-                <a:latin typeface="Courier New" panose="02070309020205020404" pitchFamily="49" charset="0"/>
-              </a:rPr>
-              <a:t>// Consider the fibnacci numbers:</a:t>
-            </a:r>
-            <a:endParaRPr lang="en-US" altLang="zh-CN" sz="2000" b="1">
-              <a:latin typeface="Courier New" panose="02070309020205020404" pitchFamily="49" charset="0"/>
-            </a:endParaRPr>
+              <a:rPr lang="en-US" altLang="zh-CN" sz="2000" b="1" dirty="0">
+                <a:latin typeface="Courier New" panose="02070309020205020404" pitchFamily="49" charset="0"/>
+              </a:rPr>
+              <a:t>// Consider the </a:t>
+            </a:r>
+            <a:r>
+              <a:rPr lang="en-US" altLang="zh-CN" sz="2000" b="1" dirty="0" err="1">
+                <a:latin typeface="Courier New" panose="02070309020205020404" pitchFamily="49" charset="0"/>
+              </a:rPr>
+              <a:t>fibnacci</a:t>
+            </a:r>
+            <a:r>
+              <a:rPr lang="en-US" altLang="zh-CN" sz="2000" b="1" dirty="0">
+                <a:latin typeface="Courier New" panose="02070309020205020404" pitchFamily="49" charset="0"/>
+              </a:rPr>
+              <a:t> numbers:</a:t>
+            </a:r>
           </a:p>
           <a:p>
             <a:pPr>
@@ -11935,14 +11344,11 @@
               <a:buNone/>
             </a:pPr>
             <a:r>
-              <a:rPr lang="en-US" altLang="zh-CN" sz="2000" b="1">
+              <a:rPr lang="en-US" altLang="zh-CN" sz="2000" b="1" dirty="0">
                 <a:latin typeface="Courier New" panose="02070309020205020404" pitchFamily="49" charset="0"/>
               </a:rPr>
               <a:t>//             { 0,                  if n == 0;</a:t>
             </a:r>
-            <a:endParaRPr lang="en-US" altLang="zh-CN" sz="2000" b="1">
-              <a:latin typeface="Courier New" panose="02070309020205020404" pitchFamily="49" charset="0"/>
-            </a:endParaRPr>
           </a:p>
           <a:p>
             <a:pPr>
@@ -11953,14 +11359,11 @@
               <a:buNone/>
             </a:pPr>
             <a:r>
-              <a:rPr lang="en-US" altLang="zh-CN" sz="2000" b="1">
+              <a:rPr lang="en-US" altLang="zh-CN" sz="2000" b="1" dirty="0">
                 <a:latin typeface="Courier New" panose="02070309020205020404" pitchFamily="49" charset="0"/>
               </a:rPr>
               <a:t>//   fib (n) = { 1,                  if n == 1;</a:t>
             </a:r>
-            <a:endParaRPr lang="en-US" altLang="zh-CN" sz="2000" b="1">
-              <a:latin typeface="Courier New" panose="02070309020205020404" pitchFamily="49" charset="0"/>
-            </a:endParaRPr>
           </a:p>
           <a:p>
             <a:pPr>
@@ -11971,14 +11374,11 @@
               <a:buNone/>
             </a:pPr>
             <a:r>
-              <a:rPr lang="en-US" altLang="zh-CN" sz="2000" b="1">
+              <a:rPr lang="en-US" altLang="zh-CN" sz="2000" b="1" dirty="0">
                 <a:latin typeface="Courier New" panose="02070309020205020404" pitchFamily="49" charset="0"/>
               </a:rPr>
               <a:t>//             { fib(n-1) + fib(n-2), otherwise.</a:t>
             </a:r>
-            <a:endParaRPr lang="en-US" altLang="zh-CN" sz="2000" b="1">
-              <a:latin typeface="Courier New" panose="02070309020205020404" pitchFamily="49" charset="0"/>
-            </a:endParaRPr>
           </a:p>
           <a:p>
             <a:pPr>
@@ -11989,7 +11389,7 @@
               <a:buNone/>
             </a:pPr>
             <a:r>
-              <a:rPr lang="en-US" altLang="zh-CN" sz="2000" b="1">
+              <a:rPr lang="en-US" altLang="zh-CN" sz="2000" b="1" dirty="0">
                 <a:solidFill>
                   <a:schemeClr val="folHlink"/>
                 </a:solidFill>
@@ -11997,12 +11397,6 @@
               </a:rPr>
               <a:t>int fib(int n){</a:t>
             </a:r>
-            <a:endParaRPr lang="en-US" altLang="zh-CN" sz="2000" b="1">
-              <a:solidFill>
-                <a:schemeClr val="folHlink"/>
-              </a:solidFill>
-              <a:latin typeface="Courier New" panose="02070309020205020404" pitchFamily="49" charset="0"/>
-            </a:endParaRPr>
           </a:p>
           <a:p>
             <a:pPr>
@@ -12013,20 +11407,14 @@
               <a:buNone/>
             </a:pPr>
             <a:r>
-              <a:rPr lang="en-US" altLang="zh-CN" sz="2000" b="1">
+              <a:rPr lang="en-US" altLang="zh-CN" sz="2000" b="1" dirty="0">
                 <a:solidFill>
                   <a:schemeClr val="folHlink"/>
                 </a:solidFill>
                 <a:latin typeface="Courier New" panose="02070309020205020404" pitchFamily="49" charset="0"/>
               </a:rPr>
-              <a:t>  switch(n){</a:t>
-            </a:r>
-            <a:endParaRPr lang="en-US" altLang="zh-CN" sz="2000" b="1">
-              <a:solidFill>
-                <a:schemeClr val="folHlink"/>
-              </a:solidFill>
-              <a:latin typeface="Courier New" panose="02070309020205020404" pitchFamily="49" charset="0"/>
-            </a:endParaRPr>
+              <a:t>  if(n==0)</a:t>
+            </a:r>
           </a:p>
           <a:p>
             <a:pPr>
@@ -12037,20 +11425,14 @@
               <a:buNone/>
             </a:pPr>
             <a:r>
-              <a:rPr lang="en-US" altLang="zh-CN" sz="2000" b="1">
+              <a:rPr lang="en-US" altLang="zh-CN" sz="2000" b="1" dirty="0">
                 <a:solidFill>
                   <a:schemeClr val="folHlink"/>
                 </a:solidFill>
                 <a:latin typeface="Courier New" panose="02070309020205020404" pitchFamily="49" charset="0"/>
               </a:rPr>
-              <a:t>  case 0:</a:t>
-            </a:r>
-            <a:endParaRPr lang="en-US" altLang="zh-CN" sz="2000" b="1">
-              <a:solidFill>
-                <a:schemeClr val="folHlink"/>
-              </a:solidFill>
-              <a:latin typeface="Courier New" panose="02070309020205020404" pitchFamily="49" charset="0"/>
-            </a:endParaRPr>
+              <a:t>    return 0;</a:t>
+            </a:r>
           </a:p>
           <a:p>
             <a:pPr>
@@ -12061,20 +11443,32 @@
               <a:buNone/>
             </a:pPr>
             <a:r>
-              <a:rPr lang="en-US" altLang="zh-CN" sz="2000" b="1">
+              <a:rPr lang="en-US" altLang="zh-CN" sz="2000" b="1" dirty="0">
                 <a:solidFill>
                   <a:schemeClr val="folHlink"/>
                 </a:solidFill>
                 <a:latin typeface="Courier New" panose="02070309020205020404" pitchFamily="49" charset="0"/>
               </a:rPr>
-              <a:t>    return 0;</a:t>
-            </a:r>
-            <a:endParaRPr lang="en-US" altLang="zh-CN" sz="2000" b="1">
-              <a:solidFill>
-                <a:schemeClr val="folHlink"/>
-              </a:solidFill>
-              <a:latin typeface="Courier New" panose="02070309020205020404" pitchFamily="49" charset="0"/>
-            </a:endParaRPr>
+              <a:t>  else</a:t>
+            </a:r>
+            <a:r>
+              <a:rPr lang="zh-CN" altLang="en-US" sz="2000" b="1" dirty="0">
+                <a:solidFill>
+                  <a:schemeClr val="folHlink"/>
+                </a:solidFill>
+                <a:latin typeface="Courier New" panose="02070309020205020404" pitchFamily="49" charset="0"/>
+              </a:rPr>
+              <a:t> </a:t>
+            </a:r>
+            <a:r>
+              <a:rPr lang="en-US" altLang="zh-CN" sz="2000" b="1" dirty="0">
+                <a:solidFill>
+                  <a:schemeClr val="folHlink"/>
+                </a:solidFill>
+                <a:latin typeface="Courier New" panose="02070309020205020404" pitchFamily="49" charset="0"/>
+              </a:rPr>
+              <a:t>if(n==1)</a:t>
+            </a:r>
           </a:p>
           <a:p>
             <a:pPr>
@@ -12085,20 +11479,14 @@
               <a:buNone/>
             </a:pPr>
             <a:r>
-              <a:rPr lang="en-US" altLang="zh-CN" sz="2000" b="1">
+              <a:rPr lang="en-US" altLang="zh-CN" sz="2000" b="1" dirty="0">
                 <a:solidFill>
                   <a:schemeClr val="folHlink"/>
                 </a:solidFill>
                 <a:latin typeface="Courier New" panose="02070309020205020404" pitchFamily="49" charset="0"/>
               </a:rPr>
-              <a:t>  case 1:</a:t>
-            </a:r>
-            <a:endParaRPr lang="en-US" altLang="zh-CN" sz="2000" b="1">
-              <a:solidFill>
-                <a:schemeClr val="folHlink"/>
-              </a:solidFill>
-              <a:latin typeface="Courier New" panose="02070309020205020404" pitchFamily="49" charset="0"/>
-            </a:endParaRPr>
+              <a:t>    return 1;</a:t>
+            </a:r>
           </a:p>
           <a:p>
             <a:pPr>
@@ -12115,9 +11503,9 @@
                 </a:solidFill>
                 <a:latin typeface="Courier New" panose="02070309020205020404" pitchFamily="49" charset="0"/>
               </a:rPr>
-              <a:t>    return 1;</a:t>
-            </a:r>
-            <a:endParaRPr lang="en-US" altLang="zh-CN" sz="2000" b="1">
+              <a:t>  else</a:t>
+            </a:r>
+            <a:endParaRPr lang="en-US" altLang="zh-CN" sz="2000" b="1" dirty="0">
               <a:solidFill>
                 <a:schemeClr val="folHlink"/>
               </a:solidFill>
@@ -12133,20 +11521,14 @@
               <a:buNone/>
             </a:pPr>
             <a:r>
-              <a:rPr lang="en-US" altLang="zh-CN" sz="2000" b="1">
+              <a:rPr lang="en-US" altLang="zh-CN" sz="2000" b="1" dirty="0">
                 <a:solidFill>
                   <a:schemeClr val="folHlink"/>
                 </a:solidFill>
                 <a:latin typeface="Courier New" panose="02070309020205020404" pitchFamily="49" charset="0"/>
               </a:rPr>
-              <a:t>  default: </a:t>
-            </a:r>
-            <a:endParaRPr lang="en-US" altLang="zh-CN" sz="2000" b="1">
-              <a:solidFill>
-                <a:schemeClr val="folHlink"/>
-              </a:solidFill>
-              <a:latin typeface="Courier New" panose="02070309020205020404" pitchFamily="49" charset="0"/>
-            </a:endParaRPr>
+              <a:t>    return fib(n-1) + fib(n-2);</a:t>
+            </a:r>
           </a:p>
           <a:p>
             <a:pPr>
@@ -12157,20 +11539,14 @@
               <a:buNone/>
             </a:pPr>
             <a:r>
-              <a:rPr lang="en-US" altLang="zh-CN" sz="2000" b="1">
+              <a:rPr lang="en-US" altLang="zh-CN" sz="2000" b="1" dirty="0">
                 <a:solidFill>
                   <a:schemeClr val="folHlink"/>
                 </a:solidFill>
                 <a:latin typeface="Courier New" panose="02070309020205020404" pitchFamily="49" charset="0"/>
               </a:rPr>
-              <a:t>    return fib(n-1) + fib(n-2);</a:t>
-            </a:r>
-            <a:endParaRPr lang="en-US" altLang="zh-CN" sz="2000" b="1">
-              <a:solidFill>
-                <a:schemeClr val="folHlink"/>
-              </a:solidFill>
-              <a:latin typeface="Courier New" panose="02070309020205020404" pitchFamily="49" charset="0"/>
-            </a:endParaRPr>
+              <a:t>  }</a:t>
+            </a:r>
           </a:p>
           <a:p>
             <a:pPr>
@@ -12181,44 +11557,14 @@
               <a:buNone/>
             </a:pPr>
             <a:r>
-              <a:rPr lang="en-US" altLang="zh-CN" sz="2000" b="1">
+              <a:rPr lang="en-US" altLang="zh-CN" sz="2000" b="1" dirty="0">
                 <a:solidFill>
                   <a:schemeClr val="folHlink"/>
                 </a:solidFill>
                 <a:latin typeface="Courier New" panose="02070309020205020404" pitchFamily="49" charset="0"/>
               </a:rPr>
-              <a:t>  }</a:t>
-            </a:r>
-            <a:endParaRPr lang="en-US" altLang="zh-CN" sz="2000" b="1">
-              <a:solidFill>
-                <a:schemeClr val="folHlink"/>
-              </a:solidFill>
-              <a:latin typeface="Courier New" panose="02070309020205020404" pitchFamily="49" charset="0"/>
-            </a:endParaRPr>
-          </a:p>
-          <a:p>
-            <a:pPr>
-              <a:lnSpc>
-                <a:spcPct val="90000"/>
-              </a:lnSpc>
-              <a:buFont typeface="Wingdings" panose="05000000000000000000" pitchFamily="2" charset="2"/>
-              <a:buNone/>
-            </a:pPr>
-            <a:r>
-              <a:rPr lang="en-US" altLang="zh-CN" sz="2000" b="1">
-                <a:solidFill>
-                  <a:schemeClr val="folHlink"/>
-                </a:solidFill>
-                <a:latin typeface="Courier New" panose="02070309020205020404" pitchFamily="49" charset="0"/>
-              </a:rPr>
               <a:t>}</a:t>
             </a:r>
-            <a:endParaRPr lang="en-US" altLang="zh-CN" sz="2000" b="1">
-              <a:solidFill>
-                <a:schemeClr val="folHlink"/>
-              </a:solidFill>
-              <a:latin typeface="Courier New" panose="02070309020205020404" pitchFamily="49" charset="0"/>
-            </a:endParaRPr>
           </a:p>
         </p:txBody>
       </p:sp>
@@ -12266,7 +11612,6 @@
               <a:rPr lang="en-US" altLang="zh-CN"/>
               <a:t>Typical C Program Organization</a:t>
             </a:r>
-            <a:endParaRPr lang="en-US" altLang="zh-CN"/>
           </a:p>
         </p:txBody>
       </p:sp>
@@ -12293,7 +11638,6 @@
               <a:rPr lang="en-US" altLang="zh-CN"/>
               <a:t> </a:t>
             </a:r>
-            <a:endParaRPr lang="en-US" altLang="zh-CN"/>
           </a:p>
         </p:txBody>
       </p:sp>
@@ -12344,7 +11688,6 @@
               <a:rPr lang="en-US" altLang="zh-CN"/>
               <a:t>Program</a:t>
             </a:r>
-            <a:endParaRPr lang="en-US" altLang="zh-CN"/>
           </a:p>
         </p:txBody>
       </p:sp>
@@ -12395,7 +11738,6 @@
               <a:rPr lang="en-US" altLang="zh-CN"/>
               <a:t>file1</a:t>
             </a:r>
-            <a:endParaRPr lang="en-US" altLang="zh-CN"/>
           </a:p>
         </p:txBody>
       </p:sp>
@@ -12446,7 +11788,6 @@
               <a:rPr lang="en-US" altLang="zh-CN"/>
               <a:t>function1</a:t>
             </a:r>
-            <a:endParaRPr lang="en-US" altLang="zh-CN"/>
           </a:p>
         </p:txBody>
       </p:sp>
@@ -12497,7 +11838,6 @@
               <a:rPr lang="en-US" altLang="zh-CN"/>
               <a:t>functionm</a:t>
             </a:r>
-            <a:endParaRPr lang="en-US" altLang="zh-CN"/>
           </a:p>
         </p:txBody>
       </p:sp>
@@ -12761,7 +12101,6 @@
               <a:rPr lang="en-US" altLang="zh-CN"/>
               <a:t>filen</a:t>
             </a:r>
-            <a:endParaRPr lang="en-US" altLang="zh-CN"/>
           </a:p>
         </p:txBody>
       </p:sp>
@@ -12812,7 +12151,6 @@
               <a:rPr lang="en-US" altLang="zh-CN"/>
               <a:t>function1</a:t>
             </a:r>
-            <a:endParaRPr lang="en-US" altLang="zh-CN"/>
           </a:p>
         </p:txBody>
       </p:sp>
@@ -12863,7 +12201,6 @@
               <a:rPr lang="en-US" altLang="zh-CN"/>
               <a:t>functionn</a:t>
             </a:r>
-            <a:endParaRPr lang="en-US" altLang="zh-CN"/>
           </a:p>
         </p:txBody>
       </p:sp>
@@ -13211,7 +12548,6 @@
               <a:rPr lang="en-US" altLang="zh-CN"/>
               <a:t>Recursive Functions</a:t>
             </a:r>
-            <a:endParaRPr lang="en-US" altLang="zh-CN"/>
           </a:p>
         </p:txBody>
       </p:sp>
@@ -13243,9 +12579,6 @@
               </a:rPr>
               <a:t>// Next, we crawl through this function to see</a:t>
             </a:r>
-            <a:endParaRPr lang="en-US" altLang="zh-CN" sz="2000" b="1">
-              <a:latin typeface="Courier New" panose="02070309020205020404" pitchFamily="49" charset="0"/>
-            </a:endParaRPr>
           </a:p>
           <a:p>
             <a:pPr>
@@ -13261,9 +12594,6 @@
               </a:rPr>
               <a:t>// how fib(5) is computed:</a:t>
             </a:r>
-            <a:endParaRPr lang="en-US" altLang="zh-CN" sz="2000" b="1">
-              <a:latin typeface="Courier New" panose="02070309020205020404" pitchFamily="49" charset="0"/>
-            </a:endParaRPr>
           </a:p>
           <a:p>
             <a:pPr>
@@ -13294,9 +12624,6 @@
               </a:rPr>
               <a:t>+fib(3)</a:t>
             </a:r>
-            <a:endParaRPr lang="en-US" altLang="zh-CN" sz="2000" b="1">
-              <a:latin typeface="Courier New" panose="02070309020205020404" pitchFamily="49" charset="0"/>
-            </a:endParaRPr>
           </a:p>
           <a:p>
             <a:pPr>
@@ -13327,9 +12654,6 @@
               </a:rPr>
               <a:t>+fib(2)+fib(3)</a:t>
             </a:r>
-            <a:endParaRPr lang="en-US" altLang="zh-CN" sz="2000" b="1">
-              <a:latin typeface="Courier New" panose="02070309020205020404" pitchFamily="49" charset="0"/>
-            </a:endParaRPr>
           </a:p>
           <a:p>
             <a:pPr>
@@ -13360,9 +12684,6 @@
               </a:rPr>
               <a:t>+fib(1)+fib(2)+fib(3)</a:t>
             </a:r>
-            <a:endParaRPr lang="en-US" altLang="zh-CN" sz="2000" b="1">
-              <a:latin typeface="Courier New" panose="02070309020205020404" pitchFamily="49" charset="0"/>
-            </a:endParaRPr>
           </a:p>
           <a:p>
             <a:pPr>
@@ -13393,9 +12714,6 @@
               </a:rPr>
               <a:t>+fib(1)+fib(2)+fib(3)</a:t>
             </a:r>
-            <a:endParaRPr lang="en-US" altLang="zh-CN" sz="2000" b="1">
-              <a:latin typeface="Courier New" panose="02070309020205020404" pitchFamily="49" charset="0"/>
-            </a:endParaRPr>
           </a:p>
           <a:p>
             <a:pPr>
@@ -13426,9 +12744,6 @@
               </a:rPr>
               <a:t>+fib(2)+fib(3)</a:t>
             </a:r>
-            <a:endParaRPr lang="en-US" altLang="zh-CN" sz="2000" b="1">
-              <a:latin typeface="Courier New" panose="02070309020205020404" pitchFamily="49" charset="0"/>
-            </a:endParaRPr>
           </a:p>
           <a:p>
             <a:pPr>
@@ -13444,9 +12759,6 @@
               </a:rPr>
               <a:t>          = 1 + 1 + fib(2)+fib(3)</a:t>
             </a:r>
-            <a:endParaRPr lang="en-US" altLang="zh-CN" sz="2000" b="1">
-              <a:latin typeface="Courier New" panose="02070309020205020404" pitchFamily="49" charset="0"/>
-            </a:endParaRPr>
           </a:p>
           <a:p>
             <a:pPr>
@@ -13462,9 +12774,6 @@
               </a:rPr>
               <a:t>          = … </a:t>
             </a:r>
-            <a:endParaRPr lang="en-US" altLang="zh-CN" sz="2000" b="1">
-              <a:latin typeface="Courier New" panose="02070309020205020404" pitchFamily="49" charset="0"/>
-            </a:endParaRPr>
           </a:p>
           <a:p>
             <a:pPr>
@@ -13480,9 +12789,6 @@
               </a:rPr>
               <a:t>          = 5</a:t>
             </a:r>
-            <a:endParaRPr lang="en-US" altLang="zh-CN" sz="2000" b="1">
-              <a:latin typeface="Courier New" panose="02070309020205020404" pitchFamily="49" charset="0"/>
-            </a:endParaRPr>
           </a:p>
           <a:p>
             <a:pPr>
@@ -13498,9 +12804,6 @@
               </a:rPr>
               <a:t>// As we can see, it’s too inefficient as we are</a:t>
             </a:r>
-            <a:endParaRPr lang="en-US" altLang="zh-CN" sz="2000" b="1">
-              <a:latin typeface="Courier New" panose="02070309020205020404" pitchFamily="49" charset="0"/>
-            </a:endParaRPr>
           </a:p>
           <a:p>
             <a:pPr>
@@ -13516,9 +12819,6 @@
               </a:rPr>
               <a:t>// too stupid doing much redundant computations.</a:t>
             </a:r>
-            <a:endParaRPr lang="en-US" altLang="zh-CN" sz="2000" b="1">
-              <a:latin typeface="Courier New" panose="02070309020205020404" pitchFamily="49" charset="0"/>
-            </a:endParaRPr>
           </a:p>
           <a:p>
             <a:pPr>
@@ -13534,9 +12834,6 @@
               </a:rPr>
               <a:t>Exercise: design a more efficient version!</a:t>
             </a:r>
-            <a:endParaRPr lang="en-US" altLang="zh-CN" sz="2000" b="1">
-              <a:latin typeface="Courier New" panose="02070309020205020404" pitchFamily="49" charset="0"/>
-            </a:endParaRPr>
           </a:p>
         </p:txBody>
       </p:sp>
@@ -13584,7 +12881,6 @@
               <a:rPr lang="en-US" altLang="zh-CN"/>
               <a:t>Function Definition</a:t>
             </a:r>
-            <a:endParaRPr lang="en-US" altLang="zh-CN"/>
           </a:p>
         </p:txBody>
       </p:sp>
@@ -13651,12 +12947,6 @@
               </a:rPr>
               <a:t>){ </a:t>
             </a:r>
-            <a:endParaRPr lang="en-US" altLang="zh-CN" sz="2000" b="1">
-              <a:solidFill>
-                <a:schemeClr val="folHlink"/>
-              </a:solidFill>
-              <a:latin typeface="Courier New" panose="02070309020205020404" pitchFamily="49" charset="0"/>
-            </a:endParaRPr>
           </a:p>
           <a:p>
             <a:pPr>
@@ -13693,12 +12983,6 @@
               </a:rPr>
               <a:t> </a:t>
             </a:r>
-            <a:endParaRPr lang="en-US" altLang="zh-CN" sz="2000" b="1">
-              <a:solidFill>
-                <a:schemeClr val="folHlink"/>
-              </a:solidFill>
-              <a:latin typeface="Courier New" panose="02070309020205020404" pitchFamily="49" charset="0"/>
-            </a:endParaRPr>
           </a:p>
           <a:p>
             <a:pPr>
@@ -13723,9 +13007,6 @@
               </a:rPr>
               <a:t> </a:t>
             </a:r>
-            <a:endParaRPr lang="en-US" altLang="zh-CN" sz="2000" b="1">
-              <a:latin typeface="Courier New" panose="02070309020205020404" pitchFamily="49" charset="0"/>
-            </a:endParaRPr>
           </a:p>
           <a:p>
             <a:pPr>
@@ -13753,9 +13034,6 @@
               </a:rPr>
               <a:t>// example:</a:t>
             </a:r>
-            <a:endParaRPr lang="en-US" altLang="zh-CN" sz="2000" b="1">
-              <a:latin typeface="Courier New" panose="02070309020205020404" pitchFamily="49" charset="0"/>
-            </a:endParaRPr>
           </a:p>
           <a:p>
             <a:pPr>
@@ -13774,12 +13052,6 @@
               </a:rPr>
               <a:t>int sum(int a, int b){</a:t>
             </a:r>
-            <a:endParaRPr lang="en-US" altLang="zh-CN" sz="2000" b="1">
-              <a:solidFill>
-                <a:schemeClr val="folHlink"/>
-              </a:solidFill>
-              <a:latin typeface="Courier New" panose="02070309020205020404" pitchFamily="49" charset="0"/>
-            </a:endParaRPr>
           </a:p>
           <a:p>
             <a:pPr>
@@ -13798,12 +13070,6 @@
               </a:rPr>
               <a:t>  int temp;</a:t>
             </a:r>
-            <a:endParaRPr lang="en-US" altLang="zh-CN" sz="2000" b="1">
-              <a:solidFill>
-                <a:schemeClr val="folHlink"/>
-              </a:solidFill>
-              <a:latin typeface="Courier New" panose="02070309020205020404" pitchFamily="49" charset="0"/>
-            </a:endParaRPr>
           </a:p>
           <a:p>
             <a:pPr>
@@ -13822,12 +13088,6 @@
               </a:rPr>
               <a:t>  temp = a + b;</a:t>
             </a:r>
-            <a:endParaRPr lang="en-US" altLang="zh-CN" sz="2000" b="1">
-              <a:solidFill>
-                <a:schemeClr val="folHlink"/>
-              </a:solidFill>
-              <a:latin typeface="Courier New" panose="02070309020205020404" pitchFamily="49" charset="0"/>
-            </a:endParaRPr>
           </a:p>
           <a:p>
             <a:pPr>
@@ -13846,12 +13106,6 @@
               </a:rPr>
               <a:t>  return temp;</a:t>
             </a:r>
-            <a:endParaRPr lang="en-US" altLang="zh-CN" sz="2000" b="1">
-              <a:solidFill>
-                <a:schemeClr val="folHlink"/>
-              </a:solidFill>
-              <a:latin typeface="Courier New" panose="02070309020205020404" pitchFamily="49" charset="0"/>
-            </a:endParaRPr>
           </a:p>
           <a:p>
             <a:pPr>
@@ -13870,12 +13124,6 @@
               </a:rPr>
               <a:t>}</a:t>
             </a:r>
-            <a:endParaRPr lang="en-US" altLang="zh-CN" sz="2000" b="1">
-              <a:solidFill>
-                <a:schemeClr val="folHlink"/>
-              </a:solidFill>
-              <a:latin typeface="Courier New" panose="02070309020205020404" pitchFamily="49" charset="0"/>
-            </a:endParaRPr>
           </a:p>
         </p:txBody>
       </p:sp>
@@ -13923,7 +13171,6 @@
               <a:rPr lang="en-US" altLang="zh-CN"/>
               <a:t>External Variables</a:t>
             </a:r>
-            <a:endParaRPr lang="en-US" altLang="zh-CN"/>
           </a:p>
         </p:txBody>
       </p:sp>
@@ -13955,9 +13202,6 @@
               </a:rPr>
               <a:t>// Instead of function arguments and local</a:t>
             </a:r>
-            <a:endParaRPr lang="en-US" altLang="zh-CN" sz="2000" b="1">
-              <a:latin typeface="Courier New" panose="02070309020205020404" pitchFamily="49" charset="0"/>
-            </a:endParaRPr>
           </a:p>
           <a:p>
             <a:pPr>
@@ -13973,9 +13217,6 @@
               </a:rPr>
               <a:t>// variables, we may also declare external</a:t>
             </a:r>
-            <a:endParaRPr lang="en-US" altLang="zh-CN" sz="2000" b="1">
-              <a:latin typeface="Courier New" panose="02070309020205020404" pitchFamily="49" charset="0"/>
-            </a:endParaRPr>
           </a:p>
           <a:p>
             <a:pPr>
@@ -13991,9 +13232,6 @@
               </a:rPr>
               <a:t>// variables. External: not within any function.</a:t>
             </a:r>
-            <a:endParaRPr lang="en-US" altLang="zh-CN" sz="2000" b="1">
-              <a:latin typeface="Courier New" panose="02070309020205020404" pitchFamily="49" charset="0"/>
-            </a:endParaRPr>
           </a:p>
           <a:p>
             <a:pPr>
@@ -14012,12 +13250,6 @@
               </a:rPr>
               <a:t>int i;</a:t>
             </a:r>
-            <a:endParaRPr lang="en-US" altLang="zh-CN" sz="2000" b="1">
-              <a:solidFill>
-                <a:schemeClr val="folHlink"/>
-              </a:solidFill>
-              <a:latin typeface="Courier New" panose="02070309020205020404" pitchFamily="49" charset="0"/>
-            </a:endParaRPr>
           </a:p>
           <a:p>
             <a:pPr>
@@ -14051,12 +13283,6 @@
               </a:rPr>
               <a:t>int get(){</a:t>
             </a:r>
-            <a:endParaRPr lang="en-US" altLang="zh-CN" sz="2000" b="1">
-              <a:solidFill>
-                <a:schemeClr val="folHlink"/>
-              </a:solidFill>
-              <a:latin typeface="Courier New" panose="02070309020205020404" pitchFamily="49" charset="0"/>
-            </a:endParaRPr>
           </a:p>
           <a:p>
             <a:pPr>
@@ -14075,12 +13301,6 @@
               </a:rPr>
               <a:t>  return i;</a:t>
             </a:r>
-            <a:endParaRPr lang="en-US" altLang="zh-CN" sz="2000" b="1">
-              <a:solidFill>
-                <a:schemeClr val="folHlink"/>
-              </a:solidFill>
-              <a:latin typeface="Courier New" panose="02070309020205020404" pitchFamily="49" charset="0"/>
-            </a:endParaRPr>
           </a:p>
           <a:p>
             <a:pPr>
@@ -14099,12 +13319,6 @@
               </a:rPr>
               <a:t>}</a:t>
             </a:r>
-            <a:endParaRPr lang="en-US" altLang="zh-CN" sz="2000" b="1">
-              <a:solidFill>
-                <a:schemeClr val="folHlink"/>
-              </a:solidFill>
-              <a:latin typeface="Courier New" panose="02070309020205020404" pitchFamily="49" charset="0"/>
-            </a:endParaRPr>
           </a:p>
           <a:p>
             <a:pPr>
@@ -14138,12 +13352,6 @@
               </a:rPr>
               <a:t>void set(int a){</a:t>
             </a:r>
-            <a:endParaRPr lang="en-US" altLang="zh-CN" sz="2000" b="1">
-              <a:solidFill>
-                <a:schemeClr val="folHlink"/>
-              </a:solidFill>
-              <a:latin typeface="Courier New" panose="02070309020205020404" pitchFamily="49" charset="0"/>
-            </a:endParaRPr>
           </a:p>
           <a:p>
             <a:pPr>
@@ -14162,12 +13370,6 @@
               </a:rPr>
               <a:t>  i = a;</a:t>
             </a:r>
-            <a:endParaRPr lang="en-US" altLang="zh-CN" sz="2000" b="1">
-              <a:solidFill>
-                <a:schemeClr val="folHlink"/>
-              </a:solidFill>
-              <a:latin typeface="Courier New" panose="02070309020205020404" pitchFamily="49" charset="0"/>
-            </a:endParaRPr>
           </a:p>
           <a:p>
             <a:pPr>
@@ -14186,12 +13388,6 @@
               </a:rPr>
               <a:t>}</a:t>
             </a:r>
-            <a:endParaRPr lang="en-US" altLang="zh-CN" sz="2000" b="1">
-              <a:solidFill>
-                <a:schemeClr val="folHlink"/>
-              </a:solidFill>
-              <a:latin typeface="Courier New" panose="02070309020205020404" pitchFamily="49" charset="0"/>
-            </a:endParaRPr>
           </a:p>
         </p:txBody>
       </p:sp>
@@ -14239,7 +13435,6 @@
               <a:rPr lang="en-US" altLang="zh-CN"/>
               <a:t>Scope Rules</a:t>
             </a:r>
-            <a:endParaRPr lang="en-US" altLang="zh-CN"/>
           </a:p>
         </p:txBody>
       </p:sp>
@@ -14262,8 +13457,20 @@
             <a:tbl>
               <a:tblPr/>
               <a:tblGrid>
-                <a:gridCol w="3594100"/>
-                <a:gridCol w="3833812"/>
+                <a:gridCol w="3594100">
+                  <a:extLst>
+                    <a:ext uri="{9D8B030D-6E8A-4147-A177-3AD203B41FA5}">
+                      <a16:colId xmlns:a16="http://schemas.microsoft.com/office/drawing/2014/main" val="20000"/>
+                    </a:ext>
+                  </a:extLst>
+                </a:gridCol>
+                <a:gridCol w="3833812">
+                  <a:extLst>
+                    <a:ext uri="{9D8B030D-6E8A-4147-A177-3AD203B41FA5}">
+                      <a16:colId xmlns:a16="http://schemas.microsoft.com/office/drawing/2014/main" val="20001"/>
+                    </a:ext>
+                  </a:extLst>
+                </a:gridCol>
               </a:tblGrid>
               <a:tr h="1106488">
                 <a:tc>
@@ -14468,17 +13675,6 @@
                         </a:rPr>
                         <a:t>automatic (local) variable</a:t>
                       </a:r>
-                      <a:endParaRPr kumimoji="0" lang="en-US" altLang="zh-CN" sz="2800" b="0" i="0" u="none" strike="noStrike" cap="none" normalizeH="0" baseline="0">
-                        <a:ln>
-                          <a:noFill/>
-                        </a:ln>
-                        <a:solidFill>
-                          <a:schemeClr val="tx1"/>
-                        </a:solidFill>
-                        <a:effectLst/>
-                        <a:latin typeface="Tahoma" panose="020B0604030504040204" pitchFamily="34" charset="0"/>
-                        <a:ea typeface="宋体" panose="02010600030101010101" pitchFamily="2" charset="-122"/>
-                      </a:endParaRPr>
                     </a:p>
                   </a:txBody>
                   <a:tcPr horzOverflow="overflow">
@@ -14729,17 +13925,6 @@
                         </a:rPr>
                         <a:t>from the declaration point to block end</a:t>
                       </a:r>
-                      <a:endParaRPr kumimoji="0" lang="en-US" altLang="zh-CN" sz="2800" b="0" i="0" u="none" strike="noStrike" cap="none" normalizeH="0" baseline="0">
-                        <a:ln>
-                          <a:noFill/>
-                        </a:ln>
-                        <a:solidFill>
-                          <a:schemeClr val="tx1"/>
-                        </a:solidFill>
-                        <a:effectLst/>
-                        <a:latin typeface="Tahoma" panose="020B0604030504040204" pitchFamily="34" charset="0"/>
-                        <a:ea typeface="宋体" panose="02010600030101010101" pitchFamily="2" charset="-122"/>
-                      </a:endParaRPr>
                     </a:p>
                   </a:txBody>
                   <a:tcPr horzOverflow="overflow">
@@ -14788,6 +13973,11 @@
                     <a:noFill/>
                   </a:tcPr>
                 </a:tc>
+                <a:extLst>
+                  <a:ext uri="{0D108BD9-81ED-4DB2-BD59-A6C34878D82A}">
+                    <a16:rowId xmlns:a16="http://schemas.microsoft.com/office/drawing/2014/main" val="10000"/>
+                  </a:ext>
+                </a:extLst>
               </a:tr>
               <a:tr h="1600200">
                 <a:tc>
@@ -14992,17 +14182,6 @@
                         </a:rPr>
                         <a:t>extern variables; function names</a:t>
                       </a:r>
-                      <a:endParaRPr kumimoji="0" lang="en-US" altLang="zh-CN" sz="2800" b="0" i="0" u="none" strike="noStrike" cap="none" normalizeH="0" baseline="0">
-                        <a:ln>
-                          <a:noFill/>
-                        </a:ln>
-                        <a:solidFill>
-                          <a:schemeClr val="tx1"/>
-                        </a:solidFill>
-                        <a:effectLst/>
-                        <a:latin typeface="Tahoma" panose="020B0604030504040204" pitchFamily="34" charset="0"/>
-                        <a:ea typeface="宋体" panose="02010600030101010101" pitchFamily="2" charset="-122"/>
-                      </a:endParaRPr>
                     </a:p>
                   </a:txBody>
                   <a:tcPr horzOverflow="overflow">
@@ -15253,17 +14432,6 @@
                         </a:rPr>
                         <a:t>from the declaration point to file end</a:t>
                       </a:r>
-                      <a:endParaRPr kumimoji="0" lang="en-US" altLang="zh-CN" sz="2800" b="0" i="0" u="none" strike="noStrike" cap="none" normalizeH="0" baseline="0">
-                        <a:ln>
-                          <a:noFill/>
-                        </a:ln>
-                        <a:solidFill>
-                          <a:schemeClr val="tx1"/>
-                        </a:solidFill>
-                        <a:effectLst/>
-                        <a:latin typeface="Tahoma" panose="020B0604030504040204" pitchFamily="34" charset="0"/>
-                        <a:ea typeface="宋体" panose="02010600030101010101" pitchFamily="2" charset="-122"/>
-                      </a:endParaRPr>
                     </a:p>
                   </a:txBody>
                   <a:tcPr horzOverflow="overflow">
@@ -15312,6 +14480,11 @@
                     <a:noFill/>
                   </a:tcPr>
                 </a:tc>
+                <a:extLst>
+                  <a:ext uri="{0D108BD9-81ED-4DB2-BD59-A6C34878D82A}">
+                    <a16:rowId xmlns:a16="http://schemas.microsoft.com/office/drawing/2014/main" val="10001"/>
+                  </a:ext>
+                </a:extLst>
               </a:tr>
               <a:tr h="1371600">
                 <a:tc>
@@ -15934,6 +15107,11 @@
                     <a:noFill/>
                   </a:tcPr>
                 </a:tc>
+                <a:extLst>
+                  <a:ext uri="{0D108BD9-81ED-4DB2-BD59-A6C34878D82A}">
+                    <a16:rowId xmlns:a16="http://schemas.microsoft.com/office/drawing/2014/main" val="10002"/>
+                  </a:ext>
+                </a:extLst>
               </a:tr>
             </a:tbl>
           </a:graphicData>
@@ -15983,7 +15161,6 @@
               <a:rPr lang="en-US" altLang="zh-CN"/>
               <a:t>Scope Rule Example</a:t>
             </a:r>
-            <a:endParaRPr lang="en-US" altLang="zh-CN"/>
           </a:p>
         </p:txBody>
       </p:sp>
@@ -16018,12 +15195,6 @@
               </a:rPr>
               <a:t>int a;                  // #2</a:t>
             </a:r>
-            <a:endParaRPr lang="en-US" altLang="zh-CN" sz="2000" b="1">
-              <a:solidFill>
-                <a:schemeClr val="folHlink"/>
-              </a:solidFill>
-              <a:latin typeface="Courier New" panose="02070309020205020404" pitchFamily="49" charset="0"/>
-            </a:endParaRPr>
           </a:p>
           <a:p>
             <a:pPr>
@@ -16042,12 +15213,6 @@
               </a:rPr>
               <a:t>extern int b;           // #3</a:t>
             </a:r>
-            <a:endParaRPr lang="en-US" altLang="zh-CN" sz="2000" b="1">
-              <a:solidFill>
-                <a:schemeClr val="folHlink"/>
-              </a:solidFill>
-              <a:latin typeface="Courier New" panose="02070309020205020404" pitchFamily="49" charset="0"/>
-            </a:endParaRPr>
           </a:p>
           <a:p>
             <a:pPr>
@@ -16081,12 +15246,6 @@
               </a:rPr>
               <a:t>void foo(){</a:t>
             </a:r>
-            <a:endParaRPr lang="en-US" altLang="zh-CN" sz="2000" b="1">
-              <a:solidFill>
-                <a:schemeClr val="folHlink"/>
-              </a:solidFill>
-              <a:latin typeface="Courier New" panose="02070309020205020404" pitchFamily="49" charset="0"/>
-            </a:endParaRPr>
           </a:p>
           <a:p>
             <a:pPr>
@@ -16105,12 +15264,6 @@
               </a:rPr>
               <a:t>  int i;                // #1</a:t>
             </a:r>
-            <a:endParaRPr lang="en-US" altLang="zh-CN" sz="2000" b="1">
-              <a:solidFill>
-                <a:schemeClr val="folHlink"/>
-              </a:solidFill>
-              <a:latin typeface="Courier New" panose="02070309020205020404" pitchFamily="49" charset="0"/>
-            </a:endParaRPr>
           </a:p>
           <a:p>
             <a:pPr>
@@ -16129,12 +15282,6 @@
               </a:rPr>
               <a:t>	while(…){</a:t>
             </a:r>
-            <a:endParaRPr lang="en-US" altLang="zh-CN" sz="2000" b="1">
-              <a:solidFill>
-                <a:schemeClr val="folHlink"/>
-              </a:solidFill>
-              <a:latin typeface="Courier New" panose="02070309020205020404" pitchFamily="49" charset="0"/>
-            </a:endParaRPr>
           </a:p>
           <a:p>
             <a:pPr>
@@ -16153,12 +15300,6 @@
               </a:rPr>
               <a:t>	  int j;              // #1</a:t>
             </a:r>
-            <a:endParaRPr lang="en-US" altLang="zh-CN" sz="2000" b="1">
-              <a:solidFill>
-                <a:schemeClr val="folHlink"/>
-              </a:solidFill>
-              <a:latin typeface="Courier New" panose="02070309020205020404" pitchFamily="49" charset="0"/>
-            </a:endParaRPr>
           </a:p>
           <a:p>
             <a:pPr>
@@ -16177,12 +15318,6 @@
               </a:rPr>
               <a:t>	  b = i+j;</a:t>
             </a:r>
-            <a:endParaRPr lang="en-US" altLang="zh-CN" sz="2000" b="1">
-              <a:solidFill>
-                <a:schemeClr val="folHlink"/>
-              </a:solidFill>
-              <a:latin typeface="Courier New" panose="02070309020205020404" pitchFamily="49" charset="0"/>
-            </a:endParaRPr>
           </a:p>
           <a:p>
             <a:pPr>
@@ -16201,12 +15336,6 @@
               </a:rPr>
               <a:t>	}</a:t>
             </a:r>
-            <a:endParaRPr lang="en-US" altLang="zh-CN" sz="2000" b="1">
-              <a:solidFill>
-                <a:schemeClr val="folHlink"/>
-              </a:solidFill>
-              <a:latin typeface="Courier New" panose="02070309020205020404" pitchFamily="49" charset="0"/>
-            </a:endParaRPr>
           </a:p>
           <a:p>
             <a:pPr>
@@ -16225,12 +15354,6 @@
               </a:rPr>
               <a:t>	extern void bar();   // #3</a:t>
             </a:r>
-            <a:endParaRPr lang="en-US" altLang="zh-CN" sz="2000" b="1">
-              <a:solidFill>
-                <a:schemeClr val="folHlink"/>
-              </a:solidFill>
-              <a:latin typeface="Courier New" panose="02070309020205020404" pitchFamily="49" charset="0"/>
-            </a:endParaRPr>
           </a:p>
           <a:p>
             <a:pPr>
@@ -16249,12 +15372,6 @@
               </a:rPr>
               <a:t>	…;</a:t>
             </a:r>
-            <a:endParaRPr lang="en-US" altLang="zh-CN" sz="2000" b="1">
-              <a:solidFill>
-                <a:schemeClr val="folHlink"/>
-              </a:solidFill>
-              <a:latin typeface="Courier New" panose="02070309020205020404" pitchFamily="49" charset="0"/>
-            </a:endParaRPr>
           </a:p>
           <a:p>
             <a:pPr>
@@ -16273,12 +15390,6 @@
               </a:rPr>
               <a:t>	bar ();</a:t>
             </a:r>
-            <a:endParaRPr lang="en-US" altLang="zh-CN" sz="2000" b="1">
-              <a:solidFill>
-                <a:schemeClr val="folHlink"/>
-              </a:solidFill>
-              <a:latin typeface="Courier New" panose="02070309020205020404" pitchFamily="49" charset="0"/>
-            </a:endParaRPr>
           </a:p>
           <a:p>
             <a:pPr>
@@ -16297,12 +15408,6 @@
               </a:rPr>
               <a:t>}</a:t>
             </a:r>
-            <a:endParaRPr lang="en-US" altLang="zh-CN" sz="2000" b="1">
-              <a:solidFill>
-                <a:schemeClr val="folHlink"/>
-              </a:solidFill>
-              <a:latin typeface="Courier New" panose="02070309020205020404" pitchFamily="49" charset="0"/>
-            </a:endParaRPr>
           </a:p>
         </p:txBody>
       </p:sp>
@@ -16350,7 +15455,6 @@
               <a:rPr lang="en-US" altLang="zh-CN"/>
               <a:t>External Variables</a:t>
             </a:r>
-            <a:endParaRPr lang="en-US" altLang="zh-CN"/>
           </a:p>
         </p:txBody>
       </p:sp>
@@ -16382,9 +15486,6 @@
               </a:rPr>
               <a:t> </a:t>
             </a:r>
-            <a:endParaRPr lang="en-US" altLang="zh-CN" sz="2000" b="1">
-              <a:latin typeface="Courier New" panose="02070309020205020404" pitchFamily="49" charset="0"/>
-            </a:endParaRPr>
           </a:p>
         </p:txBody>
       </p:sp>
@@ -16438,9 +15539,6 @@
               </a:rPr>
               <a:t>// file1.c</a:t>
             </a:r>
-            <a:endParaRPr lang="en-US" altLang="zh-CN" sz="2000" b="1">
-              <a:latin typeface="Courier New" panose="02070309020205020404" pitchFamily="49" charset="0"/>
-            </a:endParaRPr>
           </a:p>
           <a:p>
             <a:r>
@@ -16452,6 +15550,19 @@
               </a:rPr>
               <a:t>int i;</a:t>
             </a:r>
+          </a:p>
+          <a:p>
+            <a:r>
+              <a:rPr lang="en-US" altLang="zh-CN" sz="2000" b="1">
+                <a:solidFill>
+                  <a:schemeClr val="folHlink"/>
+                </a:solidFill>
+                <a:latin typeface="Courier New" panose="02070309020205020404" pitchFamily="49" charset="0"/>
+              </a:rPr>
+              <a:t>float j[10];</a:t>
+            </a:r>
+          </a:p>
+          <a:p>
             <a:endParaRPr lang="en-US" altLang="zh-CN" sz="2000" b="1">
               <a:solidFill>
                 <a:schemeClr val="folHlink"/>
@@ -16467,22 +15578,8 @@
                 </a:solidFill>
                 <a:latin typeface="Courier New" panose="02070309020205020404" pitchFamily="49" charset="0"/>
               </a:rPr>
-              <a:t>float j[10];</a:t>
-            </a:r>
-            <a:endParaRPr lang="en-US" altLang="zh-CN" sz="2000" b="1">
-              <a:solidFill>
-                <a:schemeClr val="folHlink"/>
-              </a:solidFill>
-              <a:latin typeface="Courier New" panose="02070309020205020404" pitchFamily="49" charset="0"/>
-            </a:endParaRPr>
-          </a:p>
-          <a:p>
-            <a:endParaRPr lang="en-US" altLang="zh-CN" sz="2000" b="1">
-              <a:solidFill>
-                <a:schemeClr val="folHlink"/>
-              </a:solidFill>
-              <a:latin typeface="Courier New" panose="02070309020205020404" pitchFamily="49" charset="0"/>
-            </a:endParaRPr>
+              <a:t>int f(){</a:t>
+            </a:r>
           </a:p>
           <a:p>
             <a:r>
@@ -16492,14 +15589,8 @@
                 </a:solidFill>
                 <a:latin typeface="Courier New" panose="02070309020205020404" pitchFamily="49" charset="0"/>
               </a:rPr>
-              <a:t>int f(){</a:t>
-            </a:r>
-            <a:endParaRPr lang="en-US" altLang="zh-CN" sz="2000" b="1">
-              <a:solidFill>
-                <a:schemeClr val="folHlink"/>
-              </a:solidFill>
-              <a:latin typeface="Courier New" panose="02070309020205020404" pitchFamily="49" charset="0"/>
-            </a:endParaRPr>
+              <a:t>  …;</a:t>
+            </a:r>
           </a:p>
           <a:p>
             <a:r>
@@ -16509,31 +15600,8 @@
                 </a:solidFill>
                 <a:latin typeface="Courier New" panose="02070309020205020404" pitchFamily="49" charset="0"/>
               </a:rPr>
-              <a:t>  …;</a:t>
-            </a:r>
-            <a:endParaRPr lang="en-US" altLang="zh-CN" sz="2000" b="1">
-              <a:solidFill>
-                <a:schemeClr val="folHlink"/>
-              </a:solidFill>
-              <a:latin typeface="Courier New" panose="02070309020205020404" pitchFamily="49" charset="0"/>
-            </a:endParaRPr>
-          </a:p>
-          <a:p>
-            <a:r>
-              <a:rPr lang="en-US" altLang="zh-CN" sz="2000" b="1">
-                <a:solidFill>
-                  <a:schemeClr val="folHlink"/>
-                </a:solidFill>
-                <a:latin typeface="Courier New" panose="02070309020205020404" pitchFamily="49" charset="0"/>
-              </a:rPr>
               <a:t>}</a:t>
             </a:r>
-            <a:endParaRPr lang="en-US" altLang="zh-CN" sz="2000" b="1">
-              <a:solidFill>
-                <a:schemeClr val="folHlink"/>
-              </a:solidFill>
-              <a:latin typeface="Courier New" panose="02070309020205020404" pitchFamily="49" charset="0"/>
-            </a:endParaRPr>
           </a:p>
         </p:txBody>
       </p:sp>
@@ -16587,9 +15655,6 @@
               </a:rPr>
               <a:t>// file2.c</a:t>
             </a:r>
-            <a:endParaRPr lang="en-US" altLang="zh-CN" sz="2000" b="1">
-              <a:latin typeface="Courier New" panose="02070309020205020404" pitchFamily="49" charset="0"/>
-            </a:endParaRPr>
           </a:p>
           <a:p>
             <a:r>
@@ -16601,6 +15666,19 @@
               </a:rPr>
               <a:t>extern int i;</a:t>
             </a:r>
+          </a:p>
+          <a:p>
+            <a:r>
+              <a:rPr lang="en-US" altLang="zh-CN" sz="2000" b="1">
+                <a:solidFill>
+                  <a:schemeClr val="folHlink"/>
+                </a:solidFill>
+                <a:latin typeface="Courier New" panose="02070309020205020404" pitchFamily="49" charset="0"/>
+              </a:rPr>
+              <a:t>extern float j[];</a:t>
+            </a:r>
+          </a:p>
+          <a:p>
             <a:endParaRPr lang="en-US" altLang="zh-CN" sz="2000" b="1">
               <a:solidFill>
                 <a:schemeClr val="folHlink"/>
@@ -16616,22 +15694,8 @@
                 </a:solidFill>
                 <a:latin typeface="Courier New" panose="02070309020205020404" pitchFamily="49" charset="0"/>
               </a:rPr>
-              <a:t>extern float j[];</a:t>
-            </a:r>
-            <a:endParaRPr lang="en-US" altLang="zh-CN" sz="2000" b="1">
-              <a:solidFill>
-                <a:schemeClr val="folHlink"/>
-              </a:solidFill>
-              <a:latin typeface="Courier New" panose="02070309020205020404" pitchFamily="49" charset="0"/>
-            </a:endParaRPr>
-          </a:p>
-          <a:p>
-            <a:endParaRPr lang="en-US" altLang="zh-CN" sz="2000" b="1">
-              <a:solidFill>
-                <a:schemeClr val="folHlink"/>
-              </a:solidFill>
-              <a:latin typeface="Courier New" panose="02070309020205020404" pitchFamily="49" charset="0"/>
-            </a:endParaRPr>
+              <a:t>int g(){</a:t>
+            </a:r>
           </a:p>
           <a:p>
             <a:r>
@@ -16641,14 +15705,8 @@
                 </a:solidFill>
                 <a:latin typeface="Courier New" panose="02070309020205020404" pitchFamily="49" charset="0"/>
               </a:rPr>
-              <a:t>int g(){</a:t>
-            </a:r>
-            <a:endParaRPr lang="en-US" altLang="zh-CN" sz="2000" b="1">
-              <a:solidFill>
-                <a:schemeClr val="folHlink"/>
-              </a:solidFill>
-              <a:latin typeface="Courier New" panose="02070309020205020404" pitchFamily="49" charset="0"/>
-            </a:endParaRPr>
+              <a:t>  i = 9;</a:t>
+            </a:r>
           </a:p>
           <a:p>
             <a:r>
@@ -16658,14 +15716,8 @@
                 </a:solidFill>
                 <a:latin typeface="Courier New" panose="02070309020205020404" pitchFamily="49" charset="0"/>
               </a:rPr>
-              <a:t>  i = 9;</a:t>
-            </a:r>
-            <a:endParaRPr lang="en-US" altLang="zh-CN" sz="2000" b="1">
-              <a:solidFill>
-                <a:schemeClr val="folHlink"/>
-              </a:solidFill>
-              <a:latin typeface="Courier New" panose="02070309020205020404" pitchFamily="49" charset="0"/>
-            </a:endParaRPr>
+              <a:t>  …;</a:t>
+            </a:r>
           </a:p>
           <a:p>
             <a:r>
@@ -16675,31 +15727,8 @@
                 </a:solidFill>
                 <a:latin typeface="Courier New" panose="02070309020205020404" pitchFamily="49" charset="0"/>
               </a:rPr>
-              <a:t>  …;</a:t>
-            </a:r>
-            <a:endParaRPr lang="en-US" altLang="zh-CN" sz="2000" b="1">
-              <a:solidFill>
-                <a:schemeClr val="folHlink"/>
-              </a:solidFill>
-              <a:latin typeface="Courier New" panose="02070309020205020404" pitchFamily="49" charset="0"/>
-            </a:endParaRPr>
-          </a:p>
-          <a:p>
-            <a:r>
-              <a:rPr lang="en-US" altLang="zh-CN" sz="2000" b="1">
-                <a:solidFill>
-                  <a:schemeClr val="folHlink"/>
-                </a:solidFill>
-                <a:latin typeface="Courier New" panose="02070309020205020404" pitchFamily="49" charset="0"/>
-              </a:rPr>
               <a:t>}</a:t>
             </a:r>
-            <a:endParaRPr lang="en-US" altLang="zh-CN" sz="2000" b="1">
-              <a:solidFill>
-                <a:schemeClr val="folHlink"/>
-              </a:solidFill>
-              <a:latin typeface="Courier New" panose="02070309020205020404" pitchFamily="49" charset="0"/>
-            </a:endParaRPr>
           </a:p>
         </p:txBody>
       </p:sp>
@@ -16886,11 +15915,6 @@
                 </a:rPr>
                 <a:t>variable definitions</a:t>
               </a:r>
-              <a:endParaRPr lang="en-US" altLang="zh-CN" sz="2000">
-                <a:solidFill>
-                  <a:schemeClr val="tx2"/>
-                </a:solidFill>
-              </a:endParaRPr>
             </a:p>
           </p:txBody>
         </p:sp>
@@ -17028,11 +16052,6 @@
                 </a:rPr>
                 <a:t>variable declarations</a:t>
               </a:r>
-              <a:endParaRPr lang="en-US" altLang="zh-CN" sz="2000">
-                <a:solidFill>
-                  <a:schemeClr val="tx2"/>
-                </a:solidFill>
-              </a:endParaRPr>
             </a:p>
           </p:txBody>
         </p:sp>
@@ -17710,7 +16729,7 @@
       </p:par>
     </p:tnLst>
     <p:bldLst>
-      <p:bldP spid="104453" grpId="0" animBg="1" uiExpand="1" build="allAtOnce"/>
+      <p:bldP spid="104453" grpId="0" uiExpand="1" build="allAtOnce" animBg="1"/>
     </p:bldLst>
   </p:timing>
 </p:sld>
@@ -17752,7 +16771,6 @@
               <a:rPr lang="en-US" altLang="zh-CN"/>
               <a:t>Declarations and Definitions</a:t>
             </a:r>
-            <a:endParaRPr lang="en-US" altLang="zh-CN"/>
           </a:p>
         </p:txBody>
       </p:sp>
@@ -17784,9 +16802,6 @@
               </a:rPr>
               <a:t> </a:t>
             </a:r>
-            <a:endParaRPr lang="en-US" altLang="zh-CN" sz="2000" b="1">
-              <a:latin typeface="Courier New" panose="02070309020205020404" pitchFamily="49" charset="0"/>
-            </a:endParaRPr>
           </a:p>
         </p:txBody>
       </p:sp>
@@ -17840,9 +16855,6 @@
               </a:rPr>
               <a:t>// file1.c</a:t>
             </a:r>
-            <a:endParaRPr lang="en-US" altLang="zh-CN" sz="2000" b="1">
-              <a:latin typeface="Courier New" panose="02070309020205020404" pitchFamily="49" charset="0"/>
-            </a:endParaRPr>
           </a:p>
           <a:p>
             <a:r>
@@ -17854,6 +16866,19 @@
               </a:rPr>
               <a:t>int i;</a:t>
             </a:r>
+          </a:p>
+          <a:p>
+            <a:r>
+              <a:rPr lang="en-US" altLang="zh-CN" sz="2000" b="1">
+                <a:solidFill>
+                  <a:schemeClr val="folHlink"/>
+                </a:solidFill>
+                <a:latin typeface="Courier New" panose="02070309020205020404" pitchFamily="49" charset="0"/>
+              </a:rPr>
+              <a:t>float j[10];</a:t>
+            </a:r>
+          </a:p>
+          <a:p>
             <a:endParaRPr lang="en-US" altLang="zh-CN" sz="2000" b="1">
               <a:solidFill>
                 <a:schemeClr val="folHlink"/>
@@ -17869,22 +16894,8 @@
                 </a:solidFill>
                 <a:latin typeface="Courier New" panose="02070309020205020404" pitchFamily="49" charset="0"/>
               </a:rPr>
-              <a:t>float j[10];</a:t>
-            </a:r>
-            <a:endParaRPr lang="en-US" altLang="zh-CN" sz="2000" b="1">
-              <a:solidFill>
-                <a:schemeClr val="folHlink"/>
-              </a:solidFill>
-              <a:latin typeface="Courier New" panose="02070309020205020404" pitchFamily="49" charset="0"/>
-            </a:endParaRPr>
-          </a:p>
-          <a:p>
-            <a:endParaRPr lang="en-US" altLang="zh-CN" sz="2000" b="1">
-              <a:solidFill>
-                <a:schemeClr val="folHlink"/>
-              </a:solidFill>
-              <a:latin typeface="Courier New" panose="02070309020205020404" pitchFamily="49" charset="0"/>
-            </a:endParaRPr>
+              <a:t>int f(){</a:t>
+            </a:r>
           </a:p>
           <a:p>
             <a:r>
@@ -17894,14 +16905,8 @@
                 </a:solidFill>
                 <a:latin typeface="Courier New" panose="02070309020205020404" pitchFamily="49" charset="0"/>
               </a:rPr>
-              <a:t>int f(){</a:t>
-            </a:r>
-            <a:endParaRPr lang="en-US" altLang="zh-CN" sz="2000" b="1">
-              <a:solidFill>
-                <a:schemeClr val="folHlink"/>
-              </a:solidFill>
-              <a:latin typeface="Courier New" panose="02070309020205020404" pitchFamily="49" charset="0"/>
-            </a:endParaRPr>
+              <a:t>…</a:t>
+            </a:r>
           </a:p>
           <a:p>
             <a:r>
@@ -17911,31 +16916,8 @@
                 </a:solidFill>
                 <a:latin typeface="Courier New" panose="02070309020205020404" pitchFamily="49" charset="0"/>
               </a:rPr>
-              <a:t>…</a:t>
-            </a:r>
-            <a:endParaRPr lang="en-US" altLang="zh-CN" sz="2000" b="1">
-              <a:solidFill>
-                <a:schemeClr val="folHlink"/>
-              </a:solidFill>
-              <a:latin typeface="Courier New" panose="02070309020205020404" pitchFamily="49" charset="0"/>
-            </a:endParaRPr>
-          </a:p>
-          <a:p>
-            <a:r>
-              <a:rPr lang="en-US" altLang="zh-CN" sz="2000" b="1">
-                <a:solidFill>
-                  <a:schemeClr val="folHlink"/>
-                </a:solidFill>
-                <a:latin typeface="Courier New" panose="02070309020205020404" pitchFamily="49" charset="0"/>
-              </a:rPr>
               <a:t>}</a:t>
             </a:r>
-            <a:endParaRPr lang="en-US" altLang="zh-CN" sz="2000" b="1">
-              <a:solidFill>
-                <a:schemeClr val="folHlink"/>
-              </a:solidFill>
-              <a:latin typeface="Courier New" panose="02070309020205020404" pitchFamily="49" charset="0"/>
-            </a:endParaRPr>
           </a:p>
         </p:txBody>
       </p:sp>
@@ -17989,9 +16971,6 @@
               </a:rPr>
               <a:t>// file2.c</a:t>
             </a:r>
-            <a:endParaRPr lang="en-US" altLang="zh-CN" sz="2000" b="1">
-              <a:latin typeface="Courier New" panose="02070309020205020404" pitchFamily="49" charset="0"/>
-            </a:endParaRPr>
           </a:p>
           <a:p>
             <a:r>
@@ -18003,12 +16982,6 @@
               </a:rPr>
               <a:t>extern int i;</a:t>
             </a:r>
-            <a:endParaRPr lang="en-US" altLang="zh-CN" sz="2000" b="1">
-              <a:solidFill>
-                <a:schemeClr val="folHlink"/>
-              </a:solidFill>
-              <a:latin typeface="Courier New" panose="02070309020205020404" pitchFamily="49" charset="0"/>
-            </a:endParaRPr>
           </a:p>
           <a:p>
             <a:r>
@@ -18020,12 +16993,6 @@
               </a:rPr>
               <a:t>extern float j[];</a:t>
             </a:r>
-            <a:endParaRPr lang="en-US" altLang="zh-CN" sz="2000" b="1">
-              <a:solidFill>
-                <a:schemeClr val="folHlink"/>
-              </a:solidFill>
-              <a:latin typeface="Courier New" panose="02070309020205020404" pitchFamily="49" charset="0"/>
-            </a:endParaRPr>
           </a:p>
           <a:p>
             <a:r>
@@ -18037,12 +17004,6 @@
               </a:rPr>
               <a:t>…</a:t>
             </a:r>
-            <a:endParaRPr lang="en-US" altLang="zh-CN" sz="2000" b="1">
-              <a:solidFill>
-                <a:schemeClr val="folHlink"/>
-              </a:solidFill>
-              <a:latin typeface="Courier New" panose="02070309020205020404" pitchFamily="49" charset="0"/>
-            </a:endParaRPr>
           </a:p>
         </p:txBody>
       </p:sp>
@@ -18196,9 +17157,6 @@
               </a:rPr>
               <a:t>// file3.c</a:t>
             </a:r>
-            <a:endParaRPr lang="en-US" altLang="zh-CN" sz="2000" b="1">
-              <a:latin typeface="Courier New" panose="02070309020205020404" pitchFamily="49" charset="0"/>
-            </a:endParaRPr>
           </a:p>
           <a:p>
             <a:r>
@@ -18210,12 +17168,6 @@
               </a:rPr>
               <a:t>extern int i;</a:t>
             </a:r>
-            <a:endParaRPr lang="en-US" altLang="zh-CN" sz="2000" b="1">
-              <a:solidFill>
-                <a:schemeClr val="folHlink"/>
-              </a:solidFill>
-              <a:latin typeface="Courier New" panose="02070309020205020404" pitchFamily="49" charset="0"/>
-            </a:endParaRPr>
           </a:p>
           <a:p>
             <a:r>
@@ -18227,12 +17179,6 @@
               </a:rPr>
               <a:t>extern float j[];</a:t>
             </a:r>
-            <a:endParaRPr lang="en-US" altLang="zh-CN" sz="2000" b="1">
-              <a:solidFill>
-                <a:schemeClr val="folHlink"/>
-              </a:solidFill>
-              <a:latin typeface="Courier New" panose="02070309020205020404" pitchFamily="49" charset="0"/>
-            </a:endParaRPr>
           </a:p>
           <a:p>
             <a:r>
@@ -18241,9 +17187,6 @@
               </a:rPr>
               <a:t>…</a:t>
             </a:r>
-            <a:endParaRPr lang="en-US" altLang="zh-CN" sz="2000" b="1">
-              <a:latin typeface="Courier New" panose="02070309020205020404" pitchFamily="49" charset="0"/>
-            </a:endParaRPr>
           </a:p>
         </p:txBody>
       </p:sp>
@@ -18391,7 +17334,6 @@
               <a:rPr lang="en-US" altLang="zh-CN"/>
               <a:t>External Variables</a:t>
             </a:r>
-            <a:endParaRPr lang="en-US" altLang="zh-CN"/>
           </a:p>
         </p:txBody>
       </p:sp>
@@ -18414,7 +17356,6 @@
               <a:rPr lang="en-US" altLang="zh-CN" sz="2800"/>
               <a:t>Pros:</a:t>
             </a:r>
-            <a:endParaRPr lang="en-US" altLang="zh-CN" sz="2800"/>
           </a:p>
           <a:p>
             <a:pPr lvl="1"/>
@@ -18422,7 +17363,6 @@
               <a:rPr lang="en-US" altLang="zh-CN" sz="2400"/>
               <a:t>An important way for data sharing</a:t>
             </a:r>
-            <a:endParaRPr lang="en-US" altLang="zh-CN" sz="2400"/>
           </a:p>
           <a:p>
             <a:pPr lvl="1"/>
@@ -18440,7 +17380,6 @@
               <a:rPr lang="en-US" altLang="zh-CN" sz="2400"/>
               <a:t>s method to build closures</a:t>
             </a:r>
-            <a:endParaRPr lang="en-US" altLang="zh-CN" sz="2400"/>
           </a:p>
           <a:p>
             <a:pPr lvl="2"/>
@@ -18458,7 +17397,6 @@
               <a:rPr lang="en-US" altLang="zh-CN" sz="2000"/>
               <a:t>ll discuss another one</a:t>
             </a:r>
-            <a:endParaRPr lang="en-US" altLang="zh-CN" sz="2000"/>
           </a:p>
           <a:p>
             <a:pPr lvl="1"/>
@@ -18466,14 +17404,12 @@
               <a:rPr lang="en-US" altLang="zh-CN" sz="2400"/>
               <a:t>Also think objects in OO languages</a:t>
             </a:r>
-            <a:endParaRPr lang="en-US" altLang="zh-CN" sz="2400"/>
           </a:p>
           <a:p>
             <a:r>
               <a:rPr lang="en-US" altLang="zh-CN" sz="2800"/>
               <a:t>Cons:</a:t>
             </a:r>
-            <a:endParaRPr lang="en-US" altLang="zh-CN" sz="2800"/>
           </a:p>
           <a:p>
             <a:pPr lvl="1"/>
@@ -18481,7 +17417,6 @@
               <a:rPr lang="en-US" altLang="zh-CN" sz="2400"/>
               <a:t>External variables blur the connections between functions and modules</a:t>
             </a:r>
-            <a:endParaRPr lang="en-US" altLang="zh-CN" sz="2400"/>
           </a:p>
           <a:p>
             <a:pPr lvl="1"/>
@@ -18489,7 +17424,6 @@
               <a:rPr lang="en-US" altLang="zh-CN" sz="2400"/>
               <a:t>Involve the internal working of a linker</a:t>
             </a:r>
-            <a:endParaRPr lang="en-US" altLang="zh-CN" sz="2400"/>
           </a:p>
         </p:txBody>
       </p:sp>
@@ -18502,7 +17436,7 @@
 </file>
 
 <file path=ppt/tags/tag1.xml><?xml version="1.0" encoding="utf-8"?>
-<p:tagLst xmlns:p="http://schemas.openxmlformats.org/presentationml/2006/main">
+<p:tagLst xmlns:a="http://schemas.openxmlformats.org/drawingml/2006/main" xmlns:r="http://schemas.openxmlformats.org/officeDocument/2006/relationships" xmlns:p="http://schemas.openxmlformats.org/presentationml/2006/main">
   <p:tag name="KSO_WPP_MARK_KEY" val="b9997c9f-9e76-4ba2-a0af-5adffc3f6321"/>
   <p:tag name="COMMONDATA" val="eyJoZGlkIjoiYmNiMDViODIzZGE0MTkwNmNjOTQxNWU1YWMyZjBiZDAifQ=="/>
 </p:tagLst>
@@ -18699,6 +17633,7 @@
       </a:bgFillStyleLst>
     </a:fmtScheme>
   </a:themeElements>
+  <a:objectDefaults/>
   <a:extraClrSchemeLst>
     <a:extraClrScheme>
       <a:clrScheme name="Blends 1">
@@ -19206,6 +18141,8 @@
       </a:bgFillStyleLst>
     </a:fmtScheme>
   </a:themeElements>
+  <a:objectDefaults/>
+  <a:extraClrSchemeLst/>
   <a:extLst>
     <a:ext uri="{05A4C25C-085E-4340-85A3-A5531E510DB2}">
       <thm15:themeFamily xmlns:thm15="http://schemas.microsoft.com/office/thememl/2012/main" name="Office Theme" id="{62F939B6-93AF-4DB8-9C6B-D6C7DFDC589F}" vid="{4A3C46E8-61CC-4603-A589-7422A47A8E4A}"/>

--- a/courses/sysprog/slides/lec05-fun.pptx
+++ b/courses/sysprog/slides/lec05-fun.pptx
@@ -4916,36 +4916,63 @@
           <a:lstStyle/>
           <a:p>
             <a:r>
-              <a:rPr lang="en-US" altLang="zh-CN" sz="2000" b="1">
-                <a:latin typeface="Courier New" panose="02070309020205020404" pitchFamily="49" charset="0"/>
-              </a:rPr>
-              <a:t>// main.c</a:t>
-            </a:r>
-          </a:p>
-          <a:p>
-            <a:r>
-              <a:rPr lang="en-US" altLang="zh-CN" sz="2000" b="1">
+              <a:rPr lang="en-US" altLang="zh-CN" sz="2000" b="1" dirty="0">
+                <a:latin typeface="Courier New" panose="02070309020205020404" pitchFamily="49" charset="0"/>
+              </a:rPr>
+              <a:t>// </a:t>
+            </a:r>
+            <a:r>
+              <a:rPr lang="en-US" altLang="zh-CN" sz="2000" b="1" dirty="0" err="1">
+                <a:latin typeface="Courier New" panose="02070309020205020404" pitchFamily="49" charset="0"/>
+              </a:rPr>
+              <a:t>main.c</a:t>
+            </a:r>
+            <a:endParaRPr lang="en-US" altLang="zh-CN" sz="2000" b="1" dirty="0">
+              <a:latin typeface="Courier New" panose="02070309020205020404" pitchFamily="49" charset="0"/>
+            </a:endParaRPr>
+          </a:p>
+          <a:p>
+            <a:r>
+              <a:rPr lang="en-US" altLang="zh-CN" sz="2000" b="1" dirty="0">
                 <a:solidFill>
                   <a:schemeClr val="folHlink"/>
                 </a:solidFill>
                 <a:latin typeface="Courier New" panose="02070309020205020404" pitchFamily="49" charset="0"/>
               </a:rPr>
-              <a:t>extern int myDollar;</a:t>
-            </a:r>
-          </a:p>
-          <a:p>
-            <a:r>
-              <a:rPr lang="en-US" altLang="zh-CN" sz="2000" b="1">
+              <a:t>extern int </a:t>
+            </a:r>
+            <a:r>
+              <a:rPr lang="en-US" altLang="zh-CN" sz="2000" b="1" dirty="0" err="1">
                 <a:solidFill>
                   <a:schemeClr val="folHlink"/>
                 </a:solidFill>
                 <a:latin typeface="Courier New" panose="02070309020205020404" pitchFamily="49" charset="0"/>
               </a:rPr>
+              <a:t>myDollar</a:t>
+            </a:r>
+            <a:r>
+              <a:rPr lang="en-US" altLang="zh-CN" sz="2000" b="1" dirty="0">
+                <a:solidFill>
+                  <a:schemeClr val="folHlink"/>
+                </a:solidFill>
+                <a:latin typeface="Courier New" panose="02070309020205020404" pitchFamily="49" charset="0"/>
+              </a:rPr>
+              <a:t>;</a:t>
+            </a:r>
+          </a:p>
+          <a:p>
+            <a:r>
+              <a:rPr lang="en-US" altLang="zh-CN" sz="2000" b="1" dirty="0">
+                <a:solidFill>
+                  <a:schemeClr val="folHlink"/>
+                </a:solidFill>
+                <a:latin typeface="Courier New" panose="02070309020205020404" pitchFamily="49" charset="0"/>
+              </a:rPr>
               <a:t>extern void add(int a);</a:t>
             </a:r>
           </a:p>
           <a:p>
-            <a:endParaRPr lang="en-US" altLang="zh-CN" sz="2000" b="1">
+            <a:endParaRPr lang="en-US" altLang="zh-CN" sz="2000" b="1" dirty="0">
               <a:solidFill>
                 <a:schemeClr val="folHlink"/>
               </a:solidFill>
@@ -4954,7 +4981,7 @@
           </a:p>
           <a:p>
             <a:r>
-              <a:rPr lang="en-US" altLang="zh-CN" sz="2000" b="1">
+              <a:rPr lang="en-US" altLang="zh-CN" sz="2000" b="1" dirty="0">
                 <a:solidFill>
                   <a:schemeClr val="folHlink"/>
                 </a:solidFill>
@@ -4965,51 +4992,87 @@
           </a:p>
           <a:p>
             <a:r>
-              <a:rPr lang="en-US" altLang="zh-CN" sz="2000" b="1">
+              <a:rPr lang="en-US" altLang="zh-CN" sz="2000" b="1" dirty="0">
                 <a:solidFill>
                   <a:schemeClr val="folHlink"/>
                 </a:solidFill>
                 <a:latin typeface="Courier New" panose="02070309020205020404" pitchFamily="49" charset="0"/>
               </a:rPr>
-              <a:t>  // Ooooops!</a:t>
-            </a:r>
-          </a:p>
-          <a:p>
-            <a:r>
-              <a:rPr lang="en-US" altLang="zh-CN" sz="2000" b="1">
+              <a:t>  // </a:t>
+            </a:r>
+            <a:r>
+              <a:rPr lang="en-US" altLang="zh-CN" sz="2000" b="1" dirty="0" err="1">
                 <a:solidFill>
                   <a:schemeClr val="folHlink"/>
                 </a:solidFill>
                 <a:latin typeface="Courier New" panose="02070309020205020404" pitchFamily="49" charset="0"/>
               </a:rPr>
-              <a:t>  myDollar -= 999999;</a:t>
-            </a:r>
-          </a:p>
-          <a:p>
-            <a:r>
-              <a:rPr lang="en-US" altLang="zh-CN" sz="2000" b="1">
+              <a:t>Ooooops</a:t>
+            </a:r>
+            <a:r>
+              <a:rPr lang="en-US" altLang="zh-CN" sz="2000" b="1" dirty="0">
                 <a:solidFill>
                   <a:schemeClr val="folHlink"/>
                 </a:solidFill>
                 <a:latin typeface="Courier New" panose="02070309020205020404" pitchFamily="49" charset="0"/>
               </a:rPr>
-              <a:t>  add (999999);</a:t>
-            </a:r>
-          </a:p>
-          <a:p>
-            <a:r>
-              <a:rPr lang="en-US" altLang="zh-CN" sz="2000" b="1">
+              <a:t>!</a:t>
+            </a:r>
+          </a:p>
+          <a:p>
+            <a:r>
+              <a:rPr lang="en-US" altLang="zh-CN" sz="2000" b="1" dirty="0">
                 <a:solidFill>
                   <a:schemeClr val="folHlink"/>
                 </a:solidFill>
                 <a:latin typeface="Courier New" panose="02070309020205020404" pitchFamily="49" charset="0"/>
               </a:rPr>
+              <a:t>  </a:t>
+            </a:r>
+            <a:r>
+              <a:rPr lang="en-US" altLang="zh-CN" sz="2000" b="1" dirty="0" err="1">
+                <a:solidFill>
+                  <a:schemeClr val="folHlink"/>
+                </a:solidFill>
+                <a:latin typeface="Courier New" panose="02070309020205020404" pitchFamily="49" charset="0"/>
+              </a:rPr>
+              <a:t>myDollar</a:t>
+            </a:r>
+            <a:r>
+              <a:rPr lang="en-US" altLang="zh-CN" sz="2000" b="1" dirty="0">
+                <a:solidFill>
+                  <a:schemeClr val="folHlink"/>
+                </a:solidFill>
+                <a:latin typeface="Courier New" panose="02070309020205020404" pitchFamily="49" charset="0"/>
+              </a:rPr>
+              <a:t> -= 999999;</a:t>
+            </a:r>
+          </a:p>
+          <a:p>
+            <a:r>
+              <a:rPr lang="en-US" altLang="zh-CN" sz="2000" b="1" dirty="0">
+                <a:solidFill>
+                  <a:schemeClr val="folHlink"/>
+                </a:solidFill>
+                <a:latin typeface="Courier New" panose="02070309020205020404" pitchFamily="49" charset="0"/>
+              </a:rPr>
+              <a:t>  add(999999);</a:t>
+            </a:r>
+          </a:p>
+          <a:p>
+            <a:r>
+              <a:rPr lang="en-US" altLang="zh-CN" sz="2000" b="1" dirty="0">
+                <a:solidFill>
+                  <a:schemeClr val="folHlink"/>
+                </a:solidFill>
+                <a:latin typeface="Courier New" panose="02070309020205020404" pitchFamily="49" charset="0"/>
+              </a:rPr>
               <a:t>  …;</a:t>
             </a:r>
           </a:p>
           <a:p>
             <a:r>
-              <a:rPr lang="en-US" altLang="zh-CN" sz="2000" b="1">
+              <a:rPr lang="en-US" altLang="zh-CN" sz="2000" b="1" dirty="0">
                 <a:solidFill>
                   <a:schemeClr val="folHlink"/>
                 </a:solidFill>
@@ -5303,15 +5366,24 @@
           <a:lstStyle/>
           <a:p>
             <a:r>
-              <a:rPr lang="en-US" altLang="zh-CN" sz="2000" b="1">
-                <a:latin typeface="Courier New" panose="02070309020205020404" pitchFamily="49" charset="0"/>
-              </a:rPr>
-              <a:t>// main.c</a:t>
-            </a:r>
-          </a:p>
-          <a:p>
-            <a:r>
-              <a:rPr lang="en-US" altLang="zh-CN" sz="2000" b="1">
+              <a:rPr lang="en-US" altLang="zh-CN" sz="2000" b="1" dirty="0">
+                <a:latin typeface="Courier New" panose="02070309020205020404" pitchFamily="49" charset="0"/>
+              </a:rPr>
+              <a:t>// </a:t>
+            </a:r>
+            <a:r>
+              <a:rPr lang="en-US" altLang="zh-CN" sz="2000" b="1" dirty="0" err="1">
+                <a:latin typeface="Courier New" panose="02070309020205020404" pitchFamily="49" charset="0"/>
+              </a:rPr>
+              <a:t>main.c</a:t>
+            </a:r>
+            <a:endParaRPr lang="en-US" altLang="zh-CN" sz="2000" b="1" dirty="0">
+              <a:latin typeface="Courier New" panose="02070309020205020404" pitchFamily="49" charset="0"/>
+            </a:endParaRPr>
+          </a:p>
+          <a:p>
+            <a:r>
+              <a:rPr lang="en-US" altLang="zh-CN" sz="2000" b="1" dirty="0">
                 <a:latin typeface="Courier New" panose="02070309020205020404" pitchFamily="49" charset="0"/>
               </a:rPr>
               <a:t>// compiler complains…</a:t>
@@ -5319,28 +5391,46 @@
           </a:p>
           <a:p>
             <a:r>
-              <a:rPr lang="en-US" altLang="zh-CN" sz="2000" b="1">
+              <a:rPr lang="en-US" altLang="zh-CN" sz="2000" b="1" dirty="0">
                 <a:solidFill>
                   <a:schemeClr val="hlink"/>
                 </a:solidFill>
                 <a:latin typeface="Courier New" panose="02070309020205020404" pitchFamily="49" charset="0"/>
               </a:rPr>
-              <a:t>extern int myDollar;</a:t>
-            </a:r>
-          </a:p>
-          <a:p>
-            <a:r>
-              <a:rPr lang="en-US" altLang="zh-CN" sz="2000" b="1">
+              <a:t>extern int </a:t>
+            </a:r>
+            <a:r>
+              <a:rPr lang="en-US" altLang="zh-CN" sz="2000" b="1" dirty="0" err="1">
+                <a:solidFill>
+                  <a:schemeClr val="hlink"/>
+                </a:solidFill>
+                <a:latin typeface="Courier New" panose="02070309020205020404" pitchFamily="49" charset="0"/>
+              </a:rPr>
+              <a:t>myDollar</a:t>
+            </a:r>
+            <a:r>
+              <a:rPr lang="en-US" altLang="zh-CN" sz="2000" b="1" dirty="0">
+                <a:solidFill>
+                  <a:schemeClr val="hlink"/>
+                </a:solidFill>
+                <a:latin typeface="Courier New" panose="02070309020205020404" pitchFamily="49" charset="0"/>
+              </a:rPr>
+              <a:t>;</a:t>
+            </a:r>
+          </a:p>
+          <a:p>
+            <a:r>
+              <a:rPr lang="en-US" altLang="zh-CN" sz="2000" b="1" dirty="0">
                 <a:solidFill>
                   <a:schemeClr val="folHlink"/>
                 </a:solidFill>
                 <a:latin typeface="Courier New" panose="02070309020205020404" pitchFamily="49" charset="0"/>
               </a:rPr>
-              <a:t>extern void add (int a);</a:t>
-            </a:r>
-          </a:p>
-          <a:p>
-            <a:endParaRPr lang="en-US" altLang="zh-CN" sz="2000" b="1">
+              <a:t>extern void add(int a);</a:t>
+            </a:r>
+          </a:p>
+          <a:p>
+            <a:endParaRPr lang="en-US" altLang="zh-CN" sz="2000" b="1" dirty="0">
               <a:solidFill>
                 <a:schemeClr val="folHlink"/>
               </a:solidFill>
@@ -5349,62 +5439,98 @@
           </a:p>
           <a:p>
             <a:r>
-              <a:rPr lang="en-US" altLang="zh-CN" sz="2000" b="1">
+              <a:rPr lang="en-US" altLang="zh-CN" sz="2000" b="1" dirty="0">
                 <a:solidFill>
                   <a:schemeClr val="folHlink"/>
                 </a:solidFill>
                 <a:latin typeface="Courier New" panose="02070309020205020404" pitchFamily="49" charset="0"/>
               </a:rPr>
-              <a:t>int main (){</a:t>
-            </a:r>
-          </a:p>
-          <a:p>
-            <a:r>
-              <a:rPr lang="en-US" altLang="zh-CN" sz="2000" b="1">
+              <a:t>int main(){</a:t>
+            </a:r>
+          </a:p>
+          <a:p>
+            <a:r>
+              <a:rPr lang="en-US" altLang="zh-CN" sz="2000" b="1" dirty="0">
                 <a:solidFill>
                   <a:schemeClr val="folHlink"/>
                 </a:solidFill>
                 <a:latin typeface="Courier New" panose="02070309020205020404" pitchFamily="49" charset="0"/>
               </a:rPr>
-              <a:t>  // Ooooops!</a:t>
-            </a:r>
-          </a:p>
-          <a:p>
-            <a:r>
-              <a:rPr lang="en-US" altLang="zh-CN" sz="2000" b="1">
+              <a:t>  // </a:t>
+            </a:r>
+            <a:r>
+              <a:rPr lang="en-US" altLang="zh-CN" sz="2000" b="1" dirty="0" err="1">
                 <a:solidFill>
                   <a:schemeClr val="folHlink"/>
                 </a:solidFill>
                 <a:latin typeface="Courier New" panose="02070309020205020404" pitchFamily="49" charset="0"/>
               </a:rPr>
-              <a:t>  myDollar -= 999999;</a:t>
-            </a:r>
-          </a:p>
-          <a:p>
-            <a:r>
-              <a:rPr lang="en-US" altLang="zh-CN" sz="2000" b="1">
+              <a:t>Ooooops</a:t>
+            </a:r>
+            <a:r>
+              <a:rPr lang="en-US" altLang="zh-CN" sz="2000" b="1" dirty="0">
                 <a:solidFill>
                   <a:schemeClr val="folHlink"/>
                 </a:solidFill>
                 <a:latin typeface="Courier New" panose="02070309020205020404" pitchFamily="49" charset="0"/>
               </a:rPr>
-              <a:t>  add (999999);</a:t>
-            </a:r>
-          </a:p>
-          <a:p>
-            <a:r>
-              <a:rPr lang="en-US" altLang="zh-CN" sz="2000" b="1">
+              <a:t>!</a:t>
+            </a:r>
+          </a:p>
+          <a:p>
+            <a:r>
+              <a:rPr lang="en-US" altLang="zh-CN" sz="2000" b="1" dirty="0">
                 <a:solidFill>
                   <a:schemeClr val="folHlink"/>
                 </a:solidFill>
                 <a:latin typeface="Courier New" panose="02070309020205020404" pitchFamily="49" charset="0"/>
               </a:rPr>
+              <a:t>  </a:t>
+            </a:r>
+            <a:r>
+              <a:rPr lang="en-US" altLang="zh-CN" sz="2000" b="1" dirty="0" err="1">
+                <a:solidFill>
+                  <a:schemeClr val="folHlink"/>
+                </a:solidFill>
+                <a:latin typeface="Courier New" panose="02070309020205020404" pitchFamily="49" charset="0"/>
+              </a:rPr>
+              <a:t>myDollar</a:t>
+            </a:r>
+            <a:r>
+              <a:rPr lang="en-US" altLang="zh-CN" sz="2000" b="1" dirty="0">
+                <a:solidFill>
+                  <a:schemeClr val="folHlink"/>
+                </a:solidFill>
+                <a:latin typeface="Courier New" panose="02070309020205020404" pitchFamily="49" charset="0"/>
+              </a:rPr>
+              <a:t> -= 999999;</a:t>
+            </a:r>
+          </a:p>
+          <a:p>
+            <a:r>
+              <a:rPr lang="en-US" altLang="zh-CN" sz="2000" b="1" dirty="0">
+                <a:solidFill>
+                  <a:schemeClr val="folHlink"/>
+                </a:solidFill>
+                <a:latin typeface="Courier New" panose="02070309020205020404" pitchFamily="49" charset="0"/>
+              </a:rPr>
+              <a:t>  add(999999);</a:t>
+            </a:r>
+          </a:p>
+          <a:p>
+            <a:r>
+              <a:rPr lang="en-US" altLang="zh-CN" sz="2000" b="1" dirty="0">
+                <a:solidFill>
+                  <a:schemeClr val="folHlink"/>
+                </a:solidFill>
+                <a:latin typeface="Courier New" panose="02070309020205020404" pitchFamily="49" charset="0"/>
+              </a:rPr>
               <a:t>  …;</a:t>
             </a:r>
           </a:p>
           <a:p>
             <a:r>
-              <a:rPr lang="en-US" altLang="zh-CN" sz="2000" b="1">
+              <a:rPr lang="en-US" altLang="zh-CN" sz="2000" b="1" dirty="0">
                 <a:solidFill>
                   <a:schemeClr val="folHlink"/>
                 </a:solidFill>
@@ -5460,15 +5586,24 @@
           <a:lstStyle/>
           <a:p>
             <a:r>
-              <a:rPr lang="en-US" altLang="zh-CN" sz="2000" b="1">
-                <a:latin typeface="Courier New" panose="02070309020205020404" pitchFamily="49" charset="0"/>
-              </a:rPr>
-              <a:t>// visa.c</a:t>
-            </a:r>
-          </a:p>
-          <a:p>
-            <a:r>
-              <a:rPr lang="en-US" altLang="zh-CN" sz="2000" b="1">
+              <a:rPr lang="en-US" altLang="zh-CN" sz="2000" b="1" dirty="0">
+                <a:latin typeface="Courier New" panose="02070309020205020404" pitchFamily="49" charset="0"/>
+              </a:rPr>
+              <a:t>// </a:t>
+            </a:r>
+            <a:r>
+              <a:rPr lang="en-US" altLang="zh-CN" sz="2000" b="1" dirty="0" err="1">
+                <a:latin typeface="Courier New" panose="02070309020205020404" pitchFamily="49" charset="0"/>
+              </a:rPr>
+              <a:t>visa.c</a:t>
+            </a:r>
+            <a:endParaRPr lang="en-US" altLang="zh-CN" sz="2000" b="1" dirty="0">
+              <a:latin typeface="Courier New" panose="02070309020205020404" pitchFamily="49" charset="0"/>
+            </a:endParaRPr>
+          </a:p>
+          <a:p>
+            <a:r>
+              <a:rPr lang="en-US" altLang="zh-CN" sz="2000" b="1" dirty="0">
                 <a:solidFill>
                   <a:schemeClr val="hlink"/>
                 </a:solidFill>
@@ -5477,17 +5612,35 @@
               <a:t>static</a:t>
             </a:r>
             <a:r>
-              <a:rPr lang="en-US" altLang="zh-CN" sz="2000" b="1">
+              <a:rPr lang="en-US" altLang="zh-CN" sz="2000" b="1" dirty="0">
                 <a:solidFill>
                   <a:schemeClr val="folHlink"/>
                 </a:solidFill>
                 <a:latin typeface="Courier New" panose="02070309020205020404" pitchFamily="49" charset="0"/>
               </a:rPr>
-              <a:t> int myDollar;</a:t>
-            </a:r>
-          </a:p>
-          <a:p>
-            <a:endParaRPr lang="en-US" altLang="zh-CN" sz="2000" b="1">
+              <a:t> int </a:t>
+            </a:r>
+            <a:r>
+              <a:rPr lang="en-US" altLang="zh-CN" sz="2000" b="1" dirty="0" err="1">
+                <a:solidFill>
+                  <a:schemeClr val="folHlink"/>
+                </a:solidFill>
+                <a:latin typeface="Courier New" panose="02070309020205020404" pitchFamily="49" charset="0"/>
+              </a:rPr>
+              <a:t>myDollar</a:t>
+            </a:r>
+            <a:r>
+              <a:rPr lang="en-US" altLang="zh-CN" sz="2000" b="1" dirty="0">
+                <a:solidFill>
+                  <a:schemeClr val="folHlink"/>
+                </a:solidFill>
+                <a:latin typeface="Courier New" panose="02070309020205020404" pitchFamily="49" charset="0"/>
+              </a:rPr>
+              <a:t>;</a:t>
+            </a:r>
+          </a:p>
+          <a:p>
+            <a:endParaRPr lang="en-US" altLang="zh-CN" sz="2000" b="1" dirty="0">
               <a:solidFill>
                 <a:schemeClr val="folHlink"/>
               </a:solidFill>
@@ -5496,7 +5649,7 @@
           </a:p>
           <a:p>
             <a:r>
-              <a:rPr lang="en-US" altLang="zh-CN" sz="2000" b="1">
+              <a:rPr lang="en-US" altLang="zh-CN" sz="2000" b="1" dirty="0">
                 <a:solidFill>
                   <a:schemeClr val="folHlink"/>
                 </a:solidFill>
@@ -5507,28 +5660,46 @@
           </a:p>
           <a:p>
             <a:r>
-              <a:rPr lang="en-US" altLang="zh-CN" sz="2000" b="1">
+              <a:rPr lang="en-US" altLang="zh-CN" sz="2000" b="1" dirty="0">
                 <a:solidFill>
                   <a:schemeClr val="folHlink"/>
                 </a:solidFill>
                 <a:latin typeface="Courier New" panose="02070309020205020404" pitchFamily="49" charset="0"/>
               </a:rPr>
-              <a:t>  return myDollar;</a:t>
-            </a:r>
-          </a:p>
-          <a:p>
-            <a:r>
-              <a:rPr lang="en-US" altLang="zh-CN" sz="2000" b="1">
+              <a:t>  return </a:t>
+            </a:r>
+            <a:r>
+              <a:rPr lang="en-US" altLang="zh-CN" sz="2000" b="1" dirty="0" err="1">
                 <a:solidFill>
                   <a:schemeClr val="folHlink"/>
                 </a:solidFill>
                 <a:latin typeface="Courier New" panose="02070309020205020404" pitchFamily="49" charset="0"/>
               </a:rPr>
+              <a:t>myDollar</a:t>
+            </a:r>
+            <a:r>
+              <a:rPr lang="en-US" altLang="zh-CN" sz="2000" b="1" dirty="0">
+                <a:solidFill>
+                  <a:schemeClr val="folHlink"/>
+                </a:solidFill>
+                <a:latin typeface="Courier New" panose="02070309020205020404" pitchFamily="49" charset="0"/>
+              </a:rPr>
+              <a:t>;</a:t>
+            </a:r>
+          </a:p>
+          <a:p>
+            <a:r>
+              <a:rPr lang="en-US" altLang="zh-CN" sz="2000" b="1" dirty="0">
+                <a:solidFill>
+                  <a:schemeClr val="folHlink"/>
+                </a:solidFill>
+                <a:latin typeface="Courier New" panose="02070309020205020404" pitchFamily="49" charset="0"/>
+              </a:rPr>
               <a:t>}</a:t>
             </a:r>
           </a:p>
           <a:p>
-            <a:endParaRPr lang="en-US" altLang="zh-CN" sz="2000" b="1">
+            <a:endParaRPr lang="en-US" altLang="zh-CN" sz="2000" b="1" dirty="0">
               <a:solidFill>
                 <a:schemeClr val="folHlink"/>
               </a:solidFill>
@@ -5537,7 +5708,7 @@
           </a:p>
           <a:p>
             <a:r>
-              <a:rPr lang="en-US" altLang="zh-CN" sz="2000" b="1">
+              <a:rPr lang="en-US" altLang="zh-CN" sz="2000" b="1" dirty="0">
                 <a:solidFill>
                   <a:schemeClr val="folHlink"/>
                 </a:solidFill>
@@ -5548,28 +5719,46 @@
           </a:p>
           <a:p>
             <a:r>
-              <a:rPr lang="en-US" altLang="zh-CN" sz="2000" b="1">
+              <a:rPr lang="en-US" altLang="zh-CN" sz="2000" b="1" dirty="0">
                 <a:solidFill>
                   <a:schemeClr val="folHlink"/>
                 </a:solidFill>
                 <a:latin typeface="Courier New" panose="02070309020205020404" pitchFamily="49" charset="0"/>
               </a:rPr>
-              <a:t>  myDollar += a;</a:t>
-            </a:r>
-          </a:p>
-          <a:p>
-            <a:r>
-              <a:rPr lang="en-US" altLang="zh-CN" sz="2000" b="1">
+              <a:t>  </a:t>
+            </a:r>
+            <a:r>
+              <a:rPr lang="en-US" altLang="zh-CN" sz="2000" b="1" dirty="0" err="1">
                 <a:solidFill>
                   <a:schemeClr val="folHlink"/>
                 </a:solidFill>
                 <a:latin typeface="Courier New" panose="02070309020205020404" pitchFamily="49" charset="0"/>
               </a:rPr>
+              <a:t>myDollar</a:t>
+            </a:r>
+            <a:r>
+              <a:rPr lang="en-US" altLang="zh-CN" sz="2000" b="1" dirty="0">
+                <a:solidFill>
+                  <a:schemeClr val="folHlink"/>
+                </a:solidFill>
+                <a:latin typeface="Courier New" panose="02070309020205020404" pitchFamily="49" charset="0"/>
+              </a:rPr>
+              <a:t> += a;</a:t>
+            </a:r>
+          </a:p>
+          <a:p>
+            <a:r>
+              <a:rPr lang="en-US" altLang="zh-CN" sz="2000" b="1" dirty="0">
+                <a:solidFill>
+                  <a:schemeClr val="folHlink"/>
+                </a:solidFill>
+                <a:latin typeface="Courier New" panose="02070309020205020404" pitchFamily="49" charset="0"/>
+              </a:rPr>
               <a:t>}</a:t>
             </a:r>
           </a:p>
           <a:p>
-            <a:endParaRPr lang="en-US" altLang="zh-CN" sz="2000" b="1">
+            <a:endParaRPr lang="en-US" altLang="zh-CN" sz="2000" b="1" dirty="0">
               <a:solidFill>
                 <a:schemeClr val="folHlink"/>
               </a:solidFill>
@@ -5578,13 +5767,13 @@
           </a:p>
           <a:p>
             <a:r>
-              <a:rPr lang="en-US" altLang="zh-CN" sz="2000" b="1">
+              <a:rPr lang="en-US" altLang="zh-CN" sz="2000" b="1" dirty="0">
                 <a:solidFill>
                   <a:schemeClr val="folHlink"/>
                 </a:solidFill>
                 <a:latin typeface="Courier New" panose="02070309020205020404" pitchFamily="49" charset="0"/>
               </a:rPr>
-              <a:t>// void sub (int a)</a:t>
+              <a:t>// void sub(int a)</a:t>
             </a:r>
           </a:p>
         </p:txBody>
@@ -5793,7 +5982,7 @@
         </p:nvGraphicFramePr>
         <p:xfrm>
           <a:off x="1182688" y="2017713"/>
-          <a:ext cx="7772400" cy="4335462"/>
+          <a:ext cx="7772400" cy="4336099"/>
         </p:xfrm>
         <a:graphic>
           <a:graphicData uri="http://schemas.openxmlformats.org/drawingml/2006/table">
@@ -9510,25 +9699,52 @@
           <a:lstStyle/>
           <a:p>
             <a:r>
-              <a:rPr lang="en-US" altLang="zh-CN" sz="2000" b="1">
-                <a:latin typeface="Courier New" panose="02070309020205020404" pitchFamily="49" charset="0"/>
-              </a:rPr>
-              <a:t>// main.c</a:t>
-            </a:r>
-          </a:p>
-          <a:p>
-            <a:r>
-              <a:rPr lang="en-US" altLang="zh-CN" sz="2000" b="1">
+              <a:rPr lang="en-US" altLang="zh-CN" sz="2000" b="1" dirty="0">
+                <a:latin typeface="Courier New" panose="02070309020205020404" pitchFamily="49" charset="0"/>
+              </a:rPr>
+              <a:t>// </a:t>
+            </a:r>
+            <a:r>
+              <a:rPr lang="en-US" altLang="zh-CN" sz="2000" b="1" dirty="0" err="1">
+                <a:latin typeface="Courier New" panose="02070309020205020404" pitchFamily="49" charset="0"/>
+              </a:rPr>
+              <a:t>main.c</a:t>
+            </a:r>
+            <a:endParaRPr lang="en-US" altLang="zh-CN" sz="2000" b="1" dirty="0">
+              <a:latin typeface="Courier New" panose="02070309020205020404" pitchFamily="49" charset="0"/>
+            </a:endParaRPr>
+          </a:p>
+          <a:p>
+            <a:r>
+              <a:rPr lang="en-US" altLang="zh-CN" sz="2000" b="1" dirty="0">
                 <a:solidFill>
                   <a:schemeClr val="folHlink"/>
                 </a:solidFill>
                 <a:latin typeface="Courier New" panose="02070309020205020404" pitchFamily="49" charset="0"/>
               </a:rPr>
-              <a:t>#include “area.h”</a:t>
-            </a:r>
-          </a:p>
-          <a:p>
-            <a:endParaRPr lang="en-US" altLang="zh-CN" sz="2000" b="1">
+              <a:t>#include “</a:t>
+            </a:r>
+            <a:r>
+              <a:rPr lang="en-US" altLang="zh-CN" sz="2000" b="1" dirty="0" err="1">
+                <a:solidFill>
+                  <a:schemeClr val="folHlink"/>
+                </a:solidFill>
+                <a:latin typeface="Courier New" panose="02070309020205020404" pitchFamily="49" charset="0"/>
+              </a:rPr>
+              <a:t>area.h</a:t>
+            </a:r>
+            <a:r>
+              <a:rPr lang="en-US" altLang="zh-CN" sz="2000" b="1" dirty="0">
+                <a:solidFill>
+                  <a:schemeClr val="folHlink"/>
+                </a:solidFill>
+                <a:latin typeface="Courier New" panose="02070309020205020404" pitchFamily="49" charset="0"/>
+              </a:rPr>
+              <a:t>”</a:t>
+            </a:r>
+          </a:p>
+          <a:p>
+            <a:endParaRPr lang="en-US" altLang="zh-CN" sz="2000" b="1" dirty="0">
               <a:solidFill>
                 <a:schemeClr val="folHlink"/>
               </a:solidFill>
@@ -9537,51 +9753,51 @@
           </a:p>
           <a:p>
             <a:r>
+              <a:rPr lang="en-US" altLang="zh-CN" sz="2000" b="1" dirty="0">
+                <a:solidFill>
+                  <a:schemeClr val="folHlink"/>
+                </a:solidFill>
+                <a:latin typeface="Courier New" panose="02070309020205020404" pitchFamily="49" charset="0"/>
+              </a:rPr>
+              <a:t>int main(){</a:t>
+            </a:r>
+          </a:p>
+          <a:p>
+            <a:r>
+              <a:rPr lang="en-US" altLang="zh-CN" sz="2000" b="1" dirty="0">
+                <a:solidFill>
+                  <a:schemeClr val="folHlink"/>
+                </a:solidFill>
+                <a:latin typeface="Courier New" panose="02070309020205020404" pitchFamily="49" charset="0"/>
+              </a:rPr>
+              <a:t>  double f;</a:t>
+            </a:r>
+          </a:p>
+          <a:p>
+            <a:r>
               <a:rPr lang="en-US" altLang="zh-CN" sz="2000" b="1">
                 <a:solidFill>
                   <a:schemeClr val="folHlink"/>
                 </a:solidFill>
                 <a:latin typeface="Courier New" panose="02070309020205020404" pitchFamily="49" charset="0"/>
               </a:rPr>
-              <a:t>int main(){</a:t>
-            </a:r>
-          </a:p>
-          <a:p>
-            <a:r>
-              <a:rPr lang="en-US" altLang="zh-CN" sz="2000" b="1">
+              <a:t>  f = area(5);</a:t>
+            </a:r>
+          </a:p>
+          <a:p>
+            <a:r>
+              <a:rPr lang="en-US" altLang="zh-CN" sz="2000" b="1" dirty="0">
                 <a:solidFill>
                   <a:schemeClr val="folHlink"/>
                 </a:solidFill>
                 <a:latin typeface="Courier New" panose="02070309020205020404" pitchFamily="49" charset="0"/>
               </a:rPr>
-              <a:t>  double f;</a:t>
-            </a:r>
-          </a:p>
-          <a:p>
-            <a:r>
-              <a:rPr lang="en-US" altLang="zh-CN" sz="2000" b="1">
-                <a:solidFill>
-                  <a:schemeClr val="folHlink"/>
-                </a:solidFill>
-                <a:latin typeface="Courier New" panose="02070309020205020404" pitchFamily="49" charset="0"/>
-              </a:rPr>
-              <a:t>  f = area (5);</a:t>
-            </a:r>
-          </a:p>
-          <a:p>
-            <a:r>
-              <a:rPr lang="en-US" altLang="zh-CN" sz="2000" b="1">
-                <a:solidFill>
-                  <a:schemeClr val="folHlink"/>
-                </a:solidFill>
-                <a:latin typeface="Courier New" panose="02070309020205020404" pitchFamily="49" charset="0"/>
-              </a:rPr>
               <a:t>  return 0;</a:t>
             </a:r>
           </a:p>
           <a:p>
             <a:r>
-              <a:rPr lang="en-US" altLang="zh-CN" sz="2000" b="1">
+              <a:rPr lang="en-US" altLang="zh-CN" sz="2000" b="1" dirty="0">
                 <a:solidFill>
                   <a:schemeClr val="folHlink"/>
                 </a:solidFill>

--- a/courses/sysprog/slides/lec05-fun.pptx
+++ b/courses/sysprog/slides/lec05-fun.pptx
@@ -4865,7 +4865,7 @@
               <a:buNone/>
             </a:pPr>
             <a:r>
-              <a:rPr lang="en-US" altLang="zh-CN"/>
+              <a:rPr lang="en-US" altLang="zh-CN" dirty="0"/>
               <a:t> </a:t>
             </a:r>
           </a:p>
@@ -4935,7 +4935,7 @@
             <a:r>
               <a:rPr lang="en-US" altLang="zh-CN" sz="2000" b="1" dirty="0">
                 <a:solidFill>
-                  <a:schemeClr val="folHlink"/>
+                  <a:srgbClr val="0432FF"/>
                 </a:solidFill>
                 <a:latin typeface="Courier New" panose="02070309020205020404" pitchFamily="49" charset="0"/>
               </a:rPr>
@@ -4944,7 +4944,7 @@
             <a:r>
               <a:rPr lang="en-US" altLang="zh-CN" sz="2000" b="1" dirty="0" err="1">
                 <a:solidFill>
-                  <a:schemeClr val="folHlink"/>
+                  <a:srgbClr val="0432FF"/>
                 </a:solidFill>
                 <a:latin typeface="Courier New" panose="02070309020205020404" pitchFamily="49" charset="0"/>
               </a:rPr>
@@ -4953,7 +4953,7 @@
             <a:r>
               <a:rPr lang="en-US" altLang="zh-CN" sz="2000" b="1" dirty="0">
                 <a:solidFill>
-                  <a:schemeClr val="folHlink"/>
+                  <a:srgbClr val="0432FF"/>
                 </a:solidFill>
                 <a:latin typeface="Courier New" panose="02070309020205020404" pitchFamily="49" charset="0"/>
               </a:rPr>
@@ -4964,7 +4964,7 @@
             <a:r>
               <a:rPr lang="en-US" altLang="zh-CN" sz="2000" b="1" dirty="0">
                 <a:solidFill>
-                  <a:schemeClr val="folHlink"/>
+                  <a:srgbClr val="0432FF"/>
                 </a:solidFill>
                 <a:latin typeface="Courier New" panose="02070309020205020404" pitchFamily="49" charset="0"/>
               </a:rPr>
@@ -4974,7 +4974,7 @@
           <a:p>
             <a:endParaRPr lang="en-US" altLang="zh-CN" sz="2000" b="1" dirty="0">
               <a:solidFill>
-                <a:schemeClr val="folHlink"/>
+                <a:srgbClr val="0432FF"/>
               </a:solidFill>
               <a:latin typeface="Courier New" panose="02070309020205020404" pitchFamily="49" charset="0"/>
             </a:endParaRPr>
@@ -4983,7 +4983,7 @@
             <a:r>
               <a:rPr lang="en-US" altLang="zh-CN" sz="2000" b="1" dirty="0">
                 <a:solidFill>
-                  <a:schemeClr val="folHlink"/>
+                  <a:srgbClr val="0432FF"/>
                 </a:solidFill>
                 <a:latin typeface="Courier New" panose="02070309020205020404" pitchFamily="49" charset="0"/>
               </a:rPr>
@@ -4994,7 +4994,7 @@
             <a:r>
               <a:rPr lang="en-US" altLang="zh-CN" sz="2000" b="1" dirty="0">
                 <a:solidFill>
-                  <a:schemeClr val="folHlink"/>
+                  <a:srgbClr val="0432FF"/>
                 </a:solidFill>
                 <a:latin typeface="Courier New" panose="02070309020205020404" pitchFamily="49" charset="0"/>
               </a:rPr>
@@ -5003,7 +5003,7 @@
             <a:r>
               <a:rPr lang="en-US" altLang="zh-CN" sz="2000" b="1" dirty="0" err="1">
                 <a:solidFill>
-                  <a:schemeClr val="folHlink"/>
+                  <a:srgbClr val="0432FF"/>
                 </a:solidFill>
                 <a:latin typeface="Courier New" panose="02070309020205020404" pitchFamily="49" charset="0"/>
               </a:rPr>
@@ -5012,7 +5012,7 @@
             <a:r>
               <a:rPr lang="en-US" altLang="zh-CN" sz="2000" b="1" dirty="0">
                 <a:solidFill>
-                  <a:schemeClr val="folHlink"/>
+                  <a:srgbClr val="0432FF"/>
                 </a:solidFill>
                 <a:latin typeface="Courier New" panose="02070309020205020404" pitchFamily="49" charset="0"/>
               </a:rPr>
@@ -5023,7 +5023,7 @@
             <a:r>
               <a:rPr lang="en-US" altLang="zh-CN" sz="2000" b="1" dirty="0">
                 <a:solidFill>
-                  <a:schemeClr val="folHlink"/>
+                  <a:srgbClr val="0432FF"/>
                 </a:solidFill>
                 <a:latin typeface="Courier New" panose="02070309020205020404" pitchFamily="49" charset="0"/>
               </a:rPr>
@@ -5032,7 +5032,7 @@
             <a:r>
               <a:rPr lang="en-US" altLang="zh-CN" sz="2000" b="1" dirty="0" err="1">
                 <a:solidFill>
-                  <a:schemeClr val="folHlink"/>
+                  <a:srgbClr val="0432FF"/>
                 </a:solidFill>
                 <a:latin typeface="Courier New" panose="02070309020205020404" pitchFamily="49" charset="0"/>
               </a:rPr>
@@ -5041,7 +5041,7 @@
             <a:r>
               <a:rPr lang="en-US" altLang="zh-CN" sz="2000" b="1" dirty="0">
                 <a:solidFill>
-                  <a:schemeClr val="folHlink"/>
+                  <a:srgbClr val="0432FF"/>
                 </a:solidFill>
                 <a:latin typeface="Courier New" panose="02070309020205020404" pitchFamily="49" charset="0"/>
               </a:rPr>
@@ -5052,7 +5052,7 @@
             <a:r>
               <a:rPr lang="en-US" altLang="zh-CN" sz="2000" b="1" dirty="0">
                 <a:solidFill>
-                  <a:schemeClr val="folHlink"/>
+                  <a:srgbClr val="0432FF"/>
                 </a:solidFill>
                 <a:latin typeface="Courier New" panose="02070309020205020404" pitchFamily="49" charset="0"/>
               </a:rPr>
@@ -5063,7 +5063,7 @@
             <a:r>
               <a:rPr lang="en-US" altLang="zh-CN" sz="2000" b="1" dirty="0">
                 <a:solidFill>
-                  <a:schemeClr val="folHlink"/>
+                  <a:srgbClr val="0432FF"/>
                 </a:solidFill>
                 <a:latin typeface="Courier New" panose="02070309020205020404" pitchFamily="49" charset="0"/>
               </a:rPr>
@@ -5074,7 +5074,7 @@
             <a:r>
               <a:rPr lang="en-US" altLang="zh-CN" sz="2000" b="1" dirty="0">
                 <a:solidFill>
-                  <a:schemeClr val="folHlink"/>
+                  <a:srgbClr val="0432FF"/>
                 </a:solidFill>
                 <a:latin typeface="Courier New" panose="02070309020205020404" pitchFamily="49" charset="0"/>
               </a:rPr>
@@ -5128,36 +5128,63 @@
           <a:lstStyle/>
           <a:p>
             <a:r>
-              <a:rPr lang="en-US" altLang="zh-CN" sz="2000" b="1">
-                <a:latin typeface="Courier New" panose="02070309020205020404" pitchFamily="49" charset="0"/>
-              </a:rPr>
-              <a:t>// visa.c</a:t>
-            </a:r>
-          </a:p>
-          <a:p>
-            <a:r>
-              <a:rPr lang="en-US" altLang="zh-CN" sz="2000" b="1">
-                <a:solidFill>
-                  <a:schemeClr val="folHlink"/>
-                </a:solidFill>
-                <a:latin typeface="Courier New" panose="02070309020205020404" pitchFamily="49" charset="0"/>
-              </a:rPr>
-              <a:t>int myDollar;</a:t>
-            </a:r>
-          </a:p>
-          <a:p>
-            <a:endParaRPr lang="en-US" altLang="zh-CN" sz="2000" b="1">
+              <a:rPr lang="en-US" altLang="zh-CN" sz="2000" b="1" dirty="0">
+                <a:latin typeface="Courier New" panose="02070309020205020404" pitchFamily="49" charset="0"/>
+              </a:rPr>
+              <a:t>// </a:t>
+            </a:r>
+            <a:r>
+              <a:rPr lang="en-US" altLang="zh-CN" sz="2000" b="1" dirty="0" err="1">
+                <a:latin typeface="Courier New" panose="02070309020205020404" pitchFamily="49" charset="0"/>
+              </a:rPr>
+              <a:t>bank.c</a:t>
+            </a:r>
+            <a:endParaRPr lang="en-US" altLang="zh-CN" sz="2000" b="1" dirty="0">
+              <a:latin typeface="Courier New" panose="02070309020205020404" pitchFamily="49" charset="0"/>
+            </a:endParaRPr>
+          </a:p>
+          <a:p>
+            <a:r>
+              <a:rPr lang="en-US" altLang="zh-CN" sz="2000" b="1" dirty="0">
+                <a:solidFill>
+                  <a:srgbClr val="0432FF"/>
+                </a:solidFill>
+                <a:latin typeface="Courier New" panose="02070309020205020404" pitchFamily="49" charset="0"/>
+              </a:rPr>
+              <a:t>int </a:t>
+            </a:r>
+            <a:r>
+              <a:rPr lang="en-US" altLang="zh-CN" sz="2000" b="1" dirty="0" err="1">
+                <a:solidFill>
+                  <a:srgbClr val="0432FF"/>
+                </a:solidFill>
+                <a:latin typeface="Courier New" panose="02070309020205020404" pitchFamily="49" charset="0"/>
+              </a:rPr>
+              <a:t>myDollar</a:t>
+            </a:r>
+            <a:r>
+              <a:rPr lang="en-US" altLang="zh-CN" sz="2000" b="1" dirty="0">
+                <a:solidFill>
+                  <a:srgbClr val="0432FF"/>
+                </a:solidFill>
+                <a:latin typeface="Courier New" panose="02070309020205020404" pitchFamily="49" charset="0"/>
+              </a:rPr>
+              <a:t>;</a:t>
+            </a:r>
+          </a:p>
+          <a:p>
+            <a:endParaRPr lang="en-US" altLang="zh-CN" sz="2000" b="1" dirty="0">
               <a:solidFill>
-                <a:schemeClr val="folHlink"/>
+                <a:srgbClr val="0432FF"/>
               </a:solidFill>
               <a:latin typeface="Courier New" panose="02070309020205020404" pitchFamily="49" charset="0"/>
             </a:endParaRPr>
           </a:p>
           <a:p>
             <a:r>
-              <a:rPr lang="en-US" altLang="zh-CN" sz="2000" b="1">
-                <a:solidFill>
-                  <a:schemeClr val="folHlink"/>
+              <a:rPr lang="en-US" altLang="zh-CN" sz="2000" b="1" dirty="0">
+                <a:solidFill>
+                  <a:srgbClr val="0432FF"/>
                 </a:solidFill>
                 <a:latin typeface="Courier New" panose="02070309020205020404" pitchFamily="49" charset="0"/>
               </a:rPr>
@@ -5166,20 +5193,38 @@
           </a:p>
           <a:p>
             <a:r>
-              <a:rPr lang="en-US" altLang="zh-CN" sz="2000" b="1">
-                <a:solidFill>
-                  <a:schemeClr val="folHlink"/>
-                </a:solidFill>
-                <a:latin typeface="Courier New" panose="02070309020205020404" pitchFamily="49" charset="0"/>
-              </a:rPr>
-              <a:t>  return myDollar;</a:t>
-            </a:r>
-          </a:p>
-          <a:p>
-            <a:r>
-              <a:rPr lang="en-US" altLang="zh-CN" sz="2000" b="1">
-                <a:solidFill>
-                  <a:schemeClr val="folHlink"/>
+              <a:rPr lang="en-US" altLang="zh-CN" sz="2000" b="1" dirty="0">
+                <a:solidFill>
+                  <a:srgbClr val="0432FF"/>
+                </a:solidFill>
+                <a:latin typeface="Courier New" panose="02070309020205020404" pitchFamily="49" charset="0"/>
+              </a:rPr>
+              <a:t>  return </a:t>
+            </a:r>
+            <a:r>
+              <a:rPr lang="en-US" altLang="zh-CN" sz="2000" b="1" dirty="0" err="1">
+                <a:solidFill>
+                  <a:srgbClr val="0432FF"/>
+                </a:solidFill>
+                <a:latin typeface="Courier New" panose="02070309020205020404" pitchFamily="49" charset="0"/>
+              </a:rPr>
+              <a:t>myDollar</a:t>
+            </a:r>
+            <a:r>
+              <a:rPr lang="en-US" altLang="zh-CN" sz="2000" b="1" dirty="0">
+                <a:solidFill>
+                  <a:srgbClr val="0432FF"/>
+                </a:solidFill>
+                <a:latin typeface="Courier New" panose="02070309020205020404" pitchFamily="49" charset="0"/>
+              </a:rPr>
+              <a:t>;</a:t>
+            </a:r>
+          </a:p>
+          <a:p>
+            <a:r>
+              <a:rPr lang="en-US" altLang="zh-CN" sz="2000" b="1" dirty="0">
+                <a:solidFill>
+                  <a:srgbClr val="0432FF"/>
                 </a:solidFill>
                 <a:latin typeface="Courier New" panose="02070309020205020404" pitchFamily="49" charset="0"/>
               </a:rPr>
@@ -5187,18 +5232,18 @@
             </a:r>
           </a:p>
           <a:p>
-            <a:endParaRPr lang="en-US" altLang="zh-CN" sz="2000" b="1">
+            <a:endParaRPr lang="en-US" altLang="zh-CN" sz="2000" b="1" dirty="0">
               <a:solidFill>
-                <a:schemeClr val="folHlink"/>
+                <a:srgbClr val="0432FF"/>
               </a:solidFill>
               <a:latin typeface="Courier New" panose="02070309020205020404" pitchFamily="49" charset="0"/>
             </a:endParaRPr>
           </a:p>
           <a:p>
             <a:r>
-              <a:rPr lang="en-US" altLang="zh-CN" sz="2000" b="1">
-                <a:solidFill>
-                  <a:schemeClr val="folHlink"/>
+              <a:rPr lang="en-US" altLang="zh-CN" sz="2000" b="1" dirty="0">
+                <a:solidFill>
+                  <a:srgbClr val="0432FF"/>
                 </a:solidFill>
                 <a:latin typeface="Courier New" panose="02070309020205020404" pitchFamily="49" charset="0"/>
               </a:rPr>
@@ -5207,20 +5252,38 @@
           </a:p>
           <a:p>
             <a:r>
-              <a:rPr lang="en-US" altLang="zh-CN" sz="2000" b="1">
-                <a:solidFill>
-                  <a:schemeClr val="folHlink"/>
-                </a:solidFill>
-                <a:latin typeface="Courier New" panose="02070309020205020404" pitchFamily="49" charset="0"/>
-              </a:rPr>
-              <a:t>  myDollar += a;</a:t>
-            </a:r>
-          </a:p>
-          <a:p>
-            <a:r>
-              <a:rPr lang="en-US" altLang="zh-CN" sz="2000" b="1">
-                <a:solidFill>
-                  <a:schemeClr val="folHlink"/>
+              <a:rPr lang="en-US" altLang="zh-CN" sz="2000" b="1" dirty="0">
+                <a:solidFill>
+                  <a:srgbClr val="0432FF"/>
+                </a:solidFill>
+                <a:latin typeface="Courier New" panose="02070309020205020404" pitchFamily="49" charset="0"/>
+              </a:rPr>
+              <a:t>  </a:t>
+            </a:r>
+            <a:r>
+              <a:rPr lang="en-US" altLang="zh-CN" sz="2000" b="1" dirty="0" err="1">
+                <a:solidFill>
+                  <a:srgbClr val="0432FF"/>
+                </a:solidFill>
+                <a:latin typeface="Courier New" panose="02070309020205020404" pitchFamily="49" charset="0"/>
+              </a:rPr>
+              <a:t>myDollar</a:t>
+            </a:r>
+            <a:r>
+              <a:rPr lang="en-US" altLang="zh-CN" sz="2000" b="1" dirty="0">
+                <a:solidFill>
+                  <a:srgbClr val="0432FF"/>
+                </a:solidFill>
+                <a:latin typeface="Courier New" panose="02070309020205020404" pitchFamily="49" charset="0"/>
+              </a:rPr>
+              <a:t> += a;</a:t>
+            </a:r>
+          </a:p>
+          <a:p>
+            <a:r>
+              <a:rPr lang="en-US" altLang="zh-CN" sz="2000" b="1" dirty="0">
+                <a:solidFill>
+                  <a:srgbClr val="0432FF"/>
                 </a:solidFill>
                 <a:latin typeface="Courier New" panose="02070309020205020404" pitchFamily="49" charset="0"/>
               </a:rPr>
@@ -5228,18 +5291,18 @@
             </a:r>
           </a:p>
           <a:p>
-            <a:endParaRPr lang="en-US" altLang="zh-CN" sz="2000" b="1">
+            <a:endParaRPr lang="en-US" altLang="zh-CN" sz="2000" b="1" dirty="0">
               <a:solidFill>
-                <a:schemeClr val="folHlink"/>
+                <a:srgbClr val="0432FF"/>
               </a:solidFill>
               <a:latin typeface="Courier New" panose="02070309020205020404" pitchFamily="49" charset="0"/>
             </a:endParaRPr>
           </a:p>
           <a:p>
             <a:r>
-              <a:rPr lang="en-US" altLang="zh-CN" sz="2000" b="1">
-                <a:solidFill>
-                  <a:schemeClr val="folHlink"/>
+              <a:rPr lang="en-US" altLang="zh-CN" sz="2000" b="1" dirty="0">
+                <a:solidFill>
+                  <a:srgbClr val="0432FF"/>
                 </a:solidFill>
                 <a:latin typeface="Courier New" panose="02070309020205020404" pitchFamily="49" charset="0"/>
               </a:rPr>
@@ -5595,7 +5658,7 @@
               <a:rPr lang="en-US" altLang="zh-CN" sz="2000" b="1" dirty="0" err="1">
                 <a:latin typeface="Courier New" panose="02070309020205020404" pitchFamily="49" charset="0"/>
               </a:rPr>
-              <a:t>visa.c</a:t>
+              <a:t>bank.c</a:t>
             </a:r>
             <a:endParaRPr lang="en-US" altLang="zh-CN" sz="2000" b="1" dirty="0">
               <a:latin typeface="Courier New" panose="02070309020205020404" pitchFamily="49" charset="0"/>
@@ -11542,7 +11605,7 @@
               <a:rPr lang="en-US" altLang="zh-CN" sz="2000" b="1" dirty="0" err="1">
                 <a:latin typeface="Courier New" panose="02070309020205020404" pitchFamily="49" charset="0"/>
               </a:rPr>
-              <a:t>fibnacci</a:t>
+              <a:t>Fibnacci</a:t>
             </a:r>
             <a:r>
               <a:rPr lang="en-US" altLang="zh-CN" sz="2000" b="1" dirty="0">
@@ -11563,7 +11626,19 @@
               <a:rPr lang="en-US" altLang="zh-CN" sz="2000" b="1" dirty="0">
                 <a:latin typeface="Courier New" panose="02070309020205020404" pitchFamily="49" charset="0"/>
               </a:rPr>
-              <a:t>//             { 0,                  if n == 0;</a:t>
+              <a:t>//            { 0,                  </a:t>
+            </a:r>
+            <a:r>
+              <a:rPr lang="zh-CN" altLang="en-US" sz="2000" b="1" dirty="0">
+                <a:latin typeface="Courier New" panose="02070309020205020404" pitchFamily="49" charset="0"/>
+              </a:rPr>
+              <a:t> </a:t>
+            </a:r>
+            <a:r>
+              <a:rPr lang="en-US" altLang="zh-CN" sz="2000" b="1" dirty="0">
+                <a:latin typeface="Courier New" panose="02070309020205020404" pitchFamily="49" charset="0"/>
+              </a:rPr>
+              <a:t>if n == 0;</a:t>
             </a:r>
           </a:p>
           <a:p>
@@ -11578,7 +11653,19 @@
               <a:rPr lang="en-US" altLang="zh-CN" sz="2000" b="1" dirty="0">
                 <a:latin typeface="Courier New" panose="02070309020205020404" pitchFamily="49" charset="0"/>
               </a:rPr>
-              <a:t>//   fib (n) = { 1,                  if n == 1;</a:t>
+              <a:t>//   fib(n) = { 1,                  </a:t>
+            </a:r>
+            <a:r>
+              <a:rPr lang="zh-CN" altLang="en-US" sz="2000" b="1" dirty="0">
+                <a:latin typeface="Courier New" panose="02070309020205020404" pitchFamily="49" charset="0"/>
+              </a:rPr>
+              <a:t> </a:t>
+            </a:r>
+            <a:r>
+              <a:rPr lang="en-US" altLang="zh-CN" sz="2000" b="1" dirty="0">
+                <a:latin typeface="Courier New" panose="02070309020205020404" pitchFamily="49" charset="0"/>
+              </a:rPr>
+              <a:t>if n == 1;</a:t>
             </a:r>
           </a:p>
           <a:p>
@@ -11593,7 +11680,7 @@
               <a:rPr lang="en-US" altLang="zh-CN" sz="2000" b="1" dirty="0">
                 <a:latin typeface="Courier New" panose="02070309020205020404" pitchFamily="49" charset="0"/>
               </a:rPr>
-              <a:t>//             { fib(n-1) + fib(n-2), otherwise.</a:t>
+              <a:t>//            { fib(n-1) + fib(n-2), otherwise.</a:t>
             </a:r>
           </a:p>
           <a:p>
@@ -11607,7 +11694,7 @@
             <a:r>
               <a:rPr lang="en-US" altLang="zh-CN" sz="2000" b="1" dirty="0">
                 <a:solidFill>
-                  <a:schemeClr val="folHlink"/>
+                  <a:srgbClr val="0432FF"/>
                 </a:solidFill>
                 <a:latin typeface="Courier New" panose="02070309020205020404" pitchFamily="49" charset="0"/>
               </a:rPr>
@@ -11625,7 +11712,7 @@
             <a:r>
               <a:rPr lang="en-US" altLang="zh-CN" sz="2000" b="1" dirty="0">
                 <a:solidFill>
-                  <a:schemeClr val="folHlink"/>
+                  <a:srgbClr val="0432FF"/>
                 </a:solidFill>
                 <a:latin typeface="Courier New" panose="02070309020205020404" pitchFamily="49" charset="0"/>
               </a:rPr>
@@ -11643,7 +11730,7 @@
             <a:r>
               <a:rPr lang="en-US" altLang="zh-CN" sz="2000" b="1" dirty="0">
                 <a:solidFill>
-                  <a:schemeClr val="folHlink"/>
+                  <a:srgbClr val="0432FF"/>
                 </a:solidFill>
                 <a:latin typeface="Courier New" panose="02070309020205020404" pitchFamily="49" charset="0"/>
               </a:rPr>
@@ -11661,7 +11748,7 @@
             <a:r>
               <a:rPr lang="en-US" altLang="zh-CN" sz="2000" b="1" dirty="0">
                 <a:solidFill>
-                  <a:schemeClr val="folHlink"/>
+                  <a:srgbClr val="0432FF"/>
                 </a:solidFill>
                 <a:latin typeface="Courier New" panose="02070309020205020404" pitchFamily="49" charset="0"/>
               </a:rPr>
@@ -11670,7 +11757,7 @@
             <a:r>
               <a:rPr lang="zh-CN" altLang="en-US" sz="2000" b="1" dirty="0">
                 <a:solidFill>
-                  <a:schemeClr val="folHlink"/>
+                  <a:srgbClr val="0432FF"/>
                 </a:solidFill>
                 <a:latin typeface="Courier New" panose="02070309020205020404" pitchFamily="49" charset="0"/>
               </a:rPr>
@@ -11679,7 +11766,7 @@
             <a:r>
               <a:rPr lang="en-US" altLang="zh-CN" sz="2000" b="1" dirty="0">
                 <a:solidFill>
-                  <a:schemeClr val="folHlink"/>
+                  <a:srgbClr val="0432FF"/>
                 </a:solidFill>
                 <a:latin typeface="Courier New" panose="02070309020205020404" pitchFamily="49" charset="0"/>
               </a:rPr>
@@ -11697,7 +11784,7 @@
             <a:r>
               <a:rPr lang="en-US" altLang="zh-CN" sz="2000" b="1" dirty="0">
                 <a:solidFill>
-                  <a:schemeClr val="folHlink"/>
+                  <a:srgbClr val="0432FF"/>
                 </a:solidFill>
                 <a:latin typeface="Courier New" panose="02070309020205020404" pitchFamily="49" charset="0"/>
               </a:rPr>
@@ -11713,20 +11800,14 @@
               <a:buNone/>
             </a:pPr>
             <a:r>
-              <a:rPr lang="en-US" altLang="zh-CN" sz="2000" b="1">
-                <a:solidFill>
-                  <a:schemeClr val="folHlink"/>
+              <a:rPr lang="en-US" altLang="zh-CN" sz="2000" b="1" dirty="0">
+                <a:solidFill>
+                  <a:srgbClr val="0432FF"/>
                 </a:solidFill>
                 <a:latin typeface="Courier New" panose="02070309020205020404" pitchFamily="49" charset="0"/>
               </a:rPr>
               <a:t>  else</a:t>
             </a:r>
-            <a:endParaRPr lang="en-US" altLang="zh-CN" sz="2000" b="1" dirty="0">
-              <a:solidFill>
-                <a:schemeClr val="folHlink"/>
-              </a:solidFill>
-              <a:latin typeface="Courier New" panose="02070309020205020404" pitchFamily="49" charset="0"/>
-            </a:endParaRPr>
           </a:p>
           <a:p>
             <a:pPr>
@@ -11739,7 +11820,7 @@
             <a:r>
               <a:rPr lang="en-US" altLang="zh-CN" sz="2000" b="1" dirty="0">
                 <a:solidFill>
-                  <a:schemeClr val="folHlink"/>
+                  <a:srgbClr val="0432FF"/>
                 </a:solidFill>
                 <a:latin typeface="Courier New" panose="02070309020205020404" pitchFamily="49" charset="0"/>
               </a:rPr>
@@ -11757,7 +11838,7 @@
             <a:r>
               <a:rPr lang="en-US" altLang="zh-CN" sz="2000" b="1" dirty="0">
                 <a:solidFill>
-                  <a:schemeClr val="folHlink"/>
+                  <a:srgbClr val="0432FF"/>
                 </a:solidFill>
                 <a:latin typeface="Courier New" panose="02070309020205020404" pitchFamily="49" charset="0"/>
               </a:rPr>
@@ -11775,7 +11856,7 @@
             <a:r>
               <a:rPr lang="en-US" altLang="zh-CN" sz="2000" b="1" dirty="0">
                 <a:solidFill>
-                  <a:schemeClr val="folHlink"/>
+                  <a:srgbClr val="0432FF"/>
                 </a:solidFill>
                 <a:latin typeface="Courier New" panose="02070309020205020404" pitchFamily="49" charset="0"/>
               </a:rPr>
@@ -12790,7 +12871,7 @@
               <a:buNone/>
             </a:pPr>
             <a:r>
-              <a:rPr lang="en-US" altLang="zh-CN" sz="2000" b="1">
+              <a:rPr lang="en-US" altLang="zh-CN" sz="2000" b="1" dirty="0">
                 <a:latin typeface="Courier New" panose="02070309020205020404" pitchFamily="49" charset="0"/>
               </a:rPr>
               <a:t>// Next, we crawl through this function to see</a:t>
@@ -12805,7 +12886,7 @@
               <a:buNone/>
             </a:pPr>
             <a:r>
-              <a:rPr lang="en-US" altLang="zh-CN" sz="2000" b="1">
+              <a:rPr lang="en-US" altLang="zh-CN" sz="2000" b="1" dirty="0">
                 <a:latin typeface="Courier New" panose="02070309020205020404" pitchFamily="49" charset="0"/>
               </a:rPr>
               <a:t>// how fib(5) is computed:</a:t>
@@ -12820,13 +12901,13 @@
               <a:buNone/>
             </a:pPr>
             <a:r>
-              <a:rPr lang="en-US" altLang="zh-CN" sz="2000" b="1">
+              <a:rPr lang="en-US" altLang="zh-CN" sz="2000" b="1" dirty="0">
                 <a:latin typeface="Courier New" panose="02070309020205020404" pitchFamily="49" charset="0"/>
               </a:rPr>
               <a:t>  fib (5) = </a:t>
             </a:r>
             <a:r>
-              <a:rPr lang="en-US" altLang="zh-CN" sz="2000" b="1">
+              <a:rPr lang="en-US" altLang="zh-CN" sz="2000" b="1" dirty="0">
                 <a:solidFill>
                   <a:schemeClr val="hlink"/>
                 </a:solidFill>
@@ -12835,7 +12916,7 @@
               <a:t>fib(4)</a:t>
             </a:r>
             <a:r>
-              <a:rPr lang="en-US" altLang="zh-CN" sz="2000" b="1">
+              <a:rPr lang="en-US" altLang="zh-CN" sz="2000" b="1" dirty="0">
                 <a:latin typeface="Courier New" panose="02070309020205020404" pitchFamily="49" charset="0"/>
               </a:rPr>
               <a:t>+fib(3)</a:t>
@@ -12850,13 +12931,13 @@
               <a:buNone/>
             </a:pPr>
             <a:r>
-              <a:rPr lang="en-US" altLang="zh-CN" sz="2000" b="1">
+              <a:rPr lang="en-US" altLang="zh-CN" sz="2000" b="1" dirty="0">
                 <a:latin typeface="Courier New" panose="02070309020205020404" pitchFamily="49" charset="0"/>
               </a:rPr>
               <a:t>          = </a:t>
             </a:r>
             <a:r>
-              <a:rPr lang="en-US" altLang="zh-CN" sz="2000" b="1">
+              <a:rPr lang="en-US" altLang="zh-CN" sz="2000" b="1" dirty="0">
                 <a:solidFill>
                   <a:schemeClr val="hlink"/>
                 </a:solidFill>
@@ -12865,7 +12946,7 @@
               <a:t>fib(3)</a:t>
             </a:r>
             <a:r>
-              <a:rPr lang="en-US" altLang="zh-CN" sz="2000" b="1">
+              <a:rPr lang="en-US" altLang="zh-CN" sz="2000" b="1" dirty="0">
                 <a:latin typeface="Courier New" panose="02070309020205020404" pitchFamily="49" charset="0"/>
               </a:rPr>
               <a:t>+fib(2)+fib(3)</a:t>
@@ -12880,13 +12961,13 @@
               <a:buNone/>
             </a:pPr>
             <a:r>
-              <a:rPr lang="en-US" altLang="zh-CN" sz="2000" b="1">
+              <a:rPr lang="en-US" altLang="zh-CN" sz="2000" b="1" dirty="0">
                 <a:latin typeface="Courier New" panose="02070309020205020404" pitchFamily="49" charset="0"/>
               </a:rPr>
               <a:t>          = </a:t>
             </a:r>
             <a:r>
-              <a:rPr lang="en-US" altLang="zh-CN" sz="2000" b="1">
+              <a:rPr lang="en-US" altLang="zh-CN" sz="2000" b="1" dirty="0">
                 <a:solidFill>
                   <a:schemeClr val="hlink"/>
                 </a:solidFill>
@@ -12895,7 +12976,7 @@
               <a:t>fib(2)</a:t>
             </a:r>
             <a:r>
-              <a:rPr lang="en-US" altLang="zh-CN" sz="2000" b="1">
+              <a:rPr lang="en-US" altLang="zh-CN" sz="2000" b="1" dirty="0">
                 <a:latin typeface="Courier New" panose="02070309020205020404" pitchFamily="49" charset="0"/>
               </a:rPr>
               <a:t>+fib(1)+fib(2)+fib(3)</a:t>
@@ -12910,13 +12991,13 @@
               <a:buNone/>
             </a:pPr>
             <a:r>
-              <a:rPr lang="en-US" altLang="zh-CN" sz="2000" b="1">
+              <a:rPr lang="en-US" altLang="zh-CN" sz="2000" b="1" dirty="0">
                 <a:latin typeface="Courier New" panose="02070309020205020404" pitchFamily="49" charset="0"/>
               </a:rPr>
               <a:t>          = </a:t>
             </a:r>
             <a:r>
-              <a:rPr lang="en-US" altLang="zh-CN" sz="2000" b="1">
+              <a:rPr lang="en-US" altLang="zh-CN" sz="2000" b="1" dirty="0">
                 <a:solidFill>
                   <a:schemeClr val="hlink"/>
                 </a:solidFill>
@@ -12925,7 +13006,7 @@
               <a:t>fib(1)+fib(0)</a:t>
             </a:r>
             <a:r>
-              <a:rPr lang="en-US" altLang="zh-CN" sz="2000" b="1">
+              <a:rPr lang="en-US" altLang="zh-CN" sz="2000" b="1" dirty="0">
                 <a:latin typeface="Courier New" panose="02070309020205020404" pitchFamily="49" charset="0"/>
               </a:rPr>
               <a:t>+fib(1)+fib(2)+fib(3)</a:t>
@@ -12940,13 +13021,13 @@
               <a:buNone/>
             </a:pPr>
             <a:r>
-              <a:rPr lang="en-US" altLang="zh-CN" sz="2000" b="1">
+              <a:rPr lang="en-US" altLang="zh-CN" sz="2000" b="1" dirty="0">
                 <a:latin typeface="Courier New" panose="02070309020205020404" pitchFamily="49" charset="0"/>
               </a:rPr>
               <a:t>          = 1 + 0 + </a:t>
             </a:r>
             <a:r>
-              <a:rPr lang="en-US" altLang="zh-CN" sz="2000" b="1">
+              <a:rPr lang="en-US" altLang="zh-CN" sz="2000" b="1" dirty="0">
                 <a:solidFill>
                   <a:schemeClr val="hlink"/>
                 </a:solidFill>
@@ -12955,7 +13036,7 @@
               <a:t>fib(1)</a:t>
             </a:r>
             <a:r>
-              <a:rPr lang="en-US" altLang="zh-CN" sz="2000" b="1">
+              <a:rPr lang="en-US" altLang="zh-CN" sz="2000" b="1" dirty="0">
                 <a:latin typeface="Courier New" panose="02070309020205020404" pitchFamily="49" charset="0"/>
               </a:rPr>
               <a:t>+fib(2)+fib(3)</a:t>
@@ -12970,7 +13051,7 @@
               <a:buNone/>
             </a:pPr>
             <a:r>
-              <a:rPr lang="en-US" altLang="zh-CN" sz="2000" b="1">
+              <a:rPr lang="en-US" altLang="zh-CN" sz="2000" b="1" dirty="0">
                 <a:latin typeface="Courier New" panose="02070309020205020404" pitchFamily="49" charset="0"/>
               </a:rPr>
               <a:t>          = 1 + 1 + fib(2)+fib(3)</a:t>
@@ -12985,7 +13066,7 @@
               <a:buNone/>
             </a:pPr>
             <a:r>
-              <a:rPr lang="en-US" altLang="zh-CN" sz="2000" b="1">
+              <a:rPr lang="en-US" altLang="zh-CN" sz="2000" b="1" dirty="0">
                 <a:latin typeface="Courier New" panose="02070309020205020404" pitchFamily="49" charset="0"/>
               </a:rPr>
               <a:t>          = … </a:t>
@@ -13000,7 +13081,7 @@
               <a:buNone/>
             </a:pPr>
             <a:r>
-              <a:rPr lang="en-US" altLang="zh-CN" sz="2000" b="1">
+              <a:rPr lang="en-US" altLang="zh-CN" sz="2000" b="1" dirty="0">
                 <a:latin typeface="Courier New" panose="02070309020205020404" pitchFamily="49" charset="0"/>
               </a:rPr>
               <a:t>          = 5</a:t>
@@ -13015,10 +13096,22 @@
               <a:buNone/>
             </a:pPr>
             <a:r>
-              <a:rPr lang="en-US" altLang="zh-CN" sz="2000" b="1">
-                <a:latin typeface="Courier New" panose="02070309020205020404" pitchFamily="49" charset="0"/>
-              </a:rPr>
-              <a:t>// As we can see, it’s too inefficient as we are</a:t>
+              <a:rPr lang="en-US" altLang="zh-CN" sz="2000" b="1" dirty="0">
+                <a:latin typeface="Courier New" panose="02070309020205020404" pitchFamily="49" charset="0"/>
+              </a:rPr>
+              <a:t>// As we can see, it</a:t>
+            </a:r>
+            <a:r>
+              <a:rPr lang="zh-CN" altLang="en-US" sz="2000" b="1" dirty="0">
+                <a:latin typeface="Courier New" panose="02070309020205020404" pitchFamily="49" charset="0"/>
+              </a:rPr>
+              <a:t> </a:t>
+            </a:r>
+            <a:r>
+              <a:rPr lang="en-US" altLang="zh-CN" sz="2000" b="1" dirty="0">
+                <a:latin typeface="Courier New" panose="02070309020205020404" pitchFamily="49" charset="0"/>
+              </a:rPr>
+              <a:t>is too inefficient as we are</a:t>
             </a:r>
           </a:p>
           <a:p>
@@ -13030,10 +13123,10 @@
               <a:buNone/>
             </a:pPr>
             <a:r>
-              <a:rPr lang="en-US" altLang="zh-CN" sz="2000" b="1">
-                <a:latin typeface="Courier New" panose="02070309020205020404" pitchFamily="49" charset="0"/>
-              </a:rPr>
-              <a:t>// too stupid doing much redundant computations.</a:t>
+              <a:rPr lang="en-US" altLang="zh-CN" sz="2000" b="1" dirty="0">
+                <a:latin typeface="Courier New" panose="02070309020205020404" pitchFamily="49" charset="0"/>
+              </a:rPr>
+              <a:t>// doing much redundant computations.</a:t>
             </a:r>
           </a:p>
           <a:p>
@@ -13045,11 +13138,20 @@
               <a:buNone/>
             </a:pPr>
             <a:r>
+              <a:rPr lang="en-US" altLang="zh-CN" sz="2000" b="1" dirty="0">
+                <a:latin typeface="Courier New" panose="02070309020205020404" pitchFamily="49" charset="0"/>
+              </a:rPr>
+              <a:t>Exercise: design a more </a:t>
+            </a:r>
+            <a:r>
               <a:rPr lang="en-US" altLang="zh-CN" sz="2000" b="1">
                 <a:latin typeface="Courier New" panose="02070309020205020404" pitchFamily="49" charset="0"/>
               </a:rPr>
-              <a:t>Exercise: design a more efficient version!</a:t>
-            </a:r>
+              <a:t>efficient one!</a:t>
+            </a:r>
+            <a:endParaRPr lang="en-US" altLang="zh-CN" sz="2000" b="1" dirty="0">
+              <a:latin typeface="Courier New" panose="02070309020205020404" pitchFamily="49" charset="0"/>
+            </a:endParaRPr>
           </a:p>
         </p:txBody>
       </p:sp>
@@ -13128,36 +13230,36 @@
               <a:buNone/>
             </a:pPr>
             <a:r>
-              <a:rPr lang="en-US" altLang="zh-CN" sz="2000" b="1" i="1">
-                <a:solidFill>
-                  <a:schemeClr val="folHlink"/>
+              <a:rPr lang="en-US" altLang="zh-CN" sz="2000" b="1" i="1" dirty="0">
+                <a:solidFill>
+                  <a:srgbClr val="0432FF"/>
                 </a:solidFill>
                 <a:latin typeface="Courier New" panose="02070309020205020404" pitchFamily="49" charset="0"/>
               </a:rPr>
               <a:t>return-type function-name</a:t>
             </a:r>
             <a:r>
-              <a:rPr lang="en-US" altLang="zh-CN" sz="2000" b="1">
-                <a:solidFill>
-                  <a:schemeClr val="folHlink"/>
+              <a:rPr lang="en-US" altLang="zh-CN" sz="2000" b="1" dirty="0">
+                <a:solidFill>
+                  <a:srgbClr val="0432FF"/>
                 </a:solidFill>
                 <a:latin typeface="Courier New" panose="02070309020205020404" pitchFamily="49" charset="0"/>
               </a:rPr>
               <a:t>(</a:t>
             </a:r>
             <a:r>
-              <a:rPr lang="en-US" altLang="zh-CN" sz="2000" b="1" i="1">
-                <a:solidFill>
-                  <a:schemeClr val="folHlink"/>
+              <a:rPr lang="en-US" altLang="zh-CN" sz="2000" b="1" i="1" dirty="0">
+                <a:solidFill>
+                  <a:srgbClr val="0432FF"/>
                 </a:solidFill>
                 <a:latin typeface="Courier New" panose="02070309020205020404" pitchFamily="49" charset="0"/>
               </a:rPr>
               <a:t>argument declarations</a:t>
             </a:r>
             <a:r>
-              <a:rPr lang="en-US" altLang="zh-CN" sz="2000" b="1">
-                <a:solidFill>
-                  <a:schemeClr val="folHlink"/>
+              <a:rPr lang="en-US" altLang="zh-CN" sz="2000" b="1" dirty="0">
+                <a:solidFill>
+                  <a:srgbClr val="0432FF"/>
                 </a:solidFill>
                 <a:latin typeface="Courier New" panose="02070309020205020404" pitchFamily="49" charset="0"/>
               </a:rPr>
@@ -13173,27 +13275,27 @@
               <a:buNone/>
             </a:pPr>
             <a:r>
-              <a:rPr lang="en-US" altLang="zh-CN" sz="2000" b="1">
-                <a:solidFill>
-                  <a:schemeClr val="folHlink"/>
+              <a:rPr lang="en-US" altLang="zh-CN" sz="2000" b="1" dirty="0">
+                <a:solidFill>
+                  <a:srgbClr val="0432FF"/>
                 </a:solidFill>
                 <a:latin typeface="Courier New" panose="02070309020205020404" pitchFamily="49" charset="0"/>
               </a:rPr>
               <a:t>  </a:t>
             </a:r>
             <a:r>
-              <a:rPr lang="en-US" altLang="zh-CN" sz="2000" b="1" i="1">
-                <a:solidFill>
-                  <a:schemeClr val="folHlink"/>
+              <a:rPr lang="en-US" altLang="zh-CN" sz="2000" b="1" i="1" dirty="0">
+                <a:solidFill>
+                  <a:srgbClr val="0432FF"/>
                 </a:solidFill>
                 <a:latin typeface="Courier New" panose="02070309020205020404" pitchFamily="49" charset="0"/>
               </a:rPr>
               <a:t>declarations and statements</a:t>
             </a:r>
             <a:r>
-              <a:rPr lang="en-US" altLang="zh-CN" sz="2000" b="1">
-                <a:solidFill>
-                  <a:schemeClr val="folHlink"/>
+              <a:rPr lang="en-US" altLang="zh-CN" sz="2000" b="1" dirty="0">
+                <a:solidFill>
+                  <a:srgbClr val="0432FF"/>
                 </a:solidFill>
                 <a:latin typeface="Courier New" panose="02070309020205020404" pitchFamily="49" charset="0"/>
               </a:rPr>
@@ -13209,19 +13311,13 @@
               <a:buNone/>
             </a:pPr>
             <a:r>
-              <a:rPr lang="en-US" altLang="zh-CN" sz="2000" b="1">
-                <a:solidFill>
-                  <a:schemeClr val="folHlink"/>
-                </a:solidFill>
-                <a:latin typeface="Courier New" panose="02070309020205020404" pitchFamily="49" charset="0"/>
-              </a:rPr>
-              <a:t>}</a:t>
-            </a:r>
-            <a:r>
-              <a:rPr lang="en-US" altLang="zh-CN" sz="2000" b="1">
-                <a:latin typeface="Courier New" panose="02070309020205020404" pitchFamily="49" charset="0"/>
-              </a:rPr>
-              <a:t> </a:t>
+              <a:rPr lang="en-US" altLang="zh-CN" sz="2000" b="1" dirty="0">
+                <a:solidFill>
+                  <a:srgbClr val="0432FF"/>
+                </a:solidFill>
+                <a:latin typeface="Courier New" panose="02070309020205020404" pitchFamily="49" charset="0"/>
+              </a:rPr>
+              <a:t>} </a:t>
             </a:r>
           </a:p>
           <a:p>
@@ -13232,7 +13328,7 @@
               <a:buFont typeface="Wingdings" panose="05000000000000000000" pitchFamily="2" charset="2"/>
               <a:buNone/>
             </a:pPr>
-            <a:endParaRPr lang="en-US" altLang="zh-CN" sz="2000" b="1">
+            <a:endParaRPr lang="en-US" altLang="zh-CN" sz="2000" b="1" dirty="0">
               <a:latin typeface="Courier New" panose="02070309020205020404" pitchFamily="49" charset="0"/>
             </a:endParaRPr>
           </a:p>
@@ -13245,7 +13341,7 @@
               <a:buNone/>
             </a:pPr>
             <a:r>
-              <a:rPr lang="en-US" altLang="zh-CN" sz="2000" b="1">
+              <a:rPr lang="en-US" altLang="zh-CN" sz="2000" b="1" dirty="0">
                 <a:latin typeface="Courier New" panose="02070309020205020404" pitchFamily="49" charset="0"/>
               </a:rPr>
               <a:t>// example:</a:t>
@@ -13260,9 +13356,9 @@
               <a:buNone/>
             </a:pPr>
             <a:r>
-              <a:rPr lang="en-US" altLang="zh-CN" sz="2000" b="1">
-                <a:solidFill>
-                  <a:schemeClr val="folHlink"/>
+              <a:rPr lang="en-US" altLang="zh-CN" sz="2000" b="1" dirty="0">
+                <a:solidFill>
+                  <a:srgbClr val="0432FF"/>
                 </a:solidFill>
                 <a:latin typeface="Courier New" panose="02070309020205020404" pitchFamily="49" charset="0"/>
               </a:rPr>
@@ -13278,9 +13374,9 @@
               <a:buNone/>
             </a:pPr>
             <a:r>
-              <a:rPr lang="en-US" altLang="zh-CN" sz="2000" b="1">
-                <a:solidFill>
-                  <a:schemeClr val="folHlink"/>
+              <a:rPr lang="en-US" altLang="zh-CN" sz="2000" b="1" dirty="0">
+                <a:solidFill>
+                  <a:srgbClr val="0432FF"/>
                 </a:solidFill>
                 <a:latin typeface="Courier New" panose="02070309020205020404" pitchFamily="49" charset="0"/>
               </a:rPr>
@@ -13296,9 +13392,9 @@
               <a:buNone/>
             </a:pPr>
             <a:r>
-              <a:rPr lang="en-US" altLang="zh-CN" sz="2000" b="1">
-                <a:solidFill>
-                  <a:schemeClr val="folHlink"/>
+              <a:rPr lang="en-US" altLang="zh-CN" sz="2000" b="1" dirty="0">
+                <a:solidFill>
+                  <a:srgbClr val="0432FF"/>
                 </a:solidFill>
                 <a:latin typeface="Courier New" panose="02070309020205020404" pitchFamily="49" charset="0"/>
               </a:rPr>
@@ -13314,9 +13410,9 @@
               <a:buNone/>
             </a:pPr>
             <a:r>
-              <a:rPr lang="en-US" altLang="zh-CN" sz="2000" b="1">
-                <a:solidFill>
-                  <a:schemeClr val="folHlink"/>
+              <a:rPr lang="en-US" altLang="zh-CN" sz="2000" b="1" dirty="0">
+                <a:solidFill>
+                  <a:srgbClr val="0432FF"/>
                 </a:solidFill>
                 <a:latin typeface="Courier New" panose="02070309020205020404" pitchFamily="49" charset="0"/>
               </a:rPr>
@@ -13332,9 +13428,9 @@
               <a:buNone/>
             </a:pPr>
             <a:r>
-              <a:rPr lang="en-US" altLang="zh-CN" sz="2000" b="1">
-                <a:solidFill>
-                  <a:schemeClr val="folHlink"/>
+              <a:rPr lang="en-US" altLang="zh-CN" sz="2000" b="1" dirty="0">
+                <a:solidFill>
+                  <a:srgbClr val="0432FF"/>
                 </a:solidFill>
                 <a:latin typeface="Courier New" panose="02070309020205020404" pitchFamily="49" charset="0"/>
               </a:rPr>
@@ -13413,7 +13509,7 @@
               <a:buNone/>
             </a:pPr>
             <a:r>
-              <a:rPr lang="en-US" altLang="zh-CN" sz="2000" b="1">
+              <a:rPr lang="en-US" altLang="zh-CN" sz="2000" b="1" dirty="0">
                 <a:latin typeface="Courier New" panose="02070309020205020404" pitchFamily="49" charset="0"/>
               </a:rPr>
               <a:t>// Instead of function arguments and local</a:t>
@@ -13428,7 +13524,7 @@
               <a:buNone/>
             </a:pPr>
             <a:r>
-              <a:rPr lang="en-US" altLang="zh-CN" sz="2000" b="1">
+              <a:rPr lang="en-US" altLang="zh-CN" sz="2000" b="1" dirty="0">
                 <a:latin typeface="Courier New" panose="02070309020205020404" pitchFamily="49" charset="0"/>
               </a:rPr>
               <a:t>// variables, we may also declare external</a:t>
@@ -13443,7 +13539,7 @@
               <a:buNone/>
             </a:pPr>
             <a:r>
-              <a:rPr lang="en-US" altLang="zh-CN" sz="2000" b="1">
+              <a:rPr lang="en-US" altLang="zh-CN" sz="2000" b="1" dirty="0">
                 <a:latin typeface="Courier New" panose="02070309020205020404" pitchFamily="49" charset="0"/>
               </a:rPr>
               <a:t>// variables. External: not within any function.</a:t>
@@ -13458,13 +13554,49 @@
               <a:buNone/>
             </a:pPr>
             <a:r>
-              <a:rPr lang="en-US" altLang="zh-CN" sz="2000" b="1">
-                <a:solidFill>
-                  <a:schemeClr val="folHlink"/>
-                </a:solidFill>
-                <a:latin typeface="Courier New" panose="02070309020205020404" pitchFamily="49" charset="0"/>
-              </a:rPr>
-              <a:t>int i;</a:t>
+              <a:rPr lang="en-US" altLang="zh-CN" sz="2000" b="1" dirty="0">
+                <a:solidFill>
+                  <a:srgbClr val="0432FF"/>
+                </a:solidFill>
+                <a:latin typeface="Courier New" panose="02070309020205020404" pitchFamily="49" charset="0"/>
+              </a:rPr>
+              <a:t>int g</a:t>
+            </a:r>
+            <a:r>
+              <a:rPr lang="zh-CN" altLang="en-US" sz="2000" b="1" dirty="0">
+                <a:solidFill>
+                  <a:srgbClr val="0432FF"/>
+                </a:solidFill>
+                <a:latin typeface="Courier New" panose="02070309020205020404" pitchFamily="49" charset="0"/>
+              </a:rPr>
+              <a:t> </a:t>
+            </a:r>
+            <a:r>
+              <a:rPr lang="en-US" altLang="zh-CN" sz="2000" b="1" dirty="0">
+                <a:solidFill>
+                  <a:srgbClr val="0432FF"/>
+                </a:solidFill>
+                <a:latin typeface="Courier New" panose="02070309020205020404" pitchFamily="49" charset="0"/>
+              </a:rPr>
+              <a:t>=</a:t>
+            </a:r>
+            <a:r>
+              <a:rPr lang="zh-CN" altLang="en-US" sz="2000" b="1" dirty="0">
+                <a:solidFill>
+                  <a:srgbClr val="0432FF"/>
+                </a:solidFill>
+                <a:latin typeface="Courier New" panose="02070309020205020404" pitchFamily="49" charset="0"/>
+              </a:rPr>
+              <a:t> </a:t>
+            </a:r>
+            <a:r>
+              <a:rPr lang="en-US" altLang="zh-CN" sz="2000" b="1" dirty="0">
+                <a:solidFill>
+                  <a:srgbClr val="0432FF"/>
+                </a:solidFill>
+                <a:latin typeface="Courier New" panose="02070309020205020404" pitchFamily="49" charset="0"/>
+              </a:rPr>
+              <a:t>0;</a:t>
             </a:r>
           </a:p>
           <a:p>
@@ -13475,9 +13607,9 @@
               <a:buFont typeface="Wingdings" panose="05000000000000000000" pitchFamily="2" charset="2"/>
               <a:buNone/>
             </a:pPr>
-            <a:endParaRPr lang="en-US" altLang="zh-CN" sz="2000" b="1">
+            <a:endParaRPr lang="en-US" altLang="zh-CN" sz="2000" b="1" dirty="0">
               <a:solidFill>
-                <a:schemeClr val="folHlink"/>
+                <a:srgbClr val="0432FF"/>
               </a:solidFill>
               <a:latin typeface="Courier New" panose="02070309020205020404" pitchFamily="49" charset="0"/>
             </a:endParaRPr>
@@ -13491,9 +13623,9 @@
               <a:buNone/>
             </a:pPr>
             <a:r>
-              <a:rPr lang="en-US" altLang="zh-CN" sz="2000" b="1">
-                <a:solidFill>
-                  <a:schemeClr val="folHlink"/>
+              <a:rPr lang="en-US" altLang="zh-CN" sz="2000" b="1" dirty="0">
+                <a:solidFill>
+                  <a:srgbClr val="0432FF"/>
                 </a:solidFill>
                 <a:latin typeface="Courier New" panose="02070309020205020404" pitchFamily="49" charset="0"/>
               </a:rPr>
@@ -13509,13 +13641,13 @@
               <a:buNone/>
             </a:pPr>
             <a:r>
-              <a:rPr lang="en-US" altLang="zh-CN" sz="2000" b="1">
-                <a:solidFill>
-                  <a:schemeClr val="folHlink"/>
-                </a:solidFill>
-                <a:latin typeface="Courier New" panose="02070309020205020404" pitchFamily="49" charset="0"/>
-              </a:rPr>
-              <a:t>  return i;</a:t>
+              <a:rPr lang="en-US" altLang="zh-CN" sz="2000" b="1" dirty="0">
+                <a:solidFill>
+                  <a:srgbClr val="0432FF"/>
+                </a:solidFill>
+                <a:latin typeface="Courier New" panose="02070309020205020404" pitchFamily="49" charset="0"/>
+              </a:rPr>
+              <a:t>  return g;</a:t>
             </a:r>
           </a:p>
           <a:p>
@@ -13527,9 +13659,9 @@
               <a:buNone/>
             </a:pPr>
             <a:r>
-              <a:rPr lang="en-US" altLang="zh-CN" sz="2000" b="1">
-                <a:solidFill>
-                  <a:schemeClr val="folHlink"/>
+              <a:rPr lang="en-US" altLang="zh-CN" sz="2000" b="1" dirty="0">
+                <a:solidFill>
+                  <a:srgbClr val="0432FF"/>
                 </a:solidFill>
                 <a:latin typeface="Courier New" panose="02070309020205020404" pitchFamily="49" charset="0"/>
               </a:rPr>
@@ -13544,9 +13676,9 @@
               <a:buFont typeface="Wingdings" panose="05000000000000000000" pitchFamily="2" charset="2"/>
               <a:buNone/>
             </a:pPr>
-            <a:endParaRPr lang="en-US" altLang="zh-CN" sz="2000" b="1">
+            <a:endParaRPr lang="en-US" altLang="zh-CN" sz="2000" b="1" dirty="0">
               <a:solidFill>
-                <a:schemeClr val="folHlink"/>
+                <a:srgbClr val="0432FF"/>
               </a:solidFill>
               <a:latin typeface="Courier New" panose="02070309020205020404" pitchFamily="49" charset="0"/>
             </a:endParaRPr>
@@ -13560,9 +13692,9 @@
               <a:buNone/>
             </a:pPr>
             <a:r>
-              <a:rPr lang="en-US" altLang="zh-CN" sz="2000" b="1">
-                <a:solidFill>
-                  <a:schemeClr val="folHlink"/>
+              <a:rPr lang="en-US" altLang="zh-CN" sz="2000" b="1" dirty="0">
+                <a:solidFill>
+                  <a:srgbClr val="0432FF"/>
                 </a:solidFill>
                 <a:latin typeface="Courier New" panose="02070309020205020404" pitchFamily="49" charset="0"/>
               </a:rPr>
@@ -13578,13 +13710,13 @@
               <a:buNone/>
             </a:pPr>
             <a:r>
-              <a:rPr lang="en-US" altLang="zh-CN" sz="2000" b="1">
-                <a:solidFill>
-                  <a:schemeClr val="folHlink"/>
-                </a:solidFill>
-                <a:latin typeface="Courier New" panose="02070309020205020404" pitchFamily="49" charset="0"/>
-              </a:rPr>
-              <a:t>  i = a;</a:t>
+              <a:rPr lang="en-US" altLang="zh-CN" sz="2000" b="1" dirty="0">
+                <a:solidFill>
+                  <a:srgbClr val="0432FF"/>
+                </a:solidFill>
+                <a:latin typeface="Courier New" panose="02070309020205020404" pitchFamily="49" charset="0"/>
+              </a:rPr>
+              <a:t>  g = a;</a:t>
             </a:r>
           </a:p>
           <a:p>
@@ -13596,9 +13728,9 @@
               <a:buNone/>
             </a:pPr>
             <a:r>
-              <a:rPr lang="en-US" altLang="zh-CN" sz="2000" b="1">
-                <a:solidFill>
-                  <a:schemeClr val="folHlink"/>
+              <a:rPr lang="en-US" altLang="zh-CN" sz="2000" b="1" dirty="0">
+                <a:solidFill>
+                  <a:srgbClr val="0432FF"/>
                 </a:solidFill>
                 <a:latin typeface="Courier New" panose="02070309020205020404" pitchFamily="49" charset="0"/>
               </a:rPr>
@@ -15403,7 +15535,7 @@
               <a:buNone/>
             </a:pPr>
             <a:r>
-              <a:rPr lang="en-US" altLang="zh-CN" sz="2000" b="1">
+              <a:rPr lang="en-US" altLang="zh-CN" sz="2000" b="1" dirty="0">
                 <a:solidFill>
                   <a:schemeClr val="folHlink"/>
                 </a:solidFill>
@@ -15421,7 +15553,7 @@
               <a:buNone/>
             </a:pPr>
             <a:r>
-              <a:rPr lang="en-US" altLang="zh-CN" sz="2000" b="1">
+              <a:rPr lang="en-US" altLang="zh-CN" sz="2000" b="1" dirty="0">
                 <a:solidFill>
                   <a:schemeClr val="folHlink"/>
                 </a:solidFill>
@@ -15438,7 +15570,7 @@
               <a:buFont typeface="Wingdings" panose="05000000000000000000" pitchFamily="2" charset="2"/>
               <a:buNone/>
             </a:pPr>
-            <a:endParaRPr lang="en-US" altLang="zh-CN" sz="2000" b="1">
+            <a:endParaRPr lang="en-US" altLang="zh-CN" sz="2000" b="1" dirty="0">
               <a:solidFill>
                 <a:schemeClr val="folHlink"/>
               </a:solidFill>
@@ -15454,7 +15586,7 @@
               <a:buNone/>
             </a:pPr>
             <a:r>
-              <a:rPr lang="en-US" altLang="zh-CN" sz="2000" b="1">
+              <a:rPr lang="en-US" altLang="zh-CN" sz="2000" b="1" dirty="0">
                 <a:solidFill>
                   <a:schemeClr val="folHlink"/>
                 </a:solidFill>
@@ -15472,13 +15604,31 @@
               <a:buNone/>
             </a:pPr>
             <a:r>
-              <a:rPr lang="en-US" altLang="zh-CN" sz="2000" b="1">
+              <a:rPr lang="en-US" altLang="zh-CN" sz="2000" b="1" dirty="0">
                 <a:solidFill>
                   <a:schemeClr val="folHlink"/>
                 </a:solidFill>
                 <a:latin typeface="Courier New" panose="02070309020205020404" pitchFamily="49" charset="0"/>
               </a:rPr>
-              <a:t>  int i;                // #1</a:t>
+              <a:t>  int </a:t>
+            </a:r>
+            <a:r>
+              <a:rPr lang="en-US" altLang="zh-CN" sz="2000" b="1" dirty="0" err="1">
+                <a:solidFill>
+                  <a:schemeClr val="folHlink"/>
+                </a:solidFill>
+                <a:latin typeface="Courier New" panose="02070309020205020404" pitchFamily="49" charset="0"/>
+              </a:rPr>
+              <a:t>i</a:t>
+            </a:r>
+            <a:r>
+              <a:rPr lang="en-US" altLang="zh-CN" sz="2000" b="1" dirty="0">
+                <a:solidFill>
+                  <a:schemeClr val="folHlink"/>
+                </a:solidFill>
+                <a:latin typeface="Courier New" panose="02070309020205020404" pitchFamily="49" charset="0"/>
+              </a:rPr>
+              <a:t>;                // #1</a:t>
             </a:r>
           </a:p>
           <a:p>
@@ -15490,7 +15640,7 @@
               <a:buNone/>
             </a:pPr>
             <a:r>
-              <a:rPr lang="en-US" altLang="zh-CN" sz="2000" b="1">
+              <a:rPr lang="en-US" altLang="zh-CN" sz="2000" b="1" dirty="0">
                 <a:solidFill>
                   <a:schemeClr val="folHlink"/>
                 </a:solidFill>
@@ -15508,7 +15658,7 @@
               <a:buNone/>
             </a:pPr>
             <a:r>
-              <a:rPr lang="en-US" altLang="zh-CN" sz="2000" b="1">
+              <a:rPr lang="en-US" altLang="zh-CN" sz="2000" b="1" dirty="0">
                 <a:solidFill>
                   <a:schemeClr val="folHlink"/>
                 </a:solidFill>
@@ -15526,13 +15676,31 @@
               <a:buNone/>
             </a:pPr>
             <a:r>
-              <a:rPr lang="en-US" altLang="zh-CN" sz="2000" b="1">
+              <a:rPr lang="en-US" altLang="zh-CN" sz="2000" b="1" dirty="0">
                 <a:solidFill>
                   <a:schemeClr val="folHlink"/>
                 </a:solidFill>
                 <a:latin typeface="Courier New" panose="02070309020205020404" pitchFamily="49" charset="0"/>
               </a:rPr>
-              <a:t>	  b = i+j;</a:t>
+              <a:t>	  b = </a:t>
+            </a:r>
+            <a:r>
+              <a:rPr lang="en-US" altLang="zh-CN" sz="2000" b="1" dirty="0" err="1">
+                <a:solidFill>
+                  <a:schemeClr val="folHlink"/>
+                </a:solidFill>
+                <a:latin typeface="Courier New" panose="02070309020205020404" pitchFamily="49" charset="0"/>
+              </a:rPr>
+              <a:t>i+j</a:t>
+            </a:r>
+            <a:r>
+              <a:rPr lang="en-US" altLang="zh-CN" sz="2000" b="1" dirty="0">
+                <a:solidFill>
+                  <a:schemeClr val="folHlink"/>
+                </a:solidFill>
+                <a:latin typeface="Courier New" panose="02070309020205020404" pitchFamily="49" charset="0"/>
+              </a:rPr>
+              <a:t>;</a:t>
             </a:r>
           </a:p>
           <a:p>
@@ -15544,7 +15712,7 @@
               <a:buNone/>
             </a:pPr>
             <a:r>
-              <a:rPr lang="en-US" altLang="zh-CN" sz="2000" b="1">
+              <a:rPr lang="en-US" altLang="zh-CN" sz="2000" b="1" dirty="0">
                 <a:solidFill>
                   <a:schemeClr val="folHlink"/>
                 </a:solidFill>
@@ -15562,7 +15730,7 @@
               <a:buNone/>
             </a:pPr>
             <a:r>
-              <a:rPr lang="en-US" altLang="zh-CN" sz="2000" b="1">
+              <a:rPr lang="en-US" altLang="zh-CN" sz="2000" b="1" dirty="0">
                 <a:solidFill>
                   <a:schemeClr val="folHlink"/>
                 </a:solidFill>
@@ -15580,7 +15748,7 @@
               <a:buNone/>
             </a:pPr>
             <a:r>
-              <a:rPr lang="en-US" altLang="zh-CN" sz="2000" b="1">
+              <a:rPr lang="en-US" altLang="zh-CN" sz="2000" b="1" dirty="0">
                 <a:solidFill>
                   <a:schemeClr val="folHlink"/>
                 </a:solidFill>
@@ -15598,7 +15766,7 @@
               <a:buNone/>
             </a:pPr>
             <a:r>
-              <a:rPr lang="en-US" altLang="zh-CN" sz="2000" b="1">
+              <a:rPr lang="en-US" altLang="zh-CN" sz="2000" b="1" dirty="0">
                 <a:solidFill>
                   <a:schemeClr val="folHlink"/>
                 </a:solidFill>
@@ -15616,7 +15784,7 @@
               <a:buNone/>
             </a:pPr>
             <a:r>
-              <a:rPr lang="en-US" altLang="zh-CN" sz="2000" b="1">
+              <a:rPr lang="en-US" altLang="zh-CN" sz="2000" b="1" dirty="0">
                 <a:solidFill>
                   <a:schemeClr val="folHlink"/>
                 </a:solidFill>
@@ -15697,7 +15865,7 @@
               <a:buNone/>
             </a:pPr>
             <a:r>
-              <a:rPr lang="en-US" altLang="zh-CN" sz="2000" b="1">
+              <a:rPr lang="en-US" altLang="zh-CN" sz="2000" b="1" dirty="0">
                 <a:latin typeface="Courier New" panose="02070309020205020404" pitchFamily="49" charset="0"/>
               </a:rPr>
               <a:t> </a:t>
@@ -15750,7 +15918,7 @@
           <a:lstStyle/>
           <a:p>
             <a:r>
-              <a:rPr lang="en-US" altLang="zh-CN" sz="2000" b="1">
+              <a:rPr lang="en-US" altLang="zh-CN" sz="2000" b="1" dirty="0">
                 <a:latin typeface="Courier New" panose="02070309020205020404" pitchFamily="49" charset="0"/>
               </a:rPr>
               <a:t>// file1.c</a:t>
@@ -15758,20 +15926,38 @@
           </a:p>
           <a:p>
             <a:r>
-              <a:rPr lang="en-US" altLang="zh-CN" sz="2000" b="1">
-                <a:solidFill>
-                  <a:schemeClr val="folHlink"/>
-                </a:solidFill>
-                <a:latin typeface="Courier New" panose="02070309020205020404" pitchFamily="49" charset="0"/>
-              </a:rPr>
-              <a:t>int i;</a:t>
-            </a:r>
-          </a:p>
-          <a:p>
-            <a:r>
-              <a:rPr lang="en-US" altLang="zh-CN" sz="2000" b="1">
-                <a:solidFill>
-                  <a:schemeClr val="folHlink"/>
+              <a:rPr lang="en-US" altLang="zh-CN" sz="2000" b="1" dirty="0">
+                <a:solidFill>
+                  <a:srgbClr val="0432FF"/>
+                </a:solidFill>
+                <a:latin typeface="Courier New" panose="02070309020205020404" pitchFamily="49" charset="0"/>
+              </a:rPr>
+              <a:t>int </a:t>
+            </a:r>
+            <a:r>
+              <a:rPr lang="en-US" altLang="zh-CN" sz="2000" b="1" dirty="0" err="1">
+                <a:solidFill>
+                  <a:srgbClr val="0432FF"/>
+                </a:solidFill>
+                <a:latin typeface="Courier New" panose="02070309020205020404" pitchFamily="49" charset="0"/>
+              </a:rPr>
+              <a:t>i</a:t>
+            </a:r>
+            <a:r>
+              <a:rPr lang="en-US" altLang="zh-CN" sz="2000" b="1" dirty="0">
+                <a:solidFill>
+                  <a:srgbClr val="0432FF"/>
+                </a:solidFill>
+                <a:latin typeface="Courier New" panose="02070309020205020404" pitchFamily="49" charset="0"/>
+              </a:rPr>
+              <a:t>;</a:t>
+            </a:r>
+          </a:p>
+          <a:p>
+            <a:r>
+              <a:rPr lang="en-US" altLang="zh-CN" sz="2000" b="1" dirty="0">
+                <a:solidFill>
+                  <a:srgbClr val="0432FF"/>
                 </a:solidFill>
                 <a:latin typeface="Courier New" panose="02070309020205020404" pitchFamily="49" charset="0"/>
               </a:rPr>
@@ -15779,18 +15965,18 @@
             </a:r>
           </a:p>
           <a:p>
-            <a:endParaRPr lang="en-US" altLang="zh-CN" sz="2000" b="1">
+            <a:endParaRPr lang="en-US" altLang="zh-CN" sz="2000" b="1" dirty="0">
               <a:solidFill>
-                <a:schemeClr val="folHlink"/>
+                <a:srgbClr val="0432FF"/>
               </a:solidFill>
               <a:latin typeface="Courier New" panose="02070309020205020404" pitchFamily="49" charset="0"/>
             </a:endParaRPr>
           </a:p>
           <a:p>
             <a:r>
-              <a:rPr lang="en-US" altLang="zh-CN" sz="2000" b="1">
-                <a:solidFill>
-                  <a:schemeClr val="folHlink"/>
+              <a:rPr lang="en-US" altLang="zh-CN" sz="2000" b="1" dirty="0">
+                <a:solidFill>
+                  <a:srgbClr val="0432FF"/>
                 </a:solidFill>
                 <a:latin typeface="Courier New" panose="02070309020205020404" pitchFamily="49" charset="0"/>
               </a:rPr>
@@ -15799,9 +15985,9 @@
           </a:p>
           <a:p>
             <a:r>
-              <a:rPr lang="en-US" altLang="zh-CN" sz="2000" b="1">
-                <a:solidFill>
-                  <a:schemeClr val="folHlink"/>
+              <a:rPr lang="en-US" altLang="zh-CN" sz="2000" b="1" dirty="0">
+                <a:solidFill>
+                  <a:srgbClr val="0432FF"/>
                 </a:solidFill>
                 <a:latin typeface="Courier New" panose="02070309020205020404" pitchFamily="49" charset="0"/>
               </a:rPr>
@@ -15810,9 +15996,9 @@
           </a:p>
           <a:p>
             <a:r>
-              <a:rPr lang="en-US" altLang="zh-CN" sz="2000" b="1">
-                <a:solidFill>
-                  <a:schemeClr val="folHlink"/>
+              <a:rPr lang="en-US" altLang="zh-CN" sz="2000" b="1" dirty="0">
+                <a:solidFill>
+                  <a:srgbClr val="0432FF"/>
                 </a:solidFill>
                 <a:latin typeface="Courier New" panose="02070309020205020404" pitchFamily="49" charset="0"/>
               </a:rPr>
@@ -15866,7 +16052,7 @@
           <a:lstStyle/>
           <a:p>
             <a:r>
-              <a:rPr lang="en-US" altLang="zh-CN" sz="2000" b="1">
+              <a:rPr lang="en-US" altLang="zh-CN" sz="2000" b="1" dirty="0">
                 <a:latin typeface="Courier New" panose="02070309020205020404" pitchFamily="49" charset="0"/>
               </a:rPr>
               <a:t>// file2.c</a:t>
@@ -15874,20 +16060,38 @@
           </a:p>
           <a:p>
             <a:r>
-              <a:rPr lang="en-US" altLang="zh-CN" sz="2000" b="1">
-                <a:solidFill>
-                  <a:schemeClr val="folHlink"/>
-                </a:solidFill>
-                <a:latin typeface="Courier New" panose="02070309020205020404" pitchFamily="49" charset="0"/>
-              </a:rPr>
-              <a:t>extern int i;</a:t>
-            </a:r>
-          </a:p>
-          <a:p>
-            <a:r>
-              <a:rPr lang="en-US" altLang="zh-CN" sz="2000" b="1">
-                <a:solidFill>
-                  <a:schemeClr val="folHlink"/>
+              <a:rPr lang="en-US" altLang="zh-CN" sz="2000" b="1" dirty="0">
+                <a:solidFill>
+                  <a:srgbClr val="0432FF"/>
+                </a:solidFill>
+                <a:latin typeface="Courier New" panose="02070309020205020404" pitchFamily="49" charset="0"/>
+              </a:rPr>
+              <a:t>extern int </a:t>
+            </a:r>
+            <a:r>
+              <a:rPr lang="en-US" altLang="zh-CN" sz="2000" b="1" dirty="0" err="1">
+                <a:solidFill>
+                  <a:srgbClr val="0432FF"/>
+                </a:solidFill>
+                <a:latin typeface="Courier New" panose="02070309020205020404" pitchFamily="49" charset="0"/>
+              </a:rPr>
+              <a:t>i</a:t>
+            </a:r>
+            <a:r>
+              <a:rPr lang="en-US" altLang="zh-CN" sz="2000" b="1" dirty="0">
+                <a:solidFill>
+                  <a:srgbClr val="0432FF"/>
+                </a:solidFill>
+                <a:latin typeface="Courier New" panose="02070309020205020404" pitchFamily="49" charset="0"/>
+              </a:rPr>
+              <a:t>;</a:t>
+            </a:r>
+          </a:p>
+          <a:p>
+            <a:r>
+              <a:rPr lang="en-US" altLang="zh-CN" sz="2000" b="1" dirty="0">
+                <a:solidFill>
+                  <a:srgbClr val="0432FF"/>
                 </a:solidFill>
                 <a:latin typeface="Courier New" panose="02070309020205020404" pitchFamily="49" charset="0"/>
               </a:rPr>
@@ -15895,18 +16099,18 @@
             </a:r>
           </a:p>
           <a:p>
-            <a:endParaRPr lang="en-US" altLang="zh-CN" sz="2000" b="1">
+            <a:endParaRPr lang="en-US" altLang="zh-CN" sz="2000" b="1" dirty="0">
               <a:solidFill>
-                <a:schemeClr val="folHlink"/>
+                <a:srgbClr val="0432FF"/>
               </a:solidFill>
               <a:latin typeface="Courier New" panose="02070309020205020404" pitchFamily="49" charset="0"/>
             </a:endParaRPr>
           </a:p>
           <a:p>
             <a:r>
-              <a:rPr lang="en-US" altLang="zh-CN" sz="2000" b="1">
-                <a:solidFill>
-                  <a:schemeClr val="folHlink"/>
+              <a:rPr lang="en-US" altLang="zh-CN" sz="2000" b="1" dirty="0">
+                <a:solidFill>
+                  <a:srgbClr val="0432FF"/>
                 </a:solidFill>
                 <a:latin typeface="Courier New" panose="02070309020205020404" pitchFamily="49" charset="0"/>
               </a:rPr>
@@ -15915,20 +16119,38 @@
           </a:p>
           <a:p>
             <a:r>
-              <a:rPr lang="en-US" altLang="zh-CN" sz="2000" b="1">
-                <a:solidFill>
-                  <a:schemeClr val="folHlink"/>
-                </a:solidFill>
-                <a:latin typeface="Courier New" panose="02070309020205020404" pitchFamily="49" charset="0"/>
-              </a:rPr>
-              <a:t>  i = 9;</a:t>
-            </a:r>
-          </a:p>
-          <a:p>
-            <a:r>
-              <a:rPr lang="en-US" altLang="zh-CN" sz="2000" b="1">
-                <a:solidFill>
-                  <a:schemeClr val="folHlink"/>
+              <a:rPr lang="en-US" altLang="zh-CN" sz="2000" b="1" dirty="0">
+                <a:solidFill>
+                  <a:srgbClr val="0432FF"/>
+                </a:solidFill>
+                <a:latin typeface="Courier New" panose="02070309020205020404" pitchFamily="49" charset="0"/>
+              </a:rPr>
+              <a:t>  </a:t>
+            </a:r>
+            <a:r>
+              <a:rPr lang="en-US" altLang="zh-CN" sz="2000" b="1" dirty="0" err="1">
+                <a:solidFill>
+                  <a:srgbClr val="0432FF"/>
+                </a:solidFill>
+                <a:latin typeface="Courier New" panose="02070309020205020404" pitchFamily="49" charset="0"/>
+              </a:rPr>
+              <a:t>i</a:t>
+            </a:r>
+            <a:r>
+              <a:rPr lang="en-US" altLang="zh-CN" sz="2000" b="1" dirty="0">
+                <a:solidFill>
+                  <a:srgbClr val="0432FF"/>
+                </a:solidFill>
+                <a:latin typeface="Courier New" panose="02070309020205020404" pitchFamily="49" charset="0"/>
+              </a:rPr>
+              <a:t> = 9;</a:t>
+            </a:r>
+          </a:p>
+          <a:p>
+            <a:r>
+              <a:rPr lang="en-US" altLang="zh-CN" sz="2000" b="1" dirty="0">
+                <a:solidFill>
+                  <a:srgbClr val="0432FF"/>
                 </a:solidFill>
                 <a:latin typeface="Courier New" panose="02070309020205020404" pitchFamily="49" charset="0"/>
               </a:rPr>
@@ -15937,9 +16159,9 @@
           </a:p>
           <a:p>
             <a:r>
-              <a:rPr lang="en-US" altLang="zh-CN" sz="2000" b="1">
-                <a:solidFill>
-                  <a:schemeClr val="folHlink"/>
+              <a:rPr lang="en-US" altLang="zh-CN" sz="2000" b="1" dirty="0">
+                <a:solidFill>
+                  <a:srgbClr val="0432FF"/>
                 </a:solidFill>
                 <a:latin typeface="Courier New" panose="02070309020205020404" pitchFamily="49" charset="0"/>
               </a:rPr>
@@ -17569,75 +17791,75 @@
           <a:lstStyle/>
           <a:p>
             <a:r>
-              <a:rPr lang="en-US" altLang="zh-CN" sz="2800"/>
+              <a:rPr lang="en-US" altLang="zh-CN" sz="2800" dirty="0"/>
               <a:t>Pros:</a:t>
             </a:r>
           </a:p>
           <a:p>
             <a:pPr lvl="1"/>
             <a:r>
-              <a:rPr lang="en-US" altLang="zh-CN" sz="2400"/>
+              <a:rPr lang="en-US" altLang="zh-CN" sz="2400" dirty="0"/>
               <a:t>An important way for data sharing</a:t>
             </a:r>
           </a:p>
           <a:p>
             <a:pPr lvl="1"/>
             <a:r>
-              <a:rPr lang="en-US" altLang="zh-CN" sz="2400"/>
+              <a:rPr lang="en-US" altLang="zh-CN" sz="2400" dirty="0"/>
               <a:t>The poor man</a:t>
             </a:r>
             <a:r>
-              <a:rPr lang="en-US" altLang="zh-CN" sz="2400">
+              <a:rPr lang="en-US" altLang="zh-CN" sz="2400" dirty="0">
                 <a:latin typeface="Arial" panose="020B0604020202020204" pitchFamily="34" charset="0"/>
               </a:rPr>
               <a:t>’</a:t>
             </a:r>
             <a:r>
-              <a:rPr lang="en-US" altLang="zh-CN" sz="2400"/>
+              <a:rPr lang="en-US" altLang="zh-CN" sz="2400" dirty="0"/>
               <a:t>s method to build closures</a:t>
             </a:r>
           </a:p>
           <a:p>
             <a:pPr lvl="2"/>
             <a:r>
-              <a:rPr lang="en-US" altLang="zh-CN" sz="2000"/>
+              <a:rPr lang="en-US" altLang="zh-CN" sz="2000" dirty="0"/>
               <a:t>In future slides, we</a:t>
             </a:r>
             <a:r>
-              <a:rPr lang="en-US" altLang="zh-CN" sz="2000">
+              <a:rPr lang="en-US" altLang="zh-CN" sz="2000" dirty="0">
                 <a:latin typeface="Arial" panose="020B0604020202020204" pitchFamily="34" charset="0"/>
               </a:rPr>
               <a:t>’</a:t>
             </a:r>
             <a:r>
-              <a:rPr lang="en-US" altLang="zh-CN" sz="2000"/>
+              <a:rPr lang="en-US" altLang="zh-CN" sz="2000" dirty="0"/>
               <a:t>ll discuss another one</a:t>
             </a:r>
           </a:p>
           <a:p>
             <a:pPr lvl="1"/>
             <a:r>
-              <a:rPr lang="en-US" altLang="zh-CN" sz="2400"/>
+              <a:rPr lang="en-US" altLang="zh-CN" sz="2400" dirty="0"/>
               <a:t>Also think objects in OO languages</a:t>
             </a:r>
           </a:p>
           <a:p>
             <a:r>
-              <a:rPr lang="en-US" altLang="zh-CN" sz="2800"/>
+              <a:rPr lang="en-US" altLang="zh-CN" sz="2800" dirty="0"/>
               <a:t>Cons:</a:t>
             </a:r>
           </a:p>
           <a:p>
             <a:pPr lvl="1"/>
             <a:r>
-              <a:rPr lang="en-US" altLang="zh-CN" sz="2400"/>
+              <a:rPr lang="en-US" altLang="zh-CN" sz="2400" dirty="0"/>
               <a:t>External variables blur the connections between functions and modules</a:t>
             </a:r>
           </a:p>
           <a:p>
             <a:pPr lvl="1"/>
             <a:r>
-              <a:rPr lang="en-US" altLang="zh-CN" sz="2400"/>
+              <a:rPr lang="en-US" altLang="zh-CN" sz="2400" dirty="0"/>
               <a:t>Involve the internal working of a linker</a:t>
             </a:r>
           </a:p>

--- a/courses/sysprog/slides/lec05-fun.pptx
+++ b/courses/sysprog/slides/lec05-fun.pptx
@@ -5485,7 +5485,7 @@
             <a:r>
               <a:rPr lang="en-US" altLang="zh-CN" sz="2000" b="1" dirty="0">
                 <a:solidFill>
-                  <a:schemeClr val="folHlink"/>
+                  <a:srgbClr val="0432FF"/>
                 </a:solidFill>
                 <a:latin typeface="Courier New" panose="02070309020205020404" pitchFamily="49" charset="0"/>
               </a:rPr>
@@ -5495,7 +5495,7 @@
           <a:p>
             <a:endParaRPr lang="en-US" altLang="zh-CN" sz="2000" b="1" dirty="0">
               <a:solidFill>
-                <a:schemeClr val="folHlink"/>
+                <a:srgbClr val="0432FF"/>
               </a:solidFill>
               <a:latin typeface="Courier New" panose="02070309020205020404" pitchFamily="49" charset="0"/>
             </a:endParaRPr>
@@ -5504,7 +5504,7 @@
             <a:r>
               <a:rPr lang="en-US" altLang="zh-CN" sz="2000" b="1" dirty="0">
                 <a:solidFill>
-                  <a:schemeClr val="folHlink"/>
+                  <a:srgbClr val="0432FF"/>
                 </a:solidFill>
                 <a:latin typeface="Courier New" panose="02070309020205020404" pitchFamily="49" charset="0"/>
               </a:rPr>
@@ -5515,7 +5515,7 @@
             <a:r>
               <a:rPr lang="en-US" altLang="zh-CN" sz="2000" b="1" dirty="0">
                 <a:solidFill>
-                  <a:schemeClr val="folHlink"/>
+                  <a:srgbClr val="0432FF"/>
                 </a:solidFill>
                 <a:latin typeface="Courier New" panose="02070309020205020404" pitchFamily="49" charset="0"/>
               </a:rPr>
@@ -5524,7 +5524,7 @@
             <a:r>
               <a:rPr lang="en-US" altLang="zh-CN" sz="2000" b="1" dirty="0" err="1">
                 <a:solidFill>
-                  <a:schemeClr val="folHlink"/>
+                  <a:srgbClr val="0432FF"/>
                 </a:solidFill>
                 <a:latin typeface="Courier New" panose="02070309020205020404" pitchFamily="49" charset="0"/>
               </a:rPr>
@@ -5533,7 +5533,7 @@
             <a:r>
               <a:rPr lang="en-US" altLang="zh-CN" sz="2000" b="1" dirty="0">
                 <a:solidFill>
-                  <a:schemeClr val="folHlink"/>
+                  <a:srgbClr val="0432FF"/>
                 </a:solidFill>
                 <a:latin typeface="Courier New" panose="02070309020205020404" pitchFamily="49" charset="0"/>
               </a:rPr>
@@ -5544,7 +5544,7 @@
             <a:r>
               <a:rPr lang="en-US" altLang="zh-CN" sz="2000" b="1" dirty="0">
                 <a:solidFill>
-                  <a:schemeClr val="folHlink"/>
+                  <a:srgbClr val="0432FF"/>
                 </a:solidFill>
                 <a:latin typeface="Courier New" panose="02070309020205020404" pitchFamily="49" charset="0"/>
               </a:rPr>
@@ -5553,7 +5553,7 @@
             <a:r>
               <a:rPr lang="en-US" altLang="zh-CN" sz="2000" b="1" dirty="0" err="1">
                 <a:solidFill>
-                  <a:schemeClr val="folHlink"/>
+                  <a:srgbClr val="0432FF"/>
                 </a:solidFill>
                 <a:latin typeface="Courier New" panose="02070309020205020404" pitchFamily="49" charset="0"/>
               </a:rPr>
@@ -5562,7 +5562,7 @@
             <a:r>
               <a:rPr lang="en-US" altLang="zh-CN" sz="2000" b="1" dirty="0">
                 <a:solidFill>
-                  <a:schemeClr val="folHlink"/>
+                  <a:srgbClr val="0432FF"/>
                 </a:solidFill>
                 <a:latin typeface="Courier New" panose="02070309020205020404" pitchFamily="49" charset="0"/>
               </a:rPr>
@@ -5573,7 +5573,7 @@
             <a:r>
               <a:rPr lang="en-US" altLang="zh-CN" sz="2000" b="1" dirty="0">
                 <a:solidFill>
-                  <a:schemeClr val="folHlink"/>
+                  <a:srgbClr val="0432FF"/>
                 </a:solidFill>
                 <a:latin typeface="Courier New" panose="02070309020205020404" pitchFamily="49" charset="0"/>
               </a:rPr>
@@ -5584,7 +5584,7 @@
             <a:r>
               <a:rPr lang="en-US" altLang="zh-CN" sz="2000" b="1" dirty="0">
                 <a:solidFill>
-                  <a:schemeClr val="folHlink"/>
+                  <a:srgbClr val="0432FF"/>
                 </a:solidFill>
                 <a:latin typeface="Courier New" panose="02070309020205020404" pitchFamily="49" charset="0"/>
               </a:rPr>
@@ -5595,7 +5595,7 @@
             <a:r>
               <a:rPr lang="en-US" altLang="zh-CN" sz="2000" b="1" dirty="0">
                 <a:solidFill>
-                  <a:schemeClr val="folHlink"/>
+                  <a:srgbClr val="0432FF"/>
                 </a:solidFill>
                 <a:latin typeface="Courier New" panose="02070309020205020404" pitchFamily="49" charset="0"/>
               </a:rPr>
@@ -5681,12 +5681,21 @@
                 </a:solidFill>
                 <a:latin typeface="Courier New" panose="02070309020205020404" pitchFamily="49" charset="0"/>
               </a:rPr>
-              <a:t> int </a:t>
+              <a:t> </a:t>
+            </a:r>
+            <a:r>
+              <a:rPr lang="en-US" altLang="zh-CN" sz="2000" b="1" dirty="0">
+                <a:solidFill>
+                  <a:srgbClr val="0432FF"/>
+                </a:solidFill>
+                <a:latin typeface="Courier New" panose="02070309020205020404" pitchFamily="49" charset="0"/>
+              </a:rPr>
+              <a:t>int </a:t>
             </a:r>
             <a:r>
               <a:rPr lang="en-US" altLang="zh-CN" sz="2000" b="1" dirty="0" err="1">
                 <a:solidFill>
-                  <a:schemeClr val="folHlink"/>
+                  <a:srgbClr val="0432FF"/>
                 </a:solidFill>
                 <a:latin typeface="Courier New" panose="02070309020205020404" pitchFamily="49" charset="0"/>
               </a:rPr>
@@ -5695,7 +5704,7 @@
             <a:r>
               <a:rPr lang="en-US" altLang="zh-CN" sz="2000" b="1" dirty="0">
                 <a:solidFill>
-                  <a:schemeClr val="folHlink"/>
+                  <a:srgbClr val="0432FF"/>
                 </a:solidFill>
                 <a:latin typeface="Courier New" panose="02070309020205020404" pitchFamily="49" charset="0"/>
               </a:rPr>
@@ -5705,7 +5714,7 @@
           <a:p>
             <a:endParaRPr lang="en-US" altLang="zh-CN" sz="2000" b="1" dirty="0">
               <a:solidFill>
-                <a:schemeClr val="folHlink"/>
+                <a:srgbClr val="0432FF"/>
               </a:solidFill>
               <a:latin typeface="Courier New" panose="02070309020205020404" pitchFamily="49" charset="0"/>
             </a:endParaRPr>
@@ -5714,7 +5723,7 @@
             <a:r>
               <a:rPr lang="en-US" altLang="zh-CN" sz="2000" b="1" dirty="0">
                 <a:solidFill>
-                  <a:schemeClr val="folHlink"/>
+                  <a:srgbClr val="0432FF"/>
                 </a:solidFill>
                 <a:latin typeface="Courier New" panose="02070309020205020404" pitchFamily="49" charset="0"/>
               </a:rPr>
@@ -5725,7 +5734,7 @@
             <a:r>
               <a:rPr lang="en-US" altLang="zh-CN" sz="2000" b="1" dirty="0">
                 <a:solidFill>
-                  <a:schemeClr val="folHlink"/>
+                  <a:srgbClr val="0432FF"/>
                 </a:solidFill>
                 <a:latin typeface="Courier New" panose="02070309020205020404" pitchFamily="49" charset="0"/>
               </a:rPr>
@@ -5734,7 +5743,7 @@
             <a:r>
               <a:rPr lang="en-US" altLang="zh-CN" sz="2000" b="1" dirty="0" err="1">
                 <a:solidFill>
-                  <a:schemeClr val="folHlink"/>
+                  <a:srgbClr val="0432FF"/>
                 </a:solidFill>
                 <a:latin typeface="Courier New" panose="02070309020205020404" pitchFamily="49" charset="0"/>
               </a:rPr>
@@ -5743,7 +5752,7 @@
             <a:r>
               <a:rPr lang="en-US" altLang="zh-CN" sz="2000" b="1" dirty="0">
                 <a:solidFill>
-                  <a:schemeClr val="folHlink"/>
+                  <a:srgbClr val="0432FF"/>
                 </a:solidFill>
                 <a:latin typeface="Courier New" panose="02070309020205020404" pitchFamily="49" charset="0"/>
               </a:rPr>
@@ -5754,7 +5763,7 @@
             <a:r>
               <a:rPr lang="en-US" altLang="zh-CN" sz="2000" b="1" dirty="0">
                 <a:solidFill>
-                  <a:schemeClr val="folHlink"/>
+                  <a:srgbClr val="0432FF"/>
                 </a:solidFill>
                 <a:latin typeface="Courier New" panose="02070309020205020404" pitchFamily="49" charset="0"/>
               </a:rPr>
@@ -5764,7 +5773,7 @@
           <a:p>
             <a:endParaRPr lang="en-US" altLang="zh-CN" sz="2000" b="1" dirty="0">
               <a:solidFill>
-                <a:schemeClr val="folHlink"/>
+                <a:srgbClr val="0432FF"/>
               </a:solidFill>
               <a:latin typeface="Courier New" panose="02070309020205020404" pitchFamily="49" charset="0"/>
             </a:endParaRPr>
@@ -5773,7 +5782,7 @@
             <a:r>
               <a:rPr lang="en-US" altLang="zh-CN" sz="2000" b="1" dirty="0">
                 <a:solidFill>
-                  <a:schemeClr val="folHlink"/>
+                  <a:srgbClr val="0432FF"/>
                 </a:solidFill>
                 <a:latin typeface="Courier New" panose="02070309020205020404" pitchFamily="49" charset="0"/>
               </a:rPr>
@@ -5784,7 +5793,7 @@
             <a:r>
               <a:rPr lang="en-US" altLang="zh-CN" sz="2000" b="1" dirty="0">
                 <a:solidFill>
-                  <a:schemeClr val="folHlink"/>
+                  <a:srgbClr val="0432FF"/>
                 </a:solidFill>
                 <a:latin typeface="Courier New" panose="02070309020205020404" pitchFamily="49" charset="0"/>
               </a:rPr>
@@ -5793,7 +5802,7 @@
             <a:r>
               <a:rPr lang="en-US" altLang="zh-CN" sz="2000" b="1" dirty="0" err="1">
                 <a:solidFill>
-                  <a:schemeClr val="folHlink"/>
+                  <a:srgbClr val="0432FF"/>
                 </a:solidFill>
                 <a:latin typeface="Courier New" panose="02070309020205020404" pitchFamily="49" charset="0"/>
               </a:rPr>
@@ -5802,7 +5811,7 @@
             <a:r>
               <a:rPr lang="en-US" altLang="zh-CN" sz="2000" b="1" dirty="0">
                 <a:solidFill>
-                  <a:schemeClr val="folHlink"/>
+                  <a:srgbClr val="0432FF"/>
                 </a:solidFill>
                 <a:latin typeface="Courier New" panose="02070309020205020404" pitchFamily="49" charset="0"/>
               </a:rPr>
@@ -5813,7 +5822,7 @@
             <a:r>
               <a:rPr lang="en-US" altLang="zh-CN" sz="2000" b="1" dirty="0">
                 <a:solidFill>
-                  <a:schemeClr val="folHlink"/>
+                  <a:srgbClr val="0432FF"/>
                 </a:solidFill>
                 <a:latin typeface="Courier New" panose="02070309020205020404" pitchFamily="49" charset="0"/>
               </a:rPr>
@@ -5823,7 +5832,7 @@
           <a:p>
             <a:endParaRPr lang="en-US" altLang="zh-CN" sz="2000" b="1" dirty="0">
               <a:solidFill>
-                <a:schemeClr val="folHlink"/>
+                <a:srgbClr val="0432FF"/>
               </a:solidFill>
               <a:latin typeface="Courier New" panose="02070309020205020404" pitchFamily="49" charset="0"/>
             </a:endParaRPr>
@@ -5832,7 +5841,7 @@
             <a:r>
               <a:rPr lang="en-US" altLang="zh-CN" sz="2000" b="1" dirty="0">
                 <a:solidFill>
-                  <a:schemeClr val="folHlink"/>
+                  <a:srgbClr val="0432FF"/>
                 </a:solidFill>
                 <a:latin typeface="Courier New" panose="02070309020205020404" pitchFamily="49" charset="0"/>
               </a:rPr>
@@ -9555,22 +9564,31 @@
           <a:lstStyle/>
           <a:p>
             <a:r>
-              <a:rPr lang="en-US" altLang="zh-CN" sz="2000" b="1">
-                <a:latin typeface="Courier New" panose="02070309020205020404" pitchFamily="49" charset="0"/>
-              </a:rPr>
-              <a:t>// area.h</a:t>
-            </a:r>
-          </a:p>
-          <a:p>
-            <a:endParaRPr lang="en-US" altLang="zh-CN" sz="2000" b="1">
+              <a:rPr lang="en-US" altLang="zh-CN" sz="2000" b="1" dirty="0">
+                <a:latin typeface="Courier New" panose="02070309020205020404" pitchFamily="49" charset="0"/>
+              </a:rPr>
+              <a:t>// </a:t>
+            </a:r>
+            <a:r>
+              <a:rPr lang="en-US" altLang="zh-CN" sz="2000" b="1" dirty="0" err="1">
+                <a:latin typeface="Courier New" panose="02070309020205020404" pitchFamily="49" charset="0"/>
+              </a:rPr>
+              <a:t>area.h</a:t>
+            </a:r>
+            <a:endParaRPr lang="en-US" altLang="zh-CN" sz="2000" b="1" dirty="0">
               <a:latin typeface="Courier New" panose="02070309020205020404" pitchFamily="49" charset="0"/>
             </a:endParaRPr>
           </a:p>
           <a:p>
-            <a:r>
-              <a:rPr lang="en-US" altLang="zh-CN" sz="2000" b="1">
-                <a:solidFill>
-                  <a:schemeClr val="folHlink"/>
+            <a:endParaRPr lang="en-US" altLang="zh-CN" sz="2000" b="1" dirty="0">
+              <a:latin typeface="Courier New" panose="02070309020205020404" pitchFamily="49" charset="0"/>
+            </a:endParaRPr>
+          </a:p>
+          <a:p>
+            <a:r>
+              <a:rPr lang="en-US" altLang="zh-CN" sz="2000" b="1" dirty="0">
+                <a:solidFill>
+                  <a:srgbClr val="0432FF"/>
                 </a:solidFill>
                 <a:latin typeface="Courier New" panose="02070309020205020404" pitchFamily="49" charset="0"/>
               </a:rPr>
@@ -9624,36 +9642,63 @@
           <a:lstStyle/>
           <a:p>
             <a:r>
-              <a:rPr lang="en-US" altLang="zh-CN" sz="2000" b="1">
-                <a:latin typeface="Courier New" panose="02070309020205020404" pitchFamily="49" charset="0"/>
-              </a:rPr>
-              <a:t>// area.c</a:t>
-            </a:r>
-          </a:p>
-          <a:p>
-            <a:r>
-              <a:rPr lang="en-US" altLang="zh-CN" sz="2000" b="1">
-                <a:solidFill>
-                  <a:schemeClr val="folHlink"/>
-                </a:solidFill>
-                <a:latin typeface="Courier New" panose="02070309020205020404" pitchFamily="49" charset="0"/>
-              </a:rPr>
-              <a:t>#include “area.h”</a:t>
-            </a:r>
-          </a:p>
-          <a:p>
-            <a:endParaRPr lang="en-US" altLang="zh-CN" sz="2000" b="1">
+              <a:rPr lang="en-US" altLang="zh-CN" sz="2000" b="1" dirty="0">
+                <a:latin typeface="Courier New" panose="02070309020205020404" pitchFamily="49" charset="0"/>
+              </a:rPr>
+              <a:t>// </a:t>
+            </a:r>
+            <a:r>
+              <a:rPr lang="en-US" altLang="zh-CN" sz="2000" b="1" dirty="0" err="1">
+                <a:latin typeface="Courier New" panose="02070309020205020404" pitchFamily="49" charset="0"/>
+              </a:rPr>
+              <a:t>area.c</a:t>
+            </a:r>
+            <a:endParaRPr lang="en-US" altLang="zh-CN" sz="2000" b="1" dirty="0">
+              <a:latin typeface="Courier New" panose="02070309020205020404" pitchFamily="49" charset="0"/>
+            </a:endParaRPr>
+          </a:p>
+          <a:p>
+            <a:r>
+              <a:rPr lang="en-US" altLang="zh-CN" sz="2000" b="1" dirty="0">
+                <a:solidFill>
+                  <a:srgbClr val="0432FF"/>
+                </a:solidFill>
+                <a:latin typeface="Courier New" panose="02070309020205020404" pitchFamily="49" charset="0"/>
+              </a:rPr>
+              <a:t>#include “</a:t>
+            </a:r>
+            <a:r>
+              <a:rPr lang="en-US" altLang="zh-CN" sz="2000" b="1" dirty="0" err="1">
+                <a:solidFill>
+                  <a:srgbClr val="0432FF"/>
+                </a:solidFill>
+                <a:latin typeface="Courier New" panose="02070309020205020404" pitchFamily="49" charset="0"/>
+              </a:rPr>
+              <a:t>area.h</a:t>
+            </a:r>
+            <a:r>
+              <a:rPr lang="en-US" altLang="zh-CN" sz="2000" b="1" dirty="0">
+                <a:solidFill>
+                  <a:srgbClr val="0432FF"/>
+                </a:solidFill>
+                <a:latin typeface="Courier New" panose="02070309020205020404" pitchFamily="49" charset="0"/>
+              </a:rPr>
+              <a:t>”</a:t>
+            </a:r>
+          </a:p>
+          <a:p>
+            <a:endParaRPr lang="en-US" altLang="zh-CN" sz="2000" b="1" dirty="0">
               <a:solidFill>
-                <a:schemeClr val="folHlink"/>
+                <a:srgbClr val="0432FF"/>
               </a:solidFill>
               <a:latin typeface="Courier New" panose="02070309020205020404" pitchFamily="49" charset="0"/>
             </a:endParaRPr>
           </a:p>
           <a:p>
             <a:r>
-              <a:rPr lang="en-US" altLang="zh-CN" sz="2000" b="1">
-                <a:solidFill>
-                  <a:schemeClr val="folHlink"/>
+              <a:rPr lang="en-US" altLang="zh-CN" sz="2000" b="1" dirty="0">
+                <a:solidFill>
+                  <a:srgbClr val="0432FF"/>
                 </a:solidFill>
                 <a:latin typeface="Courier New" panose="02070309020205020404" pitchFamily="49" charset="0"/>
               </a:rPr>
@@ -9662,9 +9707,9 @@
           </a:p>
           <a:p>
             <a:r>
-              <a:rPr lang="en-US" altLang="zh-CN" sz="2000" b="1">
-                <a:solidFill>
-                  <a:schemeClr val="folHlink"/>
+              <a:rPr lang="en-US" altLang="zh-CN" sz="2000" b="1" dirty="0">
+                <a:solidFill>
+                  <a:srgbClr val="0432FF"/>
                 </a:solidFill>
                 <a:latin typeface="Courier New" panose="02070309020205020404" pitchFamily="49" charset="0"/>
               </a:rPr>
@@ -9673,9 +9718,9 @@
           </a:p>
           <a:p>
             <a:r>
-              <a:rPr lang="en-US" altLang="zh-CN" sz="2000" b="1">
-                <a:solidFill>
-                  <a:schemeClr val="folHlink"/>
+              <a:rPr lang="en-US" altLang="zh-CN" sz="2000" b="1" dirty="0">
+                <a:solidFill>
+                  <a:srgbClr val="0432FF"/>
                 </a:solidFill>
                 <a:latin typeface="Courier New" panose="02070309020205020404" pitchFamily="49" charset="0"/>
               </a:rPr>
@@ -9684,9 +9729,9 @@
           </a:p>
           <a:p>
             <a:r>
-              <a:rPr lang="en-US" altLang="zh-CN" sz="2000" b="1">
-                <a:solidFill>
-                  <a:schemeClr val="folHlink"/>
+              <a:rPr lang="en-US" altLang="zh-CN" sz="2000" b="1" dirty="0">
+                <a:solidFill>
+                  <a:srgbClr val="0432FF"/>
                 </a:solidFill>
                 <a:latin typeface="Courier New" panose="02070309020205020404" pitchFamily="49" charset="0"/>
               </a:rPr>
@@ -9695,9 +9740,9 @@
           </a:p>
           <a:p>
             <a:r>
-              <a:rPr lang="en-US" altLang="zh-CN" sz="2000" b="1">
-                <a:solidFill>
-                  <a:schemeClr val="folHlink"/>
+              <a:rPr lang="en-US" altLang="zh-CN" sz="2000" b="1" dirty="0">
+                <a:solidFill>
+                  <a:srgbClr val="0432FF"/>
                 </a:solidFill>
                 <a:latin typeface="Courier New" panose="02070309020205020404" pitchFamily="49" charset="0"/>
               </a:rPr>
@@ -9706,9 +9751,9 @@
           </a:p>
           <a:p>
             <a:r>
-              <a:rPr lang="en-US" altLang="zh-CN" sz="2000" b="1">
-                <a:solidFill>
-                  <a:schemeClr val="folHlink"/>
+              <a:rPr lang="en-US" altLang="zh-CN" sz="2000" b="1" dirty="0">
+                <a:solidFill>
+                  <a:srgbClr val="0432FF"/>
                 </a:solidFill>
                 <a:latin typeface="Courier New" panose="02070309020205020404" pitchFamily="49" charset="0"/>
               </a:rPr>
@@ -9781,7 +9826,7 @@
             <a:r>
               <a:rPr lang="en-US" altLang="zh-CN" sz="2000" b="1" dirty="0">
                 <a:solidFill>
-                  <a:schemeClr val="folHlink"/>
+                  <a:srgbClr val="0432FF"/>
                 </a:solidFill>
                 <a:latin typeface="Courier New" panose="02070309020205020404" pitchFamily="49" charset="0"/>
               </a:rPr>
@@ -9790,7 +9835,7 @@
             <a:r>
               <a:rPr lang="en-US" altLang="zh-CN" sz="2000" b="1" dirty="0" err="1">
                 <a:solidFill>
-                  <a:schemeClr val="folHlink"/>
+                  <a:srgbClr val="0432FF"/>
                 </a:solidFill>
                 <a:latin typeface="Courier New" panose="02070309020205020404" pitchFamily="49" charset="0"/>
               </a:rPr>
@@ -9799,7 +9844,7 @@
             <a:r>
               <a:rPr lang="en-US" altLang="zh-CN" sz="2000" b="1" dirty="0">
                 <a:solidFill>
-                  <a:schemeClr val="folHlink"/>
+                  <a:srgbClr val="0432FF"/>
                 </a:solidFill>
                 <a:latin typeface="Courier New" panose="02070309020205020404" pitchFamily="49" charset="0"/>
               </a:rPr>
@@ -9809,7 +9854,7 @@
           <a:p>
             <a:endParaRPr lang="en-US" altLang="zh-CN" sz="2000" b="1" dirty="0">
               <a:solidFill>
-                <a:schemeClr val="folHlink"/>
+                <a:srgbClr val="0432FF"/>
               </a:solidFill>
               <a:latin typeface="Courier New" panose="02070309020205020404" pitchFamily="49" charset="0"/>
             </a:endParaRPr>
@@ -9818,7 +9863,7 @@
             <a:r>
               <a:rPr lang="en-US" altLang="zh-CN" sz="2000" b="1" dirty="0">
                 <a:solidFill>
-                  <a:schemeClr val="folHlink"/>
+                  <a:srgbClr val="0432FF"/>
                 </a:solidFill>
                 <a:latin typeface="Courier New" panose="02070309020205020404" pitchFamily="49" charset="0"/>
               </a:rPr>
@@ -9829,7 +9874,7 @@
             <a:r>
               <a:rPr lang="en-US" altLang="zh-CN" sz="2000" b="1" dirty="0">
                 <a:solidFill>
-                  <a:schemeClr val="folHlink"/>
+                  <a:srgbClr val="0432FF"/>
                 </a:solidFill>
                 <a:latin typeface="Courier New" panose="02070309020205020404" pitchFamily="49" charset="0"/>
               </a:rPr>
@@ -9838,9 +9883,9 @@
           </a:p>
           <a:p>
             <a:r>
-              <a:rPr lang="en-US" altLang="zh-CN" sz="2000" b="1">
-                <a:solidFill>
-                  <a:schemeClr val="folHlink"/>
+              <a:rPr lang="en-US" altLang="zh-CN" sz="2000" b="1" dirty="0">
+                <a:solidFill>
+                  <a:srgbClr val="0432FF"/>
                 </a:solidFill>
                 <a:latin typeface="Courier New" panose="02070309020205020404" pitchFamily="49" charset="0"/>
               </a:rPr>
@@ -9851,7 +9896,7 @@
             <a:r>
               <a:rPr lang="en-US" altLang="zh-CN" sz="2000" b="1" dirty="0">
                 <a:solidFill>
-                  <a:schemeClr val="folHlink"/>
+                  <a:srgbClr val="0432FF"/>
                 </a:solidFill>
                 <a:latin typeface="Courier New" panose="02070309020205020404" pitchFamily="49" charset="0"/>
               </a:rPr>
@@ -9862,7 +9907,7 @@
             <a:r>
               <a:rPr lang="en-US" altLang="zh-CN" sz="2000" b="1" dirty="0">
                 <a:solidFill>
-                  <a:schemeClr val="folHlink"/>
+                  <a:srgbClr val="0432FF"/>
                 </a:solidFill>
                 <a:latin typeface="Courier New" panose="02070309020205020404" pitchFamily="49" charset="0"/>
               </a:rPr>
@@ -10389,22 +10434,31 @@
           <a:lstStyle/>
           <a:p>
             <a:r>
-              <a:rPr lang="en-US" altLang="zh-CN" sz="2000" b="1">
-                <a:latin typeface="Courier New" panose="02070309020205020404" pitchFamily="49" charset="0"/>
-              </a:rPr>
-              <a:t>// area.h</a:t>
-            </a:r>
-          </a:p>
-          <a:p>
-            <a:endParaRPr lang="en-US" altLang="zh-CN" sz="2000" b="1">
+              <a:rPr lang="en-US" altLang="zh-CN" sz="2000" b="1" dirty="0">
+                <a:latin typeface="Courier New" panose="02070309020205020404" pitchFamily="49" charset="0"/>
+              </a:rPr>
+              <a:t>// </a:t>
+            </a:r>
+            <a:r>
+              <a:rPr lang="en-US" altLang="zh-CN" sz="2000" b="1" dirty="0" err="1">
+                <a:latin typeface="Courier New" panose="02070309020205020404" pitchFamily="49" charset="0"/>
+              </a:rPr>
+              <a:t>area.h</a:t>
+            </a:r>
+            <a:endParaRPr lang="en-US" altLang="zh-CN" sz="2000" b="1" dirty="0">
               <a:latin typeface="Courier New" panose="02070309020205020404" pitchFamily="49" charset="0"/>
             </a:endParaRPr>
           </a:p>
           <a:p>
-            <a:r>
-              <a:rPr lang="en-US" altLang="zh-CN" sz="2000" b="1">
-                <a:solidFill>
-                  <a:schemeClr val="folHlink"/>
+            <a:endParaRPr lang="en-US" altLang="zh-CN" sz="2000" b="1" dirty="0">
+              <a:latin typeface="Courier New" panose="02070309020205020404" pitchFamily="49" charset="0"/>
+            </a:endParaRPr>
+          </a:p>
+          <a:p>
+            <a:r>
+              <a:rPr lang="en-US" altLang="zh-CN" sz="2000" b="1" dirty="0">
+                <a:solidFill>
+                  <a:srgbClr val="0432FF"/>
                 </a:solidFill>
                 <a:latin typeface="Courier New" panose="02070309020205020404" pitchFamily="49" charset="0"/>
               </a:rPr>
@@ -10458,36 +10512,63 @@
           <a:lstStyle/>
           <a:p>
             <a:r>
-              <a:rPr lang="en-US" altLang="zh-CN" sz="2000" b="1">
-                <a:latin typeface="Courier New" panose="02070309020205020404" pitchFamily="49" charset="0"/>
-              </a:rPr>
-              <a:t>// area.c</a:t>
-            </a:r>
-          </a:p>
-          <a:p>
-            <a:r>
-              <a:rPr lang="en-US" altLang="zh-CN" sz="2000" b="1">
-                <a:solidFill>
-                  <a:schemeClr val="folHlink"/>
-                </a:solidFill>
-                <a:latin typeface="Courier New" panose="02070309020205020404" pitchFamily="49" charset="0"/>
-              </a:rPr>
-              <a:t>#include “area.h”</a:t>
-            </a:r>
-          </a:p>
-          <a:p>
-            <a:endParaRPr lang="en-US" altLang="zh-CN" sz="2000" b="1">
+              <a:rPr lang="en-US" altLang="zh-CN" sz="2000" b="1" dirty="0">
+                <a:latin typeface="Courier New" panose="02070309020205020404" pitchFamily="49" charset="0"/>
+              </a:rPr>
+              <a:t>// </a:t>
+            </a:r>
+            <a:r>
+              <a:rPr lang="en-US" altLang="zh-CN" sz="2000" b="1" dirty="0" err="1">
+                <a:latin typeface="Courier New" panose="02070309020205020404" pitchFamily="49" charset="0"/>
+              </a:rPr>
+              <a:t>area.c</a:t>
+            </a:r>
+            <a:endParaRPr lang="en-US" altLang="zh-CN" sz="2000" b="1" dirty="0">
+              <a:latin typeface="Courier New" panose="02070309020205020404" pitchFamily="49" charset="0"/>
+            </a:endParaRPr>
+          </a:p>
+          <a:p>
+            <a:r>
+              <a:rPr lang="en-US" altLang="zh-CN" sz="2000" b="1" dirty="0">
+                <a:solidFill>
+                  <a:srgbClr val="0432FF"/>
+                </a:solidFill>
+                <a:latin typeface="Courier New" panose="02070309020205020404" pitchFamily="49" charset="0"/>
+              </a:rPr>
+              <a:t>#include “</a:t>
+            </a:r>
+            <a:r>
+              <a:rPr lang="en-US" altLang="zh-CN" sz="2000" b="1" dirty="0" err="1">
+                <a:solidFill>
+                  <a:srgbClr val="0432FF"/>
+                </a:solidFill>
+                <a:latin typeface="Courier New" panose="02070309020205020404" pitchFamily="49" charset="0"/>
+              </a:rPr>
+              <a:t>area.h</a:t>
+            </a:r>
+            <a:r>
+              <a:rPr lang="en-US" altLang="zh-CN" sz="2000" b="1" dirty="0">
+                <a:solidFill>
+                  <a:srgbClr val="0432FF"/>
+                </a:solidFill>
+                <a:latin typeface="Courier New" panose="02070309020205020404" pitchFamily="49" charset="0"/>
+              </a:rPr>
+              <a:t>”</a:t>
+            </a:r>
+          </a:p>
+          <a:p>
+            <a:endParaRPr lang="en-US" altLang="zh-CN" sz="2000" b="1" dirty="0">
               <a:solidFill>
-                <a:schemeClr val="folHlink"/>
+                <a:srgbClr val="0432FF"/>
               </a:solidFill>
               <a:latin typeface="Courier New" panose="02070309020205020404" pitchFamily="49" charset="0"/>
             </a:endParaRPr>
           </a:p>
           <a:p>
             <a:r>
-              <a:rPr lang="en-US" altLang="zh-CN" sz="2000" b="1">
-                <a:solidFill>
-                  <a:schemeClr val="folHlink"/>
+              <a:rPr lang="en-US" altLang="zh-CN" sz="2000" b="1" dirty="0">
+                <a:solidFill>
+                  <a:srgbClr val="0432FF"/>
                 </a:solidFill>
                 <a:latin typeface="Courier New" panose="02070309020205020404" pitchFamily="49" charset="0"/>
               </a:rPr>
@@ -10496,9 +10577,9 @@
           </a:p>
           <a:p>
             <a:r>
-              <a:rPr lang="en-US" altLang="zh-CN" sz="2000" b="1">
-                <a:solidFill>
-                  <a:schemeClr val="folHlink"/>
+              <a:rPr lang="en-US" altLang="zh-CN" sz="2000" b="1" dirty="0">
+                <a:solidFill>
+                  <a:srgbClr val="0432FF"/>
                 </a:solidFill>
                 <a:latin typeface="Courier New" panose="02070309020205020404" pitchFamily="49" charset="0"/>
               </a:rPr>
@@ -10507,9 +10588,9 @@
           </a:p>
           <a:p>
             <a:r>
-              <a:rPr lang="en-US" altLang="zh-CN" sz="2000" b="1">
-                <a:solidFill>
-                  <a:schemeClr val="folHlink"/>
+              <a:rPr lang="en-US" altLang="zh-CN" sz="2000" b="1" dirty="0">
+                <a:solidFill>
+                  <a:srgbClr val="0432FF"/>
                 </a:solidFill>
                 <a:latin typeface="Courier New" panose="02070309020205020404" pitchFamily="49" charset="0"/>
               </a:rPr>
@@ -10518,9 +10599,9 @@
           </a:p>
           <a:p>
             <a:r>
-              <a:rPr lang="en-US" altLang="zh-CN" sz="2000" b="1">
-                <a:solidFill>
-                  <a:schemeClr val="folHlink"/>
+              <a:rPr lang="en-US" altLang="zh-CN" sz="2000" b="1" dirty="0">
+                <a:solidFill>
+                  <a:srgbClr val="0432FF"/>
                 </a:solidFill>
                 <a:latin typeface="Courier New" panose="02070309020205020404" pitchFamily="49" charset="0"/>
               </a:rPr>
@@ -10529,9 +10610,9 @@
           </a:p>
           <a:p>
             <a:r>
-              <a:rPr lang="en-US" altLang="zh-CN" sz="2000" b="1">
-                <a:solidFill>
-                  <a:schemeClr val="folHlink"/>
+              <a:rPr lang="en-US" altLang="zh-CN" sz="2000" b="1" dirty="0">
+                <a:solidFill>
+                  <a:srgbClr val="0432FF"/>
                 </a:solidFill>
                 <a:latin typeface="Courier New" panose="02070309020205020404" pitchFamily="49" charset="0"/>
               </a:rPr>
@@ -10540,9 +10621,9 @@
           </a:p>
           <a:p>
             <a:r>
-              <a:rPr lang="en-US" altLang="zh-CN" sz="2000" b="1">
-                <a:solidFill>
-                  <a:schemeClr val="folHlink"/>
+              <a:rPr lang="en-US" altLang="zh-CN" sz="2000" b="1" dirty="0">
+                <a:solidFill>
+                  <a:srgbClr val="0432FF"/>
                 </a:solidFill>
                 <a:latin typeface="Courier New" panose="02070309020205020404" pitchFamily="49" charset="0"/>
               </a:rPr>
@@ -10596,36 +10677,63 @@
           <a:lstStyle/>
           <a:p>
             <a:r>
-              <a:rPr lang="en-US" altLang="zh-CN" sz="2000" b="1">
-                <a:latin typeface="Courier New" panose="02070309020205020404" pitchFamily="49" charset="0"/>
-              </a:rPr>
-              <a:t>// main.c</a:t>
-            </a:r>
-          </a:p>
-          <a:p>
-            <a:r>
-              <a:rPr lang="en-US" altLang="zh-CN" sz="2000" b="1">
-                <a:solidFill>
-                  <a:schemeClr val="folHlink"/>
-                </a:solidFill>
-                <a:latin typeface="Courier New" panose="02070309020205020404" pitchFamily="49" charset="0"/>
-              </a:rPr>
-              <a:t>#include “area.h”</a:t>
-            </a:r>
-          </a:p>
-          <a:p>
-            <a:endParaRPr lang="en-US" altLang="zh-CN" sz="2000" b="1">
+              <a:rPr lang="en-US" altLang="zh-CN" sz="2000" b="1" dirty="0">
+                <a:latin typeface="Courier New" panose="02070309020205020404" pitchFamily="49" charset="0"/>
+              </a:rPr>
+              <a:t>// </a:t>
+            </a:r>
+            <a:r>
+              <a:rPr lang="en-US" altLang="zh-CN" sz="2000" b="1" dirty="0" err="1">
+                <a:latin typeface="Courier New" panose="02070309020205020404" pitchFamily="49" charset="0"/>
+              </a:rPr>
+              <a:t>main.c</a:t>
+            </a:r>
+            <a:endParaRPr lang="en-US" altLang="zh-CN" sz="2000" b="1" dirty="0">
+              <a:latin typeface="Courier New" panose="02070309020205020404" pitchFamily="49" charset="0"/>
+            </a:endParaRPr>
+          </a:p>
+          <a:p>
+            <a:r>
+              <a:rPr lang="en-US" altLang="zh-CN" sz="2000" b="1" dirty="0">
+                <a:solidFill>
+                  <a:srgbClr val="0432FF"/>
+                </a:solidFill>
+                <a:latin typeface="Courier New" panose="02070309020205020404" pitchFamily="49" charset="0"/>
+              </a:rPr>
+              <a:t>#include “</a:t>
+            </a:r>
+            <a:r>
+              <a:rPr lang="en-US" altLang="zh-CN" sz="2000" b="1" dirty="0" err="1">
+                <a:solidFill>
+                  <a:srgbClr val="0432FF"/>
+                </a:solidFill>
+                <a:latin typeface="Courier New" panose="02070309020205020404" pitchFamily="49" charset="0"/>
+              </a:rPr>
+              <a:t>area.h</a:t>
+            </a:r>
+            <a:r>
+              <a:rPr lang="en-US" altLang="zh-CN" sz="2000" b="1" dirty="0">
+                <a:solidFill>
+                  <a:srgbClr val="0432FF"/>
+                </a:solidFill>
+                <a:latin typeface="Courier New" panose="02070309020205020404" pitchFamily="49" charset="0"/>
+              </a:rPr>
+              <a:t>”</a:t>
+            </a:r>
+          </a:p>
+          <a:p>
+            <a:endParaRPr lang="en-US" altLang="zh-CN" sz="2000" b="1" dirty="0">
               <a:solidFill>
-                <a:schemeClr val="folHlink"/>
+                <a:srgbClr val="0432FF"/>
               </a:solidFill>
               <a:latin typeface="Courier New" panose="02070309020205020404" pitchFamily="49" charset="0"/>
             </a:endParaRPr>
           </a:p>
           <a:p>
             <a:r>
-              <a:rPr lang="en-US" altLang="zh-CN" sz="2000" b="1">
-                <a:solidFill>
-                  <a:schemeClr val="folHlink"/>
+              <a:rPr lang="en-US" altLang="zh-CN" sz="2000" b="1" dirty="0">
+                <a:solidFill>
+                  <a:srgbClr val="0432FF"/>
                 </a:solidFill>
                 <a:latin typeface="Courier New" panose="02070309020205020404" pitchFamily="49" charset="0"/>
               </a:rPr>
@@ -10634,9 +10742,9 @@
           </a:p>
           <a:p>
             <a:r>
-              <a:rPr lang="en-US" altLang="zh-CN" sz="2000" b="1">
-                <a:solidFill>
-                  <a:schemeClr val="folHlink"/>
+              <a:rPr lang="en-US" altLang="zh-CN" sz="2000" b="1" dirty="0">
+                <a:solidFill>
+                  <a:srgbClr val="0432FF"/>
                 </a:solidFill>
                 <a:latin typeface="Courier New" panose="02070309020205020404" pitchFamily="49" charset="0"/>
               </a:rPr>
@@ -10645,20 +10753,20 @@
           </a:p>
           <a:p>
             <a:r>
-              <a:rPr lang="en-US" altLang="zh-CN" sz="2000" b="1">
-                <a:solidFill>
-                  <a:schemeClr val="folHlink"/>
-                </a:solidFill>
-                <a:latin typeface="Courier New" panose="02070309020205020404" pitchFamily="49" charset="0"/>
-              </a:rPr>
-              <a:t>  f = area (5);</a:t>
-            </a:r>
-          </a:p>
-          <a:p>
-            <a:r>
-              <a:rPr lang="en-US" altLang="zh-CN" sz="2000" b="1">
-                <a:solidFill>
-                  <a:schemeClr val="folHlink"/>
+              <a:rPr lang="en-US" altLang="zh-CN" sz="2000" b="1" dirty="0">
+                <a:solidFill>
+                  <a:srgbClr val="0432FF"/>
+                </a:solidFill>
+                <a:latin typeface="Courier New" panose="02070309020205020404" pitchFamily="49" charset="0"/>
+              </a:rPr>
+              <a:t>  f = area(5);</a:t>
+            </a:r>
+          </a:p>
+          <a:p>
+            <a:r>
+              <a:rPr lang="en-US" altLang="zh-CN" sz="2000" b="1" dirty="0">
+                <a:solidFill>
+                  <a:srgbClr val="0432FF"/>
                 </a:solidFill>
                 <a:latin typeface="Courier New" panose="02070309020205020404" pitchFamily="49" charset="0"/>
               </a:rPr>
@@ -10667,9 +10775,9 @@
           </a:p>
           <a:p>
             <a:r>
-              <a:rPr lang="en-US" altLang="zh-CN" sz="2000" b="1">
-                <a:solidFill>
-                  <a:schemeClr val="folHlink"/>
+              <a:rPr lang="en-US" altLang="zh-CN" sz="2000" b="1" dirty="0">
+                <a:solidFill>
+                  <a:srgbClr val="0432FF"/>
                 </a:solidFill>
                 <a:latin typeface="Courier New" panose="02070309020205020404" pitchFamily="49" charset="0"/>
               </a:rPr>
@@ -10896,28 +11004,55 @@
           <a:lstStyle/>
           <a:p>
             <a:r>
-              <a:rPr lang="en-US" altLang="zh-CN" sz="2000" b="1">
-                <a:latin typeface="Courier New" panose="02070309020205020404" pitchFamily="49" charset="0"/>
-              </a:rPr>
-              <a:t>// area.h</a:t>
-            </a:r>
-          </a:p>
-          <a:p>
-            <a:r>
-              <a:rPr lang="en-US" altLang="zh-CN" sz="2000" b="1">
-                <a:solidFill>
-                  <a:schemeClr val="folHlink"/>
-                </a:solidFill>
-                <a:latin typeface="Courier New" panose="02070309020205020404" pitchFamily="49" charset="0"/>
-              </a:rPr>
-              <a:t>#ifndef AREA_H</a:t>
-            </a:r>
-          </a:p>
-          <a:p>
-            <a:r>
-              <a:rPr lang="en-US" altLang="zh-CN" sz="2000" b="1">
-                <a:solidFill>
-                  <a:schemeClr val="folHlink"/>
+              <a:rPr lang="en-US" altLang="zh-CN" sz="2000" b="1" dirty="0">
+                <a:latin typeface="Courier New" panose="02070309020205020404" pitchFamily="49" charset="0"/>
+              </a:rPr>
+              <a:t>// </a:t>
+            </a:r>
+            <a:r>
+              <a:rPr lang="en-US" altLang="zh-CN" sz="2000" b="1" dirty="0" err="1">
+                <a:latin typeface="Courier New" panose="02070309020205020404" pitchFamily="49" charset="0"/>
+              </a:rPr>
+              <a:t>area.h</a:t>
+            </a:r>
+            <a:endParaRPr lang="en-US" altLang="zh-CN" sz="2000" b="1" dirty="0">
+              <a:latin typeface="Courier New" panose="02070309020205020404" pitchFamily="49" charset="0"/>
+            </a:endParaRPr>
+          </a:p>
+          <a:p>
+            <a:r>
+              <a:rPr lang="en-US" altLang="zh-CN" sz="2000" b="1" dirty="0">
+                <a:solidFill>
+                  <a:srgbClr val="0432FF"/>
+                </a:solidFill>
+                <a:latin typeface="Courier New" panose="02070309020205020404" pitchFamily="49" charset="0"/>
+              </a:rPr>
+              <a:t>#</a:t>
+            </a:r>
+            <a:r>
+              <a:rPr lang="en-US" altLang="zh-CN" sz="2000" b="1" dirty="0" err="1">
+                <a:solidFill>
+                  <a:srgbClr val="0432FF"/>
+                </a:solidFill>
+                <a:latin typeface="Courier New" panose="02070309020205020404" pitchFamily="49" charset="0"/>
+              </a:rPr>
+              <a:t>ifndef</a:t>
+            </a:r>
+            <a:r>
+              <a:rPr lang="en-US" altLang="zh-CN" sz="2000" b="1" dirty="0">
+                <a:solidFill>
+                  <a:srgbClr val="0432FF"/>
+                </a:solidFill>
+                <a:latin typeface="Courier New" panose="02070309020205020404" pitchFamily="49" charset="0"/>
+              </a:rPr>
+              <a:t> AREA_H</a:t>
+            </a:r>
+          </a:p>
+          <a:p>
+            <a:r>
+              <a:rPr lang="en-US" altLang="zh-CN" sz="2000" b="1" dirty="0">
+                <a:solidFill>
+                  <a:srgbClr val="0432FF"/>
                 </a:solidFill>
                 <a:latin typeface="Courier New" panose="02070309020205020404" pitchFamily="49" charset="0"/>
               </a:rPr>
@@ -10925,18 +11060,18 @@
             </a:r>
           </a:p>
           <a:p>
-            <a:endParaRPr lang="en-US" altLang="zh-CN" sz="2000" b="1">
+            <a:endParaRPr lang="en-US" altLang="zh-CN" sz="2000" b="1" dirty="0">
               <a:solidFill>
-                <a:schemeClr val="folHlink"/>
+                <a:srgbClr val="0432FF"/>
               </a:solidFill>
               <a:latin typeface="Courier New" panose="02070309020205020404" pitchFamily="49" charset="0"/>
             </a:endParaRPr>
           </a:p>
           <a:p>
             <a:r>
-              <a:rPr lang="en-US" altLang="zh-CN" sz="2000" b="1">
-                <a:solidFill>
-                  <a:schemeClr val="folHlink"/>
+              <a:rPr lang="en-US" altLang="zh-CN" sz="2000" b="1" dirty="0">
+                <a:solidFill>
+                  <a:srgbClr val="0432FF"/>
                 </a:solidFill>
                 <a:latin typeface="Courier New" panose="02070309020205020404" pitchFamily="49" charset="0"/>
               </a:rPr>
@@ -10944,18 +11079,18 @@
             </a:r>
           </a:p>
           <a:p>
-            <a:endParaRPr lang="en-US" altLang="zh-CN" sz="2000" b="1">
+            <a:endParaRPr lang="en-US" altLang="zh-CN" sz="2000" b="1" dirty="0">
               <a:solidFill>
-                <a:schemeClr val="folHlink"/>
+                <a:srgbClr val="0432FF"/>
               </a:solidFill>
               <a:latin typeface="Courier New" panose="02070309020205020404" pitchFamily="49" charset="0"/>
             </a:endParaRPr>
           </a:p>
           <a:p>
             <a:r>
-              <a:rPr lang="en-US" altLang="zh-CN" sz="2000" b="1">
-                <a:solidFill>
-                  <a:schemeClr val="folHlink"/>
+              <a:rPr lang="en-US" altLang="zh-CN" sz="2000" b="1" dirty="0">
+                <a:solidFill>
+                  <a:srgbClr val="0432FF"/>
                 </a:solidFill>
                 <a:latin typeface="Courier New" panose="02070309020205020404" pitchFamily="49" charset="0"/>
               </a:rPr>
@@ -11009,28 +11144,55 @@
           <a:lstStyle/>
           <a:p>
             <a:r>
-              <a:rPr lang="en-US" altLang="zh-CN" sz="2000" b="1">
-                <a:latin typeface="Courier New" panose="02070309020205020404" pitchFamily="49" charset="0"/>
-              </a:rPr>
-              <a:t>// main.c</a:t>
-            </a:r>
-          </a:p>
-          <a:p>
-            <a:r>
-              <a:rPr lang="en-US" altLang="zh-CN" sz="2000" b="1">
-                <a:solidFill>
-                  <a:schemeClr val="folHlink"/>
-                </a:solidFill>
-                <a:latin typeface="Courier New" panose="02070309020205020404" pitchFamily="49" charset="0"/>
-              </a:rPr>
-              <a:t>#include “area.h”</a:t>
-            </a:r>
-          </a:p>
-          <a:p>
-            <a:r>
-              <a:rPr lang="en-US" altLang="zh-CN" sz="2000" b="1">
-                <a:solidFill>
-                  <a:schemeClr val="folHlink"/>
+              <a:rPr lang="en-US" altLang="zh-CN" sz="2000" b="1" dirty="0">
+                <a:latin typeface="Courier New" panose="02070309020205020404" pitchFamily="49" charset="0"/>
+              </a:rPr>
+              <a:t>// </a:t>
+            </a:r>
+            <a:r>
+              <a:rPr lang="en-US" altLang="zh-CN" sz="2000" b="1" dirty="0" err="1">
+                <a:latin typeface="Courier New" panose="02070309020205020404" pitchFamily="49" charset="0"/>
+              </a:rPr>
+              <a:t>main.c</a:t>
+            </a:r>
+            <a:endParaRPr lang="en-US" altLang="zh-CN" sz="2000" b="1" dirty="0">
+              <a:latin typeface="Courier New" panose="02070309020205020404" pitchFamily="49" charset="0"/>
+            </a:endParaRPr>
+          </a:p>
+          <a:p>
+            <a:r>
+              <a:rPr lang="en-US" altLang="zh-CN" sz="2000" b="1" dirty="0">
+                <a:solidFill>
+                  <a:srgbClr val="0432FF"/>
+                </a:solidFill>
+                <a:latin typeface="Courier New" panose="02070309020205020404" pitchFamily="49" charset="0"/>
+              </a:rPr>
+              <a:t>#include “</a:t>
+            </a:r>
+            <a:r>
+              <a:rPr lang="en-US" altLang="zh-CN" sz="2000" b="1" dirty="0" err="1">
+                <a:solidFill>
+                  <a:srgbClr val="0432FF"/>
+                </a:solidFill>
+                <a:latin typeface="Courier New" panose="02070309020205020404" pitchFamily="49" charset="0"/>
+              </a:rPr>
+              <a:t>area.h</a:t>
+            </a:r>
+            <a:r>
+              <a:rPr lang="en-US" altLang="zh-CN" sz="2000" b="1" dirty="0">
+                <a:solidFill>
+                  <a:srgbClr val="0432FF"/>
+                </a:solidFill>
+                <a:latin typeface="Courier New" panose="02070309020205020404" pitchFamily="49" charset="0"/>
+              </a:rPr>
+              <a:t>”</a:t>
+            </a:r>
+          </a:p>
+          <a:p>
+            <a:r>
+              <a:rPr lang="en-US" altLang="zh-CN" sz="2000" b="1" dirty="0">
+                <a:solidFill>
+                  <a:srgbClr val="0432FF"/>
                 </a:solidFill>
                 <a:latin typeface="Courier New" panose="02070309020205020404" pitchFamily="49" charset="0"/>
               </a:rPr>
@@ -11262,36 +11424,63 @@
           <a:lstStyle/>
           <a:p>
             <a:r>
-              <a:rPr lang="en-US" altLang="zh-CN" sz="2000" b="1">
-                <a:latin typeface="Courier New" panose="02070309020205020404" pitchFamily="49" charset="0"/>
-              </a:rPr>
-              <a:t>// area.c</a:t>
-            </a:r>
-          </a:p>
-          <a:p>
-            <a:r>
-              <a:rPr lang="en-US" altLang="zh-CN" sz="2000" b="1">
-                <a:solidFill>
-                  <a:schemeClr val="folHlink"/>
-                </a:solidFill>
-                <a:latin typeface="Courier New" panose="02070309020205020404" pitchFamily="49" charset="0"/>
-              </a:rPr>
-              <a:t>#include “area.h”</a:t>
-            </a:r>
-          </a:p>
-          <a:p>
-            <a:endParaRPr lang="en-US" altLang="zh-CN" sz="2000" b="1">
+              <a:rPr lang="en-US" altLang="zh-CN" sz="2000" b="1" dirty="0">
+                <a:latin typeface="Courier New" panose="02070309020205020404" pitchFamily="49" charset="0"/>
+              </a:rPr>
+              <a:t>// </a:t>
+            </a:r>
+            <a:r>
+              <a:rPr lang="en-US" altLang="zh-CN" sz="2000" b="1" dirty="0" err="1">
+                <a:latin typeface="Courier New" panose="02070309020205020404" pitchFamily="49" charset="0"/>
+              </a:rPr>
+              <a:t>area.c</a:t>
+            </a:r>
+            <a:endParaRPr lang="en-US" altLang="zh-CN" sz="2000" b="1" dirty="0">
+              <a:latin typeface="Courier New" panose="02070309020205020404" pitchFamily="49" charset="0"/>
+            </a:endParaRPr>
+          </a:p>
+          <a:p>
+            <a:r>
+              <a:rPr lang="en-US" altLang="zh-CN" sz="2000" b="1" dirty="0">
+                <a:solidFill>
+                  <a:srgbClr val="0432FF"/>
+                </a:solidFill>
+                <a:latin typeface="Courier New" panose="02070309020205020404" pitchFamily="49" charset="0"/>
+              </a:rPr>
+              <a:t>#include “</a:t>
+            </a:r>
+            <a:r>
+              <a:rPr lang="en-US" altLang="zh-CN" sz="2000" b="1" dirty="0" err="1">
+                <a:solidFill>
+                  <a:srgbClr val="0432FF"/>
+                </a:solidFill>
+                <a:latin typeface="Courier New" panose="02070309020205020404" pitchFamily="49" charset="0"/>
+              </a:rPr>
+              <a:t>area.h</a:t>
+            </a:r>
+            <a:r>
+              <a:rPr lang="en-US" altLang="zh-CN" sz="2000" b="1" dirty="0">
+                <a:solidFill>
+                  <a:srgbClr val="0432FF"/>
+                </a:solidFill>
+                <a:latin typeface="Courier New" panose="02070309020205020404" pitchFamily="49" charset="0"/>
+              </a:rPr>
+              <a:t>”</a:t>
+            </a:r>
+          </a:p>
+          <a:p>
+            <a:endParaRPr lang="en-US" altLang="zh-CN" sz="2000" b="1" dirty="0">
               <a:solidFill>
-                <a:schemeClr val="folHlink"/>
+                <a:srgbClr val="0432FF"/>
               </a:solidFill>
               <a:latin typeface="Courier New" panose="02070309020205020404" pitchFamily="49" charset="0"/>
             </a:endParaRPr>
           </a:p>
           <a:p>
             <a:r>
-              <a:rPr lang="en-US" altLang="zh-CN" sz="2000" b="1">
-                <a:solidFill>
-                  <a:schemeClr val="folHlink"/>
+              <a:rPr lang="en-US" altLang="zh-CN" sz="2000" b="1" dirty="0">
+                <a:solidFill>
+                  <a:srgbClr val="0432FF"/>
                 </a:solidFill>
                 <a:latin typeface="Courier New" panose="02070309020205020404" pitchFamily="49" charset="0"/>
               </a:rPr>
@@ -11300,9 +11489,9 @@
           </a:p>
           <a:p>
             <a:r>
-              <a:rPr lang="en-US" altLang="zh-CN" sz="2000" b="1">
-                <a:solidFill>
-                  <a:schemeClr val="folHlink"/>
+              <a:rPr lang="en-US" altLang="zh-CN" sz="2000" b="1" dirty="0">
+                <a:solidFill>
+                  <a:srgbClr val="0432FF"/>
                 </a:solidFill>
                 <a:latin typeface="Courier New" panose="02070309020205020404" pitchFamily="49" charset="0"/>
               </a:rPr>
@@ -11311,9 +11500,9 @@
           </a:p>
           <a:p>
             <a:r>
-              <a:rPr lang="en-US" altLang="zh-CN" sz="2000" b="1">
-                <a:solidFill>
-                  <a:schemeClr val="folHlink"/>
+              <a:rPr lang="en-US" altLang="zh-CN" sz="2000" b="1" dirty="0">
+                <a:solidFill>
+                  <a:srgbClr val="0432FF"/>
                 </a:solidFill>
                 <a:latin typeface="Courier New" panose="02070309020205020404" pitchFamily="49" charset="0"/>
               </a:rPr>
@@ -11322,9 +11511,9 @@
           </a:p>
           <a:p>
             <a:r>
-              <a:rPr lang="en-US" altLang="zh-CN" sz="2000" b="1">
-                <a:solidFill>
-                  <a:schemeClr val="folHlink"/>
+              <a:rPr lang="en-US" altLang="zh-CN" sz="2000" b="1" dirty="0">
+                <a:solidFill>
+                  <a:srgbClr val="0432FF"/>
                 </a:solidFill>
                 <a:latin typeface="Courier New" panose="02070309020205020404" pitchFamily="49" charset="0"/>
               </a:rPr>
@@ -11333,9 +11522,9 @@
           </a:p>
           <a:p>
             <a:r>
-              <a:rPr lang="en-US" altLang="zh-CN" sz="2000" b="1">
-                <a:solidFill>
-                  <a:schemeClr val="folHlink"/>
+              <a:rPr lang="en-US" altLang="zh-CN" sz="2000" b="1" dirty="0">
+                <a:solidFill>
+                  <a:srgbClr val="0432FF"/>
                 </a:solidFill>
                 <a:latin typeface="Courier New" panose="02070309020205020404" pitchFamily="49" charset="0"/>
               </a:rPr>
@@ -11344,9 +11533,9 @@
           </a:p>
           <a:p>
             <a:r>
-              <a:rPr lang="en-US" altLang="zh-CN" sz="2000" b="1">
-                <a:solidFill>
-                  <a:schemeClr val="folHlink"/>
+              <a:rPr lang="en-US" altLang="zh-CN" sz="2000" b="1" dirty="0">
+                <a:solidFill>
+                  <a:srgbClr val="0432FF"/>
                 </a:solidFill>
                 <a:latin typeface="Courier New" panose="02070309020205020404" pitchFamily="49" charset="0"/>
               </a:rPr>
@@ -15537,7 +15726,7 @@
             <a:r>
               <a:rPr lang="en-US" altLang="zh-CN" sz="2000" b="1" dirty="0">
                 <a:solidFill>
-                  <a:schemeClr val="folHlink"/>
+                  <a:srgbClr val="0432FF"/>
                 </a:solidFill>
                 <a:latin typeface="Courier New" panose="02070309020205020404" pitchFamily="49" charset="0"/>
               </a:rPr>
@@ -15555,7 +15744,7 @@
             <a:r>
               <a:rPr lang="en-US" altLang="zh-CN" sz="2000" b="1" dirty="0">
                 <a:solidFill>
-                  <a:schemeClr val="folHlink"/>
+                  <a:srgbClr val="0432FF"/>
                 </a:solidFill>
                 <a:latin typeface="Courier New" panose="02070309020205020404" pitchFamily="49" charset="0"/>
               </a:rPr>
@@ -15572,7 +15761,7 @@
             </a:pPr>
             <a:endParaRPr lang="en-US" altLang="zh-CN" sz="2000" b="1" dirty="0">
               <a:solidFill>
-                <a:schemeClr val="folHlink"/>
+                <a:srgbClr val="0432FF"/>
               </a:solidFill>
               <a:latin typeface="Courier New" panose="02070309020205020404" pitchFamily="49" charset="0"/>
             </a:endParaRPr>
@@ -15588,7 +15777,7 @@
             <a:r>
               <a:rPr lang="en-US" altLang="zh-CN" sz="2000" b="1" dirty="0">
                 <a:solidFill>
-                  <a:schemeClr val="folHlink"/>
+                  <a:srgbClr val="0432FF"/>
                 </a:solidFill>
                 <a:latin typeface="Courier New" panose="02070309020205020404" pitchFamily="49" charset="0"/>
               </a:rPr>
@@ -15606,7 +15795,7 @@
             <a:r>
               <a:rPr lang="en-US" altLang="zh-CN" sz="2000" b="1" dirty="0">
                 <a:solidFill>
-                  <a:schemeClr val="folHlink"/>
+                  <a:srgbClr val="0432FF"/>
                 </a:solidFill>
                 <a:latin typeface="Courier New" panose="02070309020205020404" pitchFamily="49" charset="0"/>
               </a:rPr>
@@ -15615,7 +15804,7 @@
             <a:r>
               <a:rPr lang="en-US" altLang="zh-CN" sz="2000" b="1" dirty="0" err="1">
                 <a:solidFill>
-                  <a:schemeClr val="folHlink"/>
+                  <a:srgbClr val="0432FF"/>
                 </a:solidFill>
                 <a:latin typeface="Courier New" panose="02070309020205020404" pitchFamily="49" charset="0"/>
               </a:rPr>
@@ -15624,7 +15813,7 @@
             <a:r>
               <a:rPr lang="en-US" altLang="zh-CN" sz="2000" b="1" dirty="0">
                 <a:solidFill>
-                  <a:schemeClr val="folHlink"/>
+                  <a:srgbClr val="0432FF"/>
                 </a:solidFill>
                 <a:latin typeface="Courier New" panose="02070309020205020404" pitchFamily="49" charset="0"/>
               </a:rPr>
@@ -15642,7 +15831,7 @@
             <a:r>
               <a:rPr lang="en-US" altLang="zh-CN" sz="2000" b="1" dirty="0">
                 <a:solidFill>
-                  <a:schemeClr val="folHlink"/>
+                  <a:srgbClr val="0432FF"/>
                 </a:solidFill>
                 <a:latin typeface="Courier New" panose="02070309020205020404" pitchFamily="49" charset="0"/>
               </a:rPr>
@@ -15660,7 +15849,7 @@
             <a:r>
               <a:rPr lang="en-US" altLang="zh-CN" sz="2000" b="1" dirty="0">
                 <a:solidFill>
-                  <a:schemeClr val="folHlink"/>
+                  <a:srgbClr val="0432FF"/>
                 </a:solidFill>
                 <a:latin typeface="Courier New" panose="02070309020205020404" pitchFamily="49" charset="0"/>
               </a:rPr>
@@ -15678,7 +15867,7 @@
             <a:r>
               <a:rPr lang="en-US" altLang="zh-CN" sz="2000" b="1" dirty="0">
                 <a:solidFill>
-                  <a:schemeClr val="folHlink"/>
+                  <a:srgbClr val="0432FF"/>
                 </a:solidFill>
                 <a:latin typeface="Courier New" panose="02070309020205020404" pitchFamily="49" charset="0"/>
               </a:rPr>
@@ -15687,7 +15876,7 @@
             <a:r>
               <a:rPr lang="en-US" altLang="zh-CN" sz="2000" b="1" dirty="0" err="1">
                 <a:solidFill>
-                  <a:schemeClr val="folHlink"/>
+                  <a:srgbClr val="0432FF"/>
                 </a:solidFill>
                 <a:latin typeface="Courier New" panose="02070309020205020404" pitchFamily="49" charset="0"/>
               </a:rPr>
@@ -15696,7 +15885,7 @@
             <a:r>
               <a:rPr lang="en-US" altLang="zh-CN" sz="2000" b="1" dirty="0">
                 <a:solidFill>
-                  <a:schemeClr val="folHlink"/>
+                  <a:srgbClr val="0432FF"/>
                 </a:solidFill>
                 <a:latin typeface="Courier New" panose="02070309020205020404" pitchFamily="49" charset="0"/>
               </a:rPr>
@@ -15714,7 +15903,7 @@
             <a:r>
               <a:rPr lang="en-US" altLang="zh-CN" sz="2000" b="1" dirty="0">
                 <a:solidFill>
-                  <a:schemeClr val="folHlink"/>
+                  <a:srgbClr val="0432FF"/>
                 </a:solidFill>
                 <a:latin typeface="Courier New" panose="02070309020205020404" pitchFamily="49" charset="0"/>
               </a:rPr>
@@ -15732,7 +15921,7 @@
             <a:r>
               <a:rPr lang="en-US" altLang="zh-CN" sz="2000" b="1" dirty="0">
                 <a:solidFill>
-                  <a:schemeClr val="folHlink"/>
+                  <a:srgbClr val="0432FF"/>
                 </a:solidFill>
                 <a:latin typeface="Courier New" panose="02070309020205020404" pitchFamily="49" charset="0"/>
               </a:rPr>
@@ -15750,7 +15939,7 @@
             <a:r>
               <a:rPr lang="en-US" altLang="zh-CN" sz="2000" b="1" dirty="0">
                 <a:solidFill>
-                  <a:schemeClr val="folHlink"/>
+                  <a:srgbClr val="0432FF"/>
                 </a:solidFill>
                 <a:latin typeface="Courier New" panose="02070309020205020404" pitchFamily="49" charset="0"/>
               </a:rPr>
@@ -15766,14 +15955,20 @@
               <a:buNone/>
             </a:pPr>
             <a:r>
-              <a:rPr lang="en-US" altLang="zh-CN" sz="2000" b="1" dirty="0">
-                <a:solidFill>
-                  <a:schemeClr val="folHlink"/>
-                </a:solidFill>
-                <a:latin typeface="Courier New" panose="02070309020205020404" pitchFamily="49" charset="0"/>
-              </a:rPr>
-              <a:t>	bar ();</a:t>
-            </a:r>
+              <a:rPr lang="en-US" altLang="zh-CN" sz="2000" b="1">
+                <a:solidFill>
+                  <a:srgbClr val="0432FF"/>
+                </a:solidFill>
+                <a:latin typeface="Courier New" panose="02070309020205020404" pitchFamily="49" charset="0"/>
+              </a:rPr>
+              <a:t>	bar();</a:t>
+            </a:r>
+            <a:endParaRPr lang="en-US" altLang="zh-CN" sz="2000" b="1" dirty="0">
+              <a:solidFill>
+                <a:srgbClr val="0432FF"/>
+              </a:solidFill>
+              <a:latin typeface="Courier New" panose="02070309020205020404" pitchFamily="49" charset="0"/>
+            </a:endParaRPr>
           </a:p>
           <a:p>
             <a:pPr>
@@ -15786,7 +15981,7 @@
             <a:r>
               <a:rPr lang="en-US" altLang="zh-CN" sz="2000" b="1" dirty="0">
                 <a:solidFill>
-                  <a:schemeClr val="folHlink"/>
+                  <a:srgbClr val="0432FF"/>
                 </a:solidFill>
                 <a:latin typeface="Courier New" panose="02070309020205020404" pitchFamily="49" charset="0"/>
               </a:rPr>
@@ -17288,7 +17483,7 @@
           <a:lstStyle/>
           <a:p>
             <a:r>
-              <a:rPr lang="en-US" altLang="zh-CN" sz="2000" b="1">
+              <a:rPr lang="en-US" altLang="zh-CN" sz="2000" b="1" dirty="0">
                 <a:latin typeface="Courier New" panose="02070309020205020404" pitchFamily="49" charset="0"/>
               </a:rPr>
               <a:t>// file1.c</a:t>
@@ -17296,20 +17491,38 @@
           </a:p>
           <a:p>
             <a:r>
-              <a:rPr lang="en-US" altLang="zh-CN" sz="2000" b="1">
-                <a:solidFill>
-                  <a:schemeClr val="folHlink"/>
-                </a:solidFill>
-                <a:latin typeface="Courier New" panose="02070309020205020404" pitchFamily="49" charset="0"/>
-              </a:rPr>
-              <a:t>int i;</a:t>
-            </a:r>
-          </a:p>
-          <a:p>
-            <a:r>
-              <a:rPr lang="en-US" altLang="zh-CN" sz="2000" b="1">
-                <a:solidFill>
-                  <a:schemeClr val="folHlink"/>
+              <a:rPr lang="en-US" altLang="zh-CN" sz="2000" b="1" dirty="0">
+                <a:solidFill>
+                  <a:srgbClr val="0432FF"/>
+                </a:solidFill>
+                <a:latin typeface="Courier New" panose="02070309020205020404" pitchFamily="49" charset="0"/>
+              </a:rPr>
+              <a:t>int </a:t>
+            </a:r>
+            <a:r>
+              <a:rPr lang="en-US" altLang="zh-CN" sz="2000" b="1" dirty="0" err="1">
+                <a:solidFill>
+                  <a:srgbClr val="0432FF"/>
+                </a:solidFill>
+                <a:latin typeface="Courier New" panose="02070309020205020404" pitchFamily="49" charset="0"/>
+              </a:rPr>
+              <a:t>i</a:t>
+            </a:r>
+            <a:r>
+              <a:rPr lang="en-US" altLang="zh-CN" sz="2000" b="1" dirty="0">
+                <a:solidFill>
+                  <a:srgbClr val="0432FF"/>
+                </a:solidFill>
+                <a:latin typeface="Courier New" panose="02070309020205020404" pitchFamily="49" charset="0"/>
+              </a:rPr>
+              <a:t>;</a:t>
+            </a:r>
+          </a:p>
+          <a:p>
+            <a:r>
+              <a:rPr lang="en-US" altLang="zh-CN" sz="2000" b="1" dirty="0">
+                <a:solidFill>
+                  <a:srgbClr val="0432FF"/>
                 </a:solidFill>
                 <a:latin typeface="Courier New" panose="02070309020205020404" pitchFamily="49" charset="0"/>
               </a:rPr>
@@ -17317,18 +17530,18 @@
             </a:r>
           </a:p>
           <a:p>
-            <a:endParaRPr lang="en-US" altLang="zh-CN" sz="2000" b="1">
+            <a:endParaRPr lang="en-US" altLang="zh-CN" sz="2000" b="1" dirty="0">
               <a:solidFill>
-                <a:schemeClr val="folHlink"/>
+                <a:srgbClr val="0432FF"/>
               </a:solidFill>
               <a:latin typeface="Courier New" panose="02070309020205020404" pitchFamily="49" charset="0"/>
             </a:endParaRPr>
           </a:p>
           <a:p>
             <a:r>
-              <a:rPr lang="en-US" altLang="zh-CN" sz="2000" b="1">
-                <a:solidFill>
-                  <a:schemeClr val="folHlink"/>
+              <a:rPr lang="en-US" altLang="zh-CN" sz="2000" b="1" dirty="0">
+                <a:solidFill>
+                  <a:srgbClr val="0432FF"/>
                 </a:solidFill>
                 <a:latin typeface="Courier New" panose="02070309020205020404" pitchFamily="49" charset="0"/>
               </a:rPr>
@@ -17337,9 +17550,9 @@
           </a:p>
           <a:p>
             <a:r>
-              <a:rPr lang="en-US" altLang="zh-CN" sz="2000" b="1">
-                <a:solidFill>
-                  <a:schemeClr val="folHlink"/>
+              <a:rPr lang="en-US" altLang="zh-CN" sz="2000" b="1" dirty="0">
+                <a:solidFill>
+                  <a:srgbClr val="0432FF"/>
                 </a:solidFill>
                 <a:latin typeface="Courier New" panose="02070309020205020404" pitchFamily="49" charset="0"/>
               </a:rPr>
@@ -17348,9 +17561,9 @@
           </a:p>
           <a:p>
             <a:r>
-              <a:rPr lang="en-US" altLang="zh-CN" sz="2000" b="1">
-                <a:solidFill>
-                  <a:schemeClr val="folHlink"/>
+              <a:rPr lang="en-US" altLang="zh-CN" sz="2000" b="1" dirty="0">
+                <a:solidFill>
+                  <a:srgbClr val="0432FF"/>
                 </a:solidFill>
                 <a:latin typeface="Courier New" panose="02070309020205020404" pitchFamily="49" charset="0"/>
               </a:rPr>
@@ -17404,7 +17617,7 @@
           <a:lstStyle/>
           <a:p>
             <a:r>
-              <a:rPr lang="en-US" altLang="zh-CN" sz="2000" b="1">
+              <a:rPr lang="en-US" altLang="zh-CN" sz="2000" b="1" dirty="0">
                 <a:latin typeface="Courier New" panose="02070309020205020404" pitchFamily="49" charset="0"/>
               </a:rPr>
               <a:t>// file2.c</a:t>
@@ -17412,20 +17625,38 @@
           </a:p>
           <a:p>
             <a:r>
-              <a:rPr lang="en-US" altLang="zh-CN" sz="2000" b="1">
-                <a:solidFill>
-                  <a:schemeClr val="folHlink"/>
-                </a:solidFill>
-                <a:latin typeface="Courier New" panose="02070309020205020404" pitchFamily="49" charset="0"/>
-              </a:rPr>
-              <a:t>extern int i;</a:t>
-            </a:r>
-          </a:p>
-          <a:p>
-            <a:r>
-              <a:rPr lang="en-US" altLang="zh-CN" sz="2000" b="1">
-                <a:solidFill>
-                  <a:schemeClr val="folHlink"/>
+              <a:rPr lang="en-US" altLang="zh-CN" sz="2000" b="1" dirty="0">
+                <a:solidFill>
+                  <a:srgbClr val="0432FF"/>
+                </a:solidFill>
+                <a:latin typeface="Courier New" panose="02070309020205020404" pitchFamily="49" charset="0"/>
+              </a:rPr>
+              <a:t>extern int </a:t>
+            </a:r>
+            <a:r>
+              <a:rPr lang="en-US" altLang="zh-CN" sz="2000" b="1" dirty="0" err="1">
+                <a:solidFill>
+                  <a:srgbClr val="0432FF"/>
+                </a:solidFill>
+                <a:latin typeface="Courier New" panose="02070309020205020404" pitchFamily="49" charset="0"/>
+              </a:rPr>
+              <a:t>i</a:t>
+            </a:r>
+            <a:r>
+              <a:rPr lang="en-US" altLang="zh-CN" sz="2000" b="1" dirty="0">
+                <a:solidFill>
+                  <a:srgbClr val="0432FF"/>
+                </a:solidFill>
+                <a:latin typeface="Courier New" panose="02070309020205020404" pitchFamily="49" charset="0"/>
+              </a:rPr>
+              <a:t>;</a:t>
+            </a:r>
+          </a:p>
+          <a:p>
+            <a:r>
+              <a:rPr lang="en-US" altLang="zh-CN" sz="2000" b="1" dirty="0">
+                <a:solidFill>
+                  <a:srgbClr val="0432FF"/>
                 </a:solidFill>
                 <a:latin typeface="Courier New" panose="02070309020205020404" pitchFamily="49" charset="0"/>
               </a:rPr>
@@ -17434,9 +17665,9 @@
           </a:p>
           <a:p>
             <a:r>
-              <a:rPr lang="en-US" altLang="zh-CN" sz="2000" b="1">
-                <a:solidFill>
-                  <a:schemeClr val="folHlink"/>
+              <a:rPr lang="en-US" altLang="zh-CN" sz="2000" b="1" dirty="0">
+                <a:solidFill>
+                  <a:srgbClr val="0432FF"/>
                 </a:solidFill>
                 <a:latin typeface="Courier New" panose="02070309020205020404" pitchFamily="49" charset="0"/>
               </a:rPr>
@@ -17590,7 +17821,7 @@
           <a:lstStyle/>
           <a:p>
             <a:r>
-              <a:rPr lang="en-US" altLang="zh-CN" sz="2000" b="1">
+              <a:rPr lang="en-US" altLang="zh-CN" sz="2000" b="1" dirty="0">
                 <a:latin typeface="Courier New" panose="02070309020205020404" pitchFamily="49" charset="0"/>
               </a:rPr>
               <a:t>// file3.c</a:t>
@@ -17598,20 +17829,38 @@
           </a:p>
           <a:p>
             <a:r>
-              <a:rPr lang="en-US" altLang="zh-CN" sz="2000" b="1">
-                <a:solidFill>
-                  <a:schemeClr val="folHlink"/>
-                </a:solidFill>
-                <a:latin typeface="Courier New" panose="02070309020205020404" pitchFamily="49" charset="0"/>
-              </a:rPr>
-              <a:t>extern int i;</a:t>
-            </a:r>
-          </a:p>
-          <a:p>
-            <a:r>
-              <a:rPr lang="en-US" altLang="zh-CN" sz="2000" b="1">
-                <a:solidFill>
-                  <a:schemeClr val="folHlink"/>
+              <a:rPr lang="en-US" altLang="zh-CN" sz="2000" b="1" dirty="0">
+                <a:solidFill>
+                  <a:srgbClr val="0432FF"/>
+                </a:solidFill>
+                <a:latin typeface="Courier New" panose="02070309020205020404" pitchFamily="49" charset="0"/>
+              </a:rPr>
+              <a:t>extern int </a:t>
+            </a:r>
+            <a:r>
+              <a:rPr lang="en-US" altLang="zh-CN" sz="2000" b="1" dirty="0" err="1">
+                <a:solidFill>
+                  <a:srgbClr val="0432FF"/>
+                </a:solidFill>
+                <a:latin typeface="Courier New" panose="02070309020205020404" pitchFamily="49" charset="0"/>
+              </a:rPr>
+              <a:t>i</a:t>
+            </a:r>
+            <a:r>
+              <a:rPr lang="en-US" altLang="zh-CN" sz="2000" b="1" dirty="0">
+                <a:solidFill>
+                  <a:srgbClr val="0432FF"/>
+                </a:solidFill>
+                <a:latin typeface="Courier New" panose="02070309020205020404" pitchFamily="49" charset="0"/>
+              </a:rPr>
+              <a:t>;</a:t>
+            </a:r>
+          </a:p>
+          <a:p>
+            <a:r>
+              <a:rPr lang="en-US" altLang="zh-CN" sz="2000" b="1" dirty="0">
+                <a:solidFill>
+                  <a:srgbClr val="0432FF"/>
                 </a:solidFill>
                 <a:latin typeface="Courier New" panose="02070309020205020404" pitchFamily="49" charset="0"/>
               </a:rPr>
@@ -17620,7 +17869,10 @@
           </a:p>
           <a:p>
             <a:r>
-              <a:rPr lang="en-US" altLang="zh-CN" sz="2000" b="1">
+              <a:rPr lang="en-US" altLang="zh-CN" sz="2000" b="1" dirty="0">
+                <a:solidFill>
+                  <a:srgbClr val="0432FF"/>
+                </a:solidFill>
                 <a:latin typeface="Courier New" panose="02070309020205020404" pitchFamily="49" charset="0"/>
               </a:rPr>
               <a:t>…</a:t>
